--- a/INCA二次开发手册.pptx
+++ b/INCA二次开发手册.pptx
@@ -7,7 +7,7 @@
     <p:sldMasterId id="2147483651" r:id="rId3"/>
   </p:sldMasterIdLst>
   <p:notesMasterIdLst>
-    <p:notesMasterId r:id="rId53"/>
+    <p:notesMasterId r:id="rId55"/>
   </p:notesMasterIdLst>
   <p:sldIdLst>
     <p:sldId id="314" r:id="rId4"/>
@@ -56,9 +56,11 @@
     <p:sldId id="478" r:id="rId47"/>
     <p:sldId id="489" r:id="rId48"/>
     <p:sldId id="492" r:id="rId49"/>
-    <p:sldId id="458" r:id="rId50"/>
-    <p:sldId id="504" r:id="rId51"/>
-    <p:sldId id="440" r:id="rId52"/>
+    <p:sldId id="506" r:id="rId50"/>
+    <p:sldId id="507" r:id="rId51"/>
+    <p:sldId id="458" r:id="rId52"/>
+    <p:sldId id="504" r:id="rId53"/>
+    <p:sldId id="440" r:id="rId54"/>
   </p:sldIdLst>
   <p:sldSz cx="9144000" cy="6858000" type="screen4x3"/>
   <p:notesSz cx="6858000" cy="9144000"/>
@@ -236,7 +238,7 @@
           <p:cNvPr id="4098" name="Rectangle 2">
             <a:extLst>
               <a:ext uri="{FF2B5EF4-FFF2-40B4-BE49-F238E27FC236}">
-                <a16:creationId xmlns="" xmlns:a16="http://schemas.microsoft.com/office/drawing/2014/main" id="{1C270484-D179-4A70-83E2-D970D642B9F4}"/>
+                <a16:creationId xmlns:a16="http://schemas.microsoft.com/office/drawing/2014/main" id="{1C270484-D179-4A70-83E2-D970D642B9F4}"/>
               </a:ext>
             </a:extLst>
           </p:cNvPr>
@@ -326,7 +328,7 @@
           <p:cNvPr id="4100" name="Rectangle 5">
             <a:extLst>
               <a:ext uri="{FF2B5EF4-FFF2-40B4-BE49-F238E27FC236}">
-                <a16:creationId xmlns="" xmlns:a16="http://schemas.microsoft.com/office/drawing/2014/main" id="{C8F71E6D-0ADF-4927-82EB-F468FCED051C}"/>
+                <a16:creationId xmlns:a16="http://schemas.microsoft.com/office/drawing/2014/main" id="{C8F71E6D-0ADF-4927-82EB-F468FCED051C}"/>
               </a:ext>
             </a:extLst>
           </p:cNvPr>
@@ -382,7 +384,7 @@
           <p:cNvPr id="4101" name="Rectangle 7">
             <a:extLst>
               <a:ext uri="{FF2B5EF4-FFF2-40B4-BE49-F238E27FC236}">
-                <a16:creationId xmlns="" xmlns:a16="http://schemas.microsoft.com/office/drawing/2014/main" id="{8A7F5357-8419-4110-B069-8909715D4BA0}"/>
+                <a16:creationId xmlns:a16="http://schemas.microsoft.com/office/drawing/2014/main" id="{8A7F5357-8419-4110-B069-8909715D4BA0}"/>
               </a:ext>
             </a:extLst>
           </p:cNvPr>
@@ -440,7 +442,7 @@
           <p:cNvPr id="4102" name="Rectangle 12">
             <a:extLst>
               <a:ext uri="{FF2B5EF4-FFF2-40B4-BE49-F238E27FC236}">
-                <a16:creationId xmlns="" xmlns:a16="http://schemas.microsoft.com/office/drawing/2014/main" id="{DFEA1865-AEEE-4064-9530-F23F450D4CFD}"/>
+                <a16:creationId xmlns:a16="http://schemas.microsoft.com/office/drawing/2014/main" id="{DFEA1865-AEEE-4064-9530-F23F450D4CFD}"/>
               </a:ext>
             </a:extLst>
           </p:cNvPr>
@@ -883,7 +885,7 @@
           </a:bodyPr>
           <a:lstStyle/>
           <a:p>
-            <a:endParaRPr lang="zh-CN" altLang="en-US" smtClean="0"/>
+            <a:endParaRPr lang="zh-CN" altLang="en-US"/>
           </a:p>
         </p:txBody>
       </p:sp>
@@ -1063,7 +1065,7 @@
               </a:pPr>
               <a:t>28</a:t>
             </a:fld>
-            <a:endParaRPr lang="en-US" altLang="zh-CN" smtClean="0"/>
+            <a:endParaRPr lang="en-US" altLang="zh-CN"/>
           </a:p>
         </p:txBody>
       </p:sp>
@@ -1155,7 +1157,7 @@
           </a:bodyPr>
           <a:lstStyle/>
           <a:p>
-            <a:endParaRPr lang="zh-CN" altLang="en-US" smtClean="0"/>
+            <a:endParaRPr lang="zh-CN" altLang="en-US"/>
           </a:p>
         </p:txBody>
       </p:sp>
@@ -1335,7 +1337,7 @@
               </a:pPr>
               <a:t>30</a:t>
             </a:fld>
-            <a:endParaRPr lang="en-US" altLang="zh-CN" smtClean="0"/>
+            <a:endParaRPr lang="en-US" altLang="zh-CN"/>
           </a:p>
         </p:txBody>
       </p:sp>
@@ -1427,7 +1429,7 @@
           </a:bodyPr>
           <a:lstStyle/>
           <a:p>
-            <a:endParaRPr lang="zh-CN" altLang="en-US" smtClean="0"/>
+            <a:endParaRPr lang="zh-CN" altLang="en-US"/>
           </a:p>
         </p:txBody>
       </p:sp>
@@ -1607,7 +1609,7 @@
               </a:pPr>
               <a:t>31</a:t>
             </a:fld>
-            <a:endParaRPr lang="en-US" altLang="zh-CN" smtClean="0"/>
+            <a:endParaRPr lang="en-US" altLang="zh-CN"/>
           </a:p>
         </p:txBody>
       </p:sp>
@@ -2841,7 +2843,7 @@
           <p:cNvPr id="4" name="Rectangle 4">
             <a:extLst>
               <a:ext uri="{FF2B5EF4-FFF2-40B4-BE49-F238E27FC236}">
-                <a16:creationId xmlns="" xmlns:a16="http://schemas.microsoft.com/office/drawing/2014/main" id="{DE549089-6FF4-429C-A3CD-9DA78B93595D}"/>
+                <a16:creationId xmlns:a16="http://schemas.microsoft.com/office/drawing/2014/main" id="{DE549089-6FF4-429C-A3CD-9DA78B93595D}"/>
               </a:ext>
             </a:extLst>
           </p:cNvPr>
@@ -2875,7 +2877,7 @@
           <p:cNvPr id="5" name="Rectangle 5">
             <a:extLst>
               <a:ext uri="{FF2B5EF4-FFF2-40B4-BE49-F238E27FC236}">
-                <a16:creationId xmlns="" xmlns:a16="http://schemas.microsoft.com/office/drawing/2014/main" id="{3C0ABA07-BB31-4FC1-AFEA-3C35089FA63D}"/>
+                <a16:creationId xmlns:a16="http://schemas.microsoft.com/office/drawing/2014/main" id="{3C0ABA07-BB31-4FC1-AFEA-3C35089FA63D}"/>
               </a:ext>
             </a:extLst>
           </p:cNvPr>
@@ -2909,7 +2911,7 @@
           <p:cNvPr id="6" name="Rectangle 6">
             <a:extLst>
               <a:ext uri="{FF2B5EF4-FFF2-40B4-BE49-F238E27FC236}">
-                <a16:creationId xmlns="" xmlns:a16="http://schemas.microsoft.com/office/drawing/2014/main" id="{E036FE65-930A-462D-8D3A-F55B22845DCA}"/>
+                <a16:creationId xmlns:a16="http://schemas.microsoft.com/office/drawing/2014/main" id="{E036FE65-930A-462D-8D3A-F55B22845DCA}"/>
               </a:ext>
             </a:extLst>
           </p:cNvPr>
@@ -3053,7 +3055,7 @@
           <p:cNvPr id="4" name="Rectangle 4">
             <a:extLst>
               <a:ext uri="{FF2B5EF4-FFF2-40B4-BE49-F238E27FC236}">
-                <a16:creationId xmlns="" xmlns:a16="http://schemas.microsoft.com/office/drawing/2014/main" id="{DE549089-6FF4-429C-A3CD-9DA78B93595D}"/>
+                <a16:creationId xmlns:a16="http://schemas.microsoft.com/office/drawing/2014/main" id="{DE549089-6FF4-429C-A3CD-9DA78B93595D}"/>
               </a:ext>
             </a:extLst>
           </p:cNvPr>
@@ -3087,7 +3089,7 @@
           <p:cNvPr id="5" name="Rectangle 5">
             <a:extLst>
               <a:ext uri="{FF2B5EF4-FFF2-40B4-BE49-F238E27FC236}">
-                <a16:creationId xmlns="" xmlns:a16="http://schemas.microsoft.com/office/drawing/2014/main" id="{3C0ABA07-BB31-4FC1-AFEA-3C35089FA63D}"/>
+                <a16:creationId xmlns:a16="http://schemas.microsoft.com/office/drawing/2014/main" id="{3C0ABA07-BB31-4FC1-AFEA-3C35089FA63D}"/>
               </a:ext>
             </a:extLst>
           </p:cNvPr>
@@ -3121,7 +3123,7 @@
           <p:cNvPr id="6" name="Rectangle 6">
             <a:extLst>
               <a:ext uri="{FF2B5EF4-FFF2-40B4-BE49-F238E27FC236}">
-                <a16:creationId xmlns="" xmlns:a16="http://schemas.microsoft.com/office/drawing/2014/main" id="{E036FE65-930A-462D-8D3A-F55B22845DCA}"/>
+                <a16:creationId xmlns:a16="http://schemas.microsoft.com/office/drawing/2014/main" id="{E036FE65-930A-462D-8D3A-F55B22845DCA}"/>
               </a:ext>
             </a:extLst>
           </p:cNvPr>
@@ -3288,7 +3290,7 @@
           <p:cNvPr id="4" name="Rectangle 4">
             <a:extLst>
               <a:ext uri="{FF2B5EF4-FFF2-40B4-BE49-F238E27FC236}">
-                <a16:creationId xmlns="" xmlns:a16="http://schemas.microsoft.com/office/drawing/2014/main" id="{DE549089-6FF4-429C-A3CD-9DA78B93595D}"/>
+                <a16:creationId xmlns:a16="http://schemas.microsoft.com/office/drawing/2014/main" id="{DE549089-6FF4-429C-A3CD-9DA78B93595D}"/>
               </a:ext>
             </a:extLst>
           </p:cNvPr>
@@ -3322,7 +3324,7 @@
           <p:cNvPr id="5" name="Rectangle 5">
             <a:extLst>
               <a:ext uri="{FF2B5EF4-FFF2-40B4-BE49-F238E27FC236}">
-                <a16:creationId xmlns="" xmlns:a16="http://schemas.microsoft.com/office/drawing/2014/main" id="{3C0ABA07-BB31-4FC1-AFEA-3C35089FA63D}"/>
+                <a16:creationId xmlns:a16="http://schemas.microsoft.com/office/drawing/2014/main" id="{3C0ABA07-BB31-4FC1-AFEA-3C35089FA63D}"/>
               </a:ext>
             </a:extLst>
           </p:cNvPr>
@@ -3356,7 +3358,7 @@
           <p:cNvPr id="6" name="Rectangle 6">
             <a:extLst>
               <a:ext uri="{FF2B5EF4-FFF2-40B4-BE49-F238E27FC236}">
-                <a16:creationId xmlns="" xmlns:a16="http://schemas.microsoft.com/office/drawing/2014/main" id="{E036FE65-930A-462D-8D3A-F55B22845DCA}"/>
+                <a16:creationId xmlns:a16="http://schemas.microsoft.com/office/drawing/2014/main" id="{E036FE65-930A-462D-8D3A-F55B22845DCA}"/>
               </a:ext>
             </a:extLst>
           </p:cNvPr>
@@ -3617,7 +3619,7 @@
           <p:cNvPr id="5" name="Rectangle 4">
             <a:extLst>
               <a:ext uri="{FF2B5EF4-FFF2-40B4-BE49-F238E27FC236}">
-                <a16:creationId xmlns="" xmlns:a16="http://schemas.microsoft.com/office/drawing/2014/main" id="{DE549089-6FF4-429C-A3CD-9DA78B93595D}"/>
+                <a16:creationId xmlns:a16="http://schemas.microsoft.com/office/drawing/2014/main" id="{DE549089-6FF4-429C-A3CD-9DA78B93595D}"/>
               </a:ext>
             </a:extLst>
           </p:cNvPr>
@@ -3651,7 +3653,7 @@
           <p:cNvPr id="6" name="Rectangle 5">
             <a:extLst>
               <a:ext uri="{FF2B5EF4-FFF2-40B4-BE49-F238E27FC236}">
-                <a16:creationId xmlns="" xmlns:a16="http://schemas.microsoft.com/office/drawing/2014/main" id="{3C0ABA07-BB31-4FC1-AFEA-3C35089FA63D}"/>
+                <a16:creationId xmlns:a16="http://schemas.microsoft.com/office/drawing/2014/main" id="{3C0ABA07-BB31-4FC1-AFEA-3C35089FA63D}"/>
               </a:ext>
             </a:extLst>
           </p:cNvPr>
@@ -3685,7 +3687,7 @@
           <p:cNvPr id="7" name="Rectangle 6">
             <a:extLst>
               <a:ext uri="{FF2B5EF4-FFF2-40B4-BE49-F238E27FC236}">
-                <a16:creationId xmlns="" xmlns:a16="http://schemas.microsoft.com/office/drawing/2014/main" id="{E036FE65-930A-462D-8D3A-F55B22845DCA}"/>
+                <a16:creationId xmlns:a16="http://schemas.microsoft.com/office/drawing/2014/main" id="{E036FE65-930A-462D-8D3A-F55B22845DCA}"/>
               </a:ext>
             </a:extLst>
           </p:cNvPr>
@@ -4226,7 +4228,7 @@
           <p:cNvPr id="7" name="Rectangle 4">
             <a:extLst>
               <a:ext uri="{FF2B5EF4-FFF2-40B4-BE49-F238E27FC236}">
-                <a16:creationId xmlns="" xmlns:a16="http://schemas.microsoft.com/office/drawing/2014/main" id="{DE549089-6FF4-429C-A3CD-9DA78B93595D}"/>
+                <a16:creationId xmlns:a16="http://schemas.microsoft.com/office/drawing/2014/main" id="{DE549089-6FF4-429C-A3CD-9DA78B93595D}"/>
               </a:ext>
             </a:extLst>
           </p:cNvPr>
@@ -4260,7 +4262,7 @@
           <p:cNvPr id="8" name="Rectangle 5">
             <a:extLst>
               <a:ext uri="{FF2B5EF4-FFF2-40B4-BE49-F238E27FC236}">
-                <a16:creationId xmlns="" xmlns:a16="http://schemas.microsoft.com/office/drawing/2014/main" id="{3C0ABA07-BB31-4FC1-AFEA-3C35089FA63D}"/>
+                <a16:creationId xmlns:a16="http://schemas.microsoft.com/office/drawing/2014/main" id="{3C0ABA07-BB31-4FC1-AFEA-3C35089FA63D}"/>
               </a:ext>
             </a:extLst>
           </p:cNvPr>
@@ -4294,7 +4296,7 @@
           <p:cNvPr id="9" name="Rectangle 6">
             <a:extLst>
               <a:ext uri="{FF2B5EF4-FFF2-40B4-BE49-F238E27FC236}">
-                <a16:creationId xmlns="" xmlns:a16="http://schemas.microsoft.com/office/drawing/2014/main" id="{E036FE65-930A-462D-8D3A-F55B22845DCA}"/>
+                <a16:creationId xmlns:a16="http://schemas.microsoft.com/office/drawing/2014/main" id="{E036FE65-930A-462D-8D3A-F55B22845DCA}"/>
               </a:ext>
             </a:extLst>
           </p:cNvPr>
@@ -4387,7 +4389,7 @@
           <p:cNvPr id="3" name="Rectangle 4">
             <a:extLst>
               <a:ext uri="{FF2B5EF4-FFF2-40B4-BE49-F238E27FC236}">
-                <a16:creationId xmlns="" xmlns:a16="http://schemas.microsoft.com/office/drawing/2014/main" id="{DE549089-6FF4-429C-A3CD-9DA78B93595D}"/>
+                <a16:creationId xmlns:a16="http://schemas.microsoft.com/office/drawing/2014/main" id="{DE549089-6FF4-429C-A3CD-9DA78B93595D}"/>
               </a:ext>
             </a:extLst>
           </p:cNvPr>
@@ -4421,7 +4423,7 @@
           <p:cNvPr id="4" name="Rectangle 5">
             <a:extLst>
               <a:ext uri="{FF2B5EF4-FFF2-40B4-BE49-F238E27FC236}">
-                <a16:creationId xmlns="" xmlns:a16="http://schemas.microsoft.com/office/drawing/2014/main" id="{3C0ABA07-BB31-4FC1-AFEA-3C35089FA63D}"/>
+                <a16:creationId xmlns:a16="http://schemas.microsoft.com/office/drawing/2014/main" id="{3C0ABA07-BB31-4FC1-AFEA-3C35089FA63D}"/>
               </a:ext>
             </a:extLst>
           </p:cNvPr>
@@ -4455,7 +4457,7 @@
           <p:cNvPr id="5" name="Rectangle 6">
             <a:extLst>
               <a:ext uri="{FF2B5EF4-FFF2-40B4-BE49-F238E27FC236}">
-                <a16:creationId xmlns="" xmlns:a16="http://schemas.microsoft.com/office/drawing/2014/main" id="{E036FE65-930A-462D-8D3A-F55B22845DCA}"/>
+                <a16:creationId xmlns:a16="http://schemas.microsoft.com/office/drawing/2014/main" id="{E036FE65-930A-462D-8D3A-F55B22845DCA}"/>
               </a:ext>
             </a:extLst>
           </p:cNvPr>
@@ -4526,7 +4528,7 @@
           <p:cNvPr id="2" name="Rectangle 4">
             <a:extLst>
               <a:ext uri="{FF2B5EF4-FFF2-40B4-BE49-F238E27FC236}">
-                <a16:creationId xmlns="" xmlns:a16="http://schemas.microsoft.com/office/drawing/2014/main" id="{DE549089-6FF4-429C-A3CD-9DA78B93595D}"/>
+                <a16:creationId xmlns:a16="http://schemas.microsoft.com/office/drawing/2014/main" id="{DE549089-6FF4-429C-A3CD-9DA78B93595D}"/>
               </a:ext>
             </a:extLst>
           </p:cNvPr>
@@ -4560,7 +4562,7 @@
           <p:cNvPr id="3" name="Rectangle 5">
             <a:extLst>
               <a:ext uri="{FF2B5EF4-FFF2-40B4-BE49-F238E27FC236}">
-                <a16:creationId xmlns="" xmlns:a16="http://schemas.microsoft.com/office/drawing/2014/main" id="{3C0ABA07-BB31-4FC1-AFEA-3C35089FA63D}"/>
+                <a16:creationId xmlns:a16="http://schemas.microsoft.com/office/drawing/2014/main" id="{3C0ABA07-BB31-4FC1-AFEA-3C35089FA63D}"/>
               </a:ext>
             </a:extLst>
           </p:cNvPr>
@@ -4594,7 +4596,7 @@
           <p:cNvPr id="4" name="Rectangle 6">
             <a:extLst>
               <a:ext uri="{FF2B5EF4-FFF2-40B4-BE49-F238E27FC236}">
-                <a16:creationId xmlns="" xmlns:a16="http://schemas.microsoft.com/office/drawing/2014/main" id="{E036FE65-930A-462D-8D3A-F55B22845DCA}"/>
+                <a16:creationId xmlns:a16="http://schemas.microsoft.com/office/drawing/2014/main" id="{E036FE65-930A-462D-8D3A-F55B22845DCA}"/>
               </a:ext>
             </a:extLst>
           </p:cNvPr>
@@ -4845,7 +4847,7 @@
           <p:cNvPr id="5" name="Rectangle 4">
             <a:extLst>
               <a:ext uri="{FF2B5EF4-FFF2-40B4-BE49-F238E27FC236}">
-                <a16:creationId xmlns="" xmlns:a16="http://schemas.microsoft.com/office/drawing/2014/main" id="{DE549089-6FF4-429C-A3CD-9DA78B93595D}"/>
+                <a16:creationId xmlns:a16="http://schemas.microsoft.com/office/drawing/2014/main" id="{DE549089-6FF4-429C-A3CD-9DA78B93595D}"/>
               </a:ext>
             </a:extLst>
           </p:cNvPr>
@@ -4879,7 +4881,7 @@
           <p:cNvPr id="6" name="Rectangle 5">
             <a:extLst>
               <a:ext uri="{FF2B5EF4-FFF2-40B4-BE49-F238E27FC236}">
-                <a16:creationId xmlns="" xmlns:a16="http://schemas.microsoft.com/office/drawing/2014/main" id="{3C0ABA07-BB31-4FC1-AFEA-3C35089FA63D}"/>
+                <a16:creationId xmlns:a16="http://schemas.microsoft.com/office/drawing/2014/main" id="{3C0ABA07-BB31-4FC1-AFEA-3C35089FA63D}"/>
               </a:ext>
             </a:extLst>
           </p:cNvPr>
@@ -4913,7 +4915,7 @@
           <p:cNvPr id="7" name="Rectangle 6">
             <a:extLst>
               <a:ext uri="{FF2B5EF4-FFF2-40B4-BE49-F238E27FC236}">
-                <a16:creationId xmlns="" xmlns:a16="http://schemas.microsoft.com/office/drawing/2014/main" id="{E036FE65-930A-462D-8D3A-F55B22845DCA}"/>
+                <a16:creationId xmlns:a16="http://schemas.microsoft.com/office/drawing/2014/main" id="{E036FE65-930A-462D-8D3A-F55B22845DCA}"/>
               </a:ext>
             </a:extLst>
           </p:cNvPr>
@@ -5142,7 +5144,7 @@
           <p:cNvPr id="5" name="Rectangle 4">
             <a:extLst>
               <a:ext uri="{FF2B5EF4-FFF2-40B4-BE49-F238E27FC236}">
-                <a16:creationId xmlns="" xmlns:a16="http://schemas.microsoft.com/office/drawing/2014/main" id="{DE549089-6FF4-429C-A3CD-9DA78B93595D}"/>
+                <a16:creationId xmlns:a16="http://schemas.microsoft.com/office/drawing/2014/main" id="{DE549089-6FF4-429C-A3CD-9DA78B93595D}"/>
               </a:ext>
             </a:extLst>
           </p:cNvPr>
@@ -5176,7 +5178,7 @@
           <p:cNvPr id="6" name="Rectangle 5">
             <a:extLst>
               <a:ext uri="{FF2B5EF4-FFF2-40B4-BE49-F238E27FC236}">
-                <a16:creationId xmlns="" xmlns:a16="http://schemas.microsoft.com/office/drawing/2014/main" id="{3C0ABA07-BB31-4FC1-AFEA-3C35089FA63D}"/>
+                <a16:creationId xmlns:a16="http://schemas.microsoft.com/office/drawing/2014/main" id="{3C0ABA07-BB31-4FC1-AFEA-3C35089FA63D}"/>
               </a:ext>
             </a:extLst>
           </p:cNvPr>
@@ -5210,7 +5212,7 @@
           <p:cNvPr id="7" name="Rectangle 6">
             <a:extLst>
               <a:ext uri="{FF2B5EF4-FFF2-40B4-BE49-F238E27FC236}">
-                <a16:creationId xmlns="" xmlns:a16="http://schemas.microsoft.com/office/drawing/2014/main" id="{E036FE65-930A-462D-8D3A-F55B22845DCA}"/>
+                <a16:creationId xmlns:a16="http://schemas.microsoft.com/office/drawing/2014/main" id="{E036FE65-930A-462D-8D3A-F55B22845DCA}"/>
               </a:ext>
             </a:extLst>
           </p:cNvPr>
@@ -5354,7 +5356,7 @@
           <p:cNvPr id="4" name="Rectangle 4">
             <a:extLst>
               <a:ext uri="{FF2B5EF4-FFF2-40B4-BE49-F238E27FC236}">
-                <a16:creationId xmlns="" xmlns:a16="http://schemas.microsoft.com/office/drawing/2014/main" id="{DE549089-6FF4-429C-A3CD-9DA78B93595D}"/>
+                <a16:creationId xmlns:a16="http://schemas.microsoft.com/office/drawing/2014/main" id="{DE549089-6FF4-429C-A3CD-9DA78B93595D}"/>
               </a:ext>
             </a:extLst>
           </p:cNvPr>
@@ -5388,7 +5390,7 @@
           <p:cNvPr id="5" name="Rectangle 5">
             <a:extLst>
               <a:ext uri="{FF2B5EF4-FFF2-40B4-BE49-F238E27FC236}">
-                <a16:creationId xmlns="" xmlns:a16="http://schemas.microsoft.com/office/drawing/2014/main" id="{3C0ABA07-BB31-4FC1-AFEA-3C35089FA63D}"/>
+                <a16:creationId xmlns:a16="http://schemas.microsoft.com/office/drawing/2014/main" id="{3C0ABA07-BB31-4FC1-AFEA-3C35089FA63D}"/>
               </a:ext>
             </a:extLst>
           </p:cNvPr>
@@ -5422,7 +5424,7 @@
           <p:cNvPr id="6" name="Rectangle 6">
             <a:extLst>
               <a:ext uri="{FF2B5EF4-FFF2-40B4-BE49-F238E27FC236}">
-                <a16:creationId xmlns="" xmlns:a16="http://schemas.microsoft.com/office/drawing/2014/main" id="{E036FE65-930A-462D-8D3A-F55B22845DCA}"/>
+                <a16:creationId xmlns:a16="http://schemas.microsoft.com/office/drawing/2014/main" id="{E036FE65-930A-462D-8D3A-F55B22845DCA}"/>
               </a:ext>
             </a:extLst>
           </p:cNvPr>
@@ -5576,7 +5578,7 @@
           <p:cNvPr id="4" name="Rectangle 4">
             <a:extLst>
               <a:ext uri="{FF2B5EF4-FFF2-40B4-BE49-F238E27FC236}">
-                <a16:creationId xmlns="" xmlns:a16="http://schemas.microsoft.com/office/drawing/2014/main" id="{DE549089-6FF4-429C-A3CD-9DA78B93595D}"/>
+                <a16:creationId xmlns:a16="http://schemas.microsoft.com/office/drawing/2014/main" id="{DE549089-6FF4-429C-A3CD-9DA78B93595D}"/>
               </a:ext>
             </a:extLst>
           </p:cNvPr>
@@ -5610,7 +5612,7 @@
           <p:cNvPr id="5" name="Rectangle 5">
             <a:extLst>
               <a:ext uri="{FF2B5EF4-FFF2-40B4-BE49-F238E27FC236}">
-                <a16:creationId xmlns="" xmlns:a16="http://schemas.microsoft.com/office/drawing/2014/main" id="{3C0ABA07-BB31-4FC1-AFEA-3C35089FA63D}"/>
+                <a16:creationId xmlns:a16="http://schemas.microsoft.com/office/drawing/2014/main" id="{3C0ABA07-BB31-4FC1-AFEA-3C35089FA63D}"/>
               </a:ext>
             </a:extLst>
           </p:cNvPr>
@@ -5644,7 +5646,7 @@
           <p:cNvPr id="6" name="Rectangle 6">
             <a:extLst>
               <a:ext uri="{FF2B5EF4-FFF2-40B4-BE49-F238E27FC236}">
-                <a16:creationId xmlns="" xmlns:a16="http://schemas.microsoft.com/office/drawing/2014/main" id="{E036FE65-930A-462D-8D3A-F55B22845DCA}"/>
+                <a16:creationId xmlns:a16="http://schemas.microsoft.com/office/drawing/2014/main" id="{E036FE65-930A-462D-8D3A-F55B22845DCA}"/>
               </a:ext>
             </a:extLst>
           </p:cNvPr>
@@ -5806,7 +5808,7 @@
           <p:cNvPr id="4" name="Rectangle 4">
             <a:extLst>
               <a:ext uri="{FF2B5EF4-FFF2-40B4-BE49-F238E27FC236}">
-                <a16:creationId xmlns="" xmlns:a16="http://schemas.microsoft.com/office/drawing/2014/main" id="{6DEB82D8-1C08-47F3-ACF9-EFD5CF6B6309}"/>
+                <a16:creationId xmlns:a16="http://schemas.microsoft.com/office/drawing/2014/main" id="{6DEB82D8-1C08-47F3-ACF9-EFD5CF6B6309}"/>
               </a:ext>
             </a:extLst>
           </p:cNvPr>
@@ -5840,7 +5842,7 @@
           <p:cNvPr id="5" name="Rectangle 5">
             <a:extLst>
               <a:ext uri="{FF2B5EF4-FFF2-40B4-BE49-F238E27FC236}">
-                <a16:creationId xmlns="" xmlns:a16="http://schemas.microsoft.com/office/drawing/2014/main" id="{F7B70755-4BD5-4DA0-8211-939B9C7B2708}"/>
+                <a16:creationId xmlns:a16="http://schemas.microsoft.com/office/drawing/2014/main" id="{F7B70755-4BD5-4DA0-8211-939B9C7B2708}"/>
               </a:ext>
             </a:extLst>
           </p:cNvPr>
@@ -5874,7 +5876,7 @@
           <p:cNvPr id="6" name="Rectangle 6">
             <a:extLst>
               <a:ext uri="{FF2B5EF4-FFF2-40B4-BE49-F238E27FC236}">
-                <a16:creationId xmlns="" xmlns:a16="http://schemas.microsoft.com/office/drawing/2014/main" id="{7B2D8B6C-0E85-48AB-A8EC-784AA857C82D}"/>
+                <a16:creationId xmlns:a16="http://schemas.microsoft.com/office/drawing/2014/main" id="{7B2D8B6C-0E85-48AB-A8EC-784AA857C82D}"/>
               </a:ext>
             </a:extLst>
           </p:cNvPr>
@@ -6018,7 +6020,7 @@
           <p:cNvPr id="4" name="Rectangle 4">
             <a:extLst>
               <a:ext uri="{FF2B5EF4-FFF2-40B4-BE49-F238E27FC236}">
-                <a16:creationId xmlns="" xmlns:a16="http://schemas.microsoft.com/office/drawing/2014/main" id="{6DEB82D8-1C08-47F3-ACF9-EFD5CF6B6309}"/>
+                <a16:creationId xmlns:a16="http://schemas.microsoft.com/office/drawing/2014/main" id="{6DEB82D8-1C08-47F3-ACF9-EFD5CF6B6309}"/>
               </a:ext>
             </a:extLst>
           </p:cNvPr>
@@ -6052,7 +6054,7 @@
           <p:cNvPr id="5" name="Rectangle 5">
             <a:extLst>
               <a:ext uri="{FF2B5EF4-FFF2-40B4-BE49-F238E27FC236}">
-                <a16:creationId xmlns="" xmlns:a16="http://schemas.microsoft.com/office/drawing/2014/main" id="{F7B70755-4BD5-4DA0-8211-939B9C7B2708}"/>
+                <a16:creationId xmlns:a16="http://schemas.microsoft.com/office/drawing/2014/main" id="{F7B70755-4BD5-4DA0-8211-939B9C7B2708}"/>
               </a:ext>
             </a:extLst>
           </p:cNvPr>
@@ -6086,7 +6088,7 @@
           <p:cNvPr id="6" name="Rectangle 6">
             <a:extLst>
               <a:ext uri="{FF2B5EF4-FFF2-40B4-BE49-F238E27FC236}">
-                <a16:creationId xmlns="" xmlns:a16="http://schemas.microsoft.com/office/drawing/2014/main" id="{7B2D8B6C-0E85-48AB-A8EC-784AA857C82D}"/>
+                <a16:creationId xmlns:a16="http://schemas.microsoft.com/office/drawing/2014/main" id="{7B2D8B6C-0E85-48AB-A8EC-784AA857C82D}"/>
               </a:ext>
             </a:extLst>
           </p:cNvPr>
@@ -6253,7 +6255,7 @@
           <p:cNvPr id="4" name="Rectangle 4">
             <a:extLst>
               <a:ext uri="{FF2B5EF4-FFF2-40B4-BE49-F238E27FC236}">
-                <a16:creationId xmlns="" xmlns:a16="http://schemas.microsoft.com/office/drawing/2014/main" id="{6DEB82D8-1C08-47F3-ACF9-EFD5CF6B6309}"/>
+                <a16:creationId xmlns:a16="http://schemas.microsoft.com/office/drawing/2014/main" id="{6DEB82D8-1C08-47F3-ACF9-EFD5CF6B6309}"/>
               </a:ext>
             </a:extLst>
           </p:cNvPr>
@@ -6287,7 +6289,7 @@
           <p:cNvPr id="5" name="Rectangle 5">
             <a:extLst>
               <a:ext uri="{FF2B5EF4-FFF2-40B4-BE49-F238E27FC236}">
-                <a16:creationId xmlns="" xmlns:a16="http://schemas.microsoft.com/office/drawing/2014/main" id="{F7B70755-4BD5-4DA0-8211-939B9C7B2708}"/>
+                <a16:creationId xmlns:a16="http://schemas.microsoft.com/office/drawing/2014/main" id="{F7B70755-4BD5-4DA0-8211-939B9C7B2708}"/>
               </a:ext>
             </a:extLst>
           </p:cNvPr>
@@ -6321,7 +6323,7 @@
           <p:cNvPr id="6" name="Rectangle 6">
             <a:extLst>
               <a:ext uri="{FF2B5EF4-FFF2-40B4-BE49-F238E27FC236}">
-                <a16:creationId xmlns="" xmlns:a16="http://schemas.microsoft.com/office/drawing/2014/main" id="{7B2D8B6C-0E85-48AB-A8EC-784AA857C82D}"/>
+                <a16:creationId xmlns:a16="http://schemas.microsoft.com/office/drawing/2014/main" id="{7B2D8B6C-0E85-48AB-A8EC-784AA857C82D}"/>
               </a:ext>
             </a:extLst>
           </p:cNvPr>
@@ -6708,7 +6710,7 @@
           <p:cNvPr id="5" name="Rectangle 4">
             <a:extLst>
               <a:ext uri="{FF2B5EF4-FFF2-40B4-BE49-F238E27FC236}">
-                <a16:creationId xmlns="" xmlns:a16="http://schemas.microsoft.com/office/drawing/2014/main" id="{6DEB82D8-1C08-47F3-ACF9-EFD5CF6B6309}"/>
+                <a16:creationId xmlns:a16="http://schemas.microsoft.com/office/drawing/2014/main" id="{6DEB82D8-1C08-47F3-ACF9-EFD5CF6B6309}"/>
               </a:ext>
             </a:extLst>
           </p:cNvPr>
@@ -6742,7 +6744,7 @@
           <p:cNvPr id="6" name="Rectangle 5">
             <a:extLst>
               <a:ext uri="{FF2B5EF4-FFF2-40B4-BE49-F238E27FC236}">
-                <a16:creationId xmlns="" xmlns:a16="http://schemas.microsoft.com/office/drawing/2014/main" id="{F7B70755-4BD5-4DA0-8211-939B9C7B2708}"/>
+                <a16:creationId xmlns:a16="http://schemas.microsoft.com/office/drawing/2014/main" id="{F7B70755-4BD5-4DA0-8211-939B9C7B2708}"/>
               </a:ext>
             </a:extLst>
           </p:cNvPr>
@@ -6776,7 +6778,7 @@
           <p:cNvPr id="7" name="Rectangle 6">
             <a:extLst>
               <a:ext uri="{FF2B5EF4-FFF2-40B4-BE49-F238E27FC236}">
-                <a16:creationId xmlns="" xmlns:a16="http://schemas.microsoft.com/office/drawing/2014/main" id="{7B2D8B6C-0E85-48AB-A8EC-784AA857C82D}"/>
+                <a16:creationId xmlns:a16="http://schemas.microsoft.com/office/drawing/2014/main" id="{7B2D8B6C-0E85-48AB-A8EC-784AA857C82D}"/>
               </a:ext>
             </a:extLst>
           </p:cNvPr>
@@ -7171,7 +7173,7 @@
           <p:cNvPr id="7" name="Rectangle 4">
             <a:extLst>
               <a:ext uri="{FF2B5EF4-FFF2-40B4-BE49-F238E27FC236}">
-                <a16:creationId xmlns="" xmlns:a16="http://schemas.microsoft.com/office/drawing/2014/main" id="{6DEB82D8-1C08-47F3-ACF9-EFD5CF6B6309}"/>
+                <a16:creationId xmlns:a16="http://schemas.microsoft.com/office/drawing/2014/main" id="{6DEB82D8-1C08-47F3-ACF9-EFD5CF6B6309}"/>
               </a:ext>
             </a:extLst>
           </p:cNvPr>
@@ -7205,7 +7207,7 @@
           <p:cNvPr id="8" name="Rectangle 5">
             <a:extLst>
               <a:ext uri="{FF2B5EF4-FFF2-40B4-BE49-F238E27FC236}">
-                <a16:creationId xmlns="" xmlns:a16="http://schemas.microsoft.com/office/drawing/2014/main" id="{F7B70755-4BD5-4DA0-8211-939B9C7B2708}"/>
+                <a16:creationId xmlns:a16="http://schemas.microsoft.com/office/drawing/2014/main" id="{F7B70755-4BD5-4DA0-8211-939B9C7B2708}"/>
               </a:ext>
             </a:extLst>
           </p:cNvPr>
@@ -7239,7 +7241,7 @@
           <p:cNvPr id="9" name="Rectangle 6">
             <a:extLst>
               <a:ext uri="{FF2B5EF4-FFF2-40B4-BE49-F238E27FC236}">
-                <a16:creationId xmlns="" xmlns:a16="http://schemas.microsoft.com/office/drawing/2014/main" id="{7B2D8B6C-0E85-48AB-A8EC-784AA857C82D}"/>
+                <a16:creationId xmlns:a16="http://schemas.microsoft.com/office/drawing/2014/main" id="{7B2D8B6C-0E85-48AB-A8EC-784AA857C82D}"/>
               </a:ext>
             </a:extLst>
           </p:cNvPr>
@@ -7332,7 +7334,7 @@
           <p:cNvPr id="3" name="Rectangle 4">
             <a:extLst>
               <a:ext uri="{FF2B5EF4-FFF2-40B4-BE49-F238E27FC236}">
-                <a16:creationId xmlns="" xmlns:a16="http://schemas.microsoft.com/office/drawing/2014/main" id="{6DEB82D8-1C08-47F3-ACF9-EFD5CF6B6309}"/>
+                <a16:creationId xmlns:a16="http://schemas.microsoft.com/office/drawing/2014/main" id="{6DEB82D8-1C08-47F3-ACF9-EFD5CF6B6309}"/>
               </a:ext>
             </a:extLst>
           </p:cNvPr>
@@ -7366,7 +7368,7 @@
           <p:cNvPr id="4" name="Rectangle 5">
             <a:extLst>
               <a:ext uri="{FF2B5EF4-FFF2-40B4-BE49-F238E27FC236}">
-                <a16:creationId xmlns="" xmlns:a16="http://schemas.microsoft.com/office/drawing/2014/main" id="{F7B70755-4BD5-4DA0-8211-939B9C7B2708}"/>
+                <a16:creationId xmlns:a16="http://schemas.microsoft.com/office/drawing/2014/main" id="{F7B70755-4BD5-4DA0-8211-939B9C7B2708}"/>
               </a:ext>
             </a:extLst>
           </p:cNvPr>
@@ -7400,7 +7402,7 @@
           <p:cNvPr id="5" name="Rectangle 6">
             <a:extLst>
               <a:ext uri="{FF2B5EF4-FFF2-40B4-BE49-F238E27FC236}">
-                <a16:creationId xmlns="" xmlns:a16="http://schemas.microsoft.com/office/drawing/2014/main" id="{7B2D8B6C-0E85-48AB-A8EC-784AA857C82D}"/>
+                <a16:creationId xmlns:a16="http://schemas.microsoft.com/office/drawing/2014/main" id="{7B2D8B6C-0E85-48AB-A8EC-784AA857C82D}"/>
               </a:ext>
             </a:extLst>
           </p:cNvPr>
@@ -7471,7 +7473,7 @@
           <p:cNvPr id="2" name="Rectangle 4">
             <a:extLst>
               <a:ext uri="{FF2B5EF4-FFF2-40B4-BE49-F238E27FC236}">
-                <a16:creationId xmlns="" xmlns:a16="http://schemas.microsoft.com/office/drawing/2014/main" id="{6DEB82D8-1C08-47F3-ACF9-EFD5CF6B6309}"/>
+                <a16:creationId xmlns:a16="http://schemas.microsoft.com/office/drawing/2014/main" id="{6DEB82D8-1C08-47F3-ACF9-EFD5CF6B6309}"/>
               </a:ext>
             </a:extLst>
           </p:cNvPr>
@@ -7505,7 +7507,7 @@
           <p:cNvPr id="3" name="Rectangle 5">
             <a:extLst>
               <a:ext uri="{FF2B5EF4-FFF2-40B4-BE49-F238E27FC236}">
-                <a16:creationId xmlns="" xmlns:a16="http://schemas.microsoft.com/office/drawing/2014/main" id="{F7B70755-4BD5-4DA0-8211-939B9C7B2708}"/>
+                <a16:creationId xmlns:a16="http://schemas.microsoft.com/office/drawing/2014/main" id="{F7B70755-4BD5-4DA0-8211-939B9C7B2708}"/>
               </a:ext>
             </a:extLst>
           </p:cNvPr>
@@ -7539,7 +7541,7 @@
           <p:cNvPr id="4" name="Rectangle 6">
             <a:extLst>
               <a:ext uri="{FF2B5EF4-FFF2-40B4-BE49-F238E27FC236}">
-                <a16:creationId xmlns="" xmlns:a16="http://schemas.microsoft.com/office/drawing/2014/main" id="{7B2D8B6C-0E85-48AB-A8EC-784AA857C82D}"/>
+                <a16:creationId xmlns:a16="http://schemas.microsoft.com/office/drawing/2014/main" id="{7B2D8B6C-0E85-48AB-A8EC-784AA857C82D}"/>
               </a:ext>
             </a:extLst>
           </p:cNvPr>
@@ -7790,7 +7792,7 @@
           <p:cNvPr id="5" name="Rectangle 4">
             <a:extLst>
               <a:ext uri="{FF2B5EF4-FFF2-40B4-BE49-F238E27FC236}">
-                <a16:creationId xmlns="" xmlns:a16="http://schemas.microsoft.com/office/drawing/2014/main" id="{6DEB82D8-1C08-47F3-ACF9-EFD5CF6B6309}"/>
+                <a16:creationId xmlns:a16="http://schemas.microsoft.com/office/drawing/2014/main" id="{6DEB82D8-1C08-47F3-ACF9-EFD5CF6B6309}"/>
               </a:ext>
             </a:extLst>
           </p:cNvPr>
@@ -7824,7 +7826,7 @@
           <p:cNvPr id="6" name="Rectangle 5">
             <a:extLst>
               <a:ext uri="{FF2B5EF4-FFF2-40B4-BE49-F238E27FC236}">
-                <a16:creationId xmlns="" xmlns:a16="http://schemas.microsoft.com/office/drawing/2014/main" id="{F7B70755-4BD5-4DA0-8211-939B9C7B2708}"/>
+                <a16:creationId xmlns:a16="http://schemas.microsoft.com/office/drawing/2014/main" id="{F7B70755-4BD5-4DA0-8211-939B9C7B2708}"/>
               </a:ext>
             </a:extLst>
           </p:cNvPr>
@@ -7858,7 +7860,7 @@
           <p:cNvPr id="7" name="Rectangle 6">
             <a:extLst>
               <a:ext uri="{FF2B5EF4-FFF2-40B4-BE49-F238E27FC236}">
-                <a16:creationId xmlns="" xmlns:a16="http://schemas.microsoft.com/office/drawing/2014/main" id="{7B2D8B6C-0E85-48AB-A8EC-784AA857C82D}"/>
+                <a16:creationId xmlns:a16="http://schemas.microsoft.com/office/drawing/2014/main" id="{7B2D8B6C-0E85-48AB-A8EC-784AA857C82D}"/>
               </a:ext>
             </a:extLst>
           </p:cNvPr>
@@ -8087,7 +8089,7 @@
           <p:cNvPr id="5" name="Rectangle 4">
             <a:extLst>
               <a:ext uri="{FF2B5EF4-FFF2-40B4-BE49-F238E27FC236}">
-                <a16:creationId xmlns="" xmlns:a16="http://schemas.microsoft.com/office/drawing/2014/main" id="{6DEB82D8-1C08-47F3-ACF9-EFD5CF6B6309}"/>
+                <a16:creationId xmlns:a16="http://schemas.microsoft.com/office/drawing/2014/main" id="{6DEB82D8-1C08-47F3-ACF9-EFD5CF6B6309}"/>
               </a:ext>
             </a:extLst>
           </p:cNvPr>
@@ -8121,7 +8123,7 @@
           <p:cNvPr id="6" name="Rectangle 5">
             <a:extLst>
               <a:ext uri="{FF2B5EF4-FFF2-40B4-BE49-F238E27FC236}">
-                <a16:creationId xmlns="" xmlns:a16="http://schemas.microsoft.com/office/drawing/2014/main" id="{F7B70755-4BD5-4DA0-8211-939B9C7B2708}"/>
+                <a16:creationId xmlns:a16="http://schemas.microsoft.com/office/drawing/2014/main" id="{F7B70755-4BD5-4DA0-8211-939B9C7B2708}"/>
               </a:ext>
             </a:extLst>
           </p:cNvPr>
@@ -8155,7 +8157,7 @@
           <p:cNvPr id="7" name="Rectangle 6">
             <a:extLst>
               <a:ext uri="{FF2B5EF4-FFF2-40B4-BE49-F238E27FC236}">
-                <a16:creationId xmlns="" xmlns:a16="http://schemas.microsoft.com/office/drawing/2014/main" id="{7B2D8B6C-0E85-48AB-A8EC-784AA857C82D}"/>
+                <a16:creationId xmlns:a16="http://schemas.microsoft.com/office/drawing/2014/main" id="{7B2D8B6C-0E85-48AB-A8EC-784AA857C82D}"/>
               </a:ext>
             </a:extLst>
           </p:cNvPr>
@@ -8299,7 +8301,7 @@
           <p:cNvPr id="4" name="Rectangle 4">
             <a:extLst>
               <a:ext uri="{FF2B5EF4-FFF2-40B4-BE49-F238E27FC236}">
-                <a16:creationId xmlns="" xmlns:a16="http://schemas.microsoft.com/office/drawing/2014/main" id="{6DEB82D8-1C08-47F3-ACF9-EFD5CF6B6309}"/>
+                <a16:creationId xmlns:a16="http://schemas.microsoft.com/office/drawing/2014/main" id="{6DEB82D8-1C08-47F3-ACF9-EFD5CF6B6309}"/>
               </a:ext>
             </a:extLst>
           </p:cNvPr>
@@ -8333,7 +8335,7 @@
           <p:cNvPr id="5" name="Rectangle 5">
             <a:extLst>
               <a:ext uri="{FF2B5EF4-FFF2-40B4-BE49-F238E27FC236}">
-                <a16:creationId xmlns="" xmlns:a16="http://schemas.microsoft.com/office/drawing/2014/main" id="{F7B70755-4BD5-4DA0-8211-939B9C7B2708}"/>
+                <a16:creationId xmlns:a16="http://schemas.microsoft.com/office/drawing/2014/main" id="{F7B70755-4BD5-4DA0-8211-939B9C7B2708}"/>
               </a:ext>
             </a:extLst>
           </p:cNvPr>
@@ -8367,7 +8369,7 @@
           <p:cNvPr id="6" name="Rectangle 6">
             <a:extLst>
               <a:ext uri="{FF2B5EF4-FFF2-40B4-BE49-F238E27FC236}">
-                <a16:creationId xmlns="" xmlns:a16="http://schemas.microsoft.com/office/drawing/2014/main" id="{7B2D8B6C-0E85-48AB-A8EC-784AA857C82D}"/>
+                <a16:creationId xmlns:a16="http://schemas.microsoft.com/office/drawing/2014/main" id="{7B2D8B6C-0E85-48AB-A8EC-784AA857C82D}"/>
               </a:ext>
             </a:extLst>
           </p:cNvPr>
@@ -8521,7 +8523,7 @@
           <p:cNvPr id="4" name="Rectangle 4">
             <a:extLst>
               <a:ext uri="{FF2B5EF4-FFF2-40B4-BE49-F238E27FC236}">
-                <a16:creationId xmlns="" xmlns:a16="http://schemas.microsoft.com/office/drawing/2014/main" id="{6DEB82D8-1C08-47F3-ACF9-EFD5CF6B6309}"/>
+                <a16:creationId xmlns:a16="http://schemas.microsoft.com/office/drawing/2014/main" id="{6DEB82D8-1C08-47F3-ACF9-EFD5CF6B6309}"/>
               </a:ext>
             </a:extLst>
           </p:cNvPr>
@@ -8555,7 +8557,7 @@
           <p:cNvPr id="5" name="Rectangle 5">
             <a:extLst>
               <a:ext uri="{FF2B5EF4-FFF2-40B4-BE49-F238E27FC236}">
-                <a16:creationId xmlns="" xmlns:a16="http://schemas.microsoft.com/office/drawing/2014/main" id="{F7B70755-4BD5-4DA0-8211-939B9C7B2708}"/>
+                <a16:creationId xmlns:a16="http://schemas.microsoft.com/office/drawing/2014/main" id="{F7B70755-4BD5-4DA0-8211-939B9C7B2708}"/>
               </a:ext>
             </a:extLst>
           </p:cNvPr>
@@ -8589,7 +8591,7 @@
           <p:cNvPr id="6" name="Rectangle 6">
             <a:extLst>
               <a:ext uri="{FF2B5EF4-FFF2-40B4-BE49-F238E27FC236}">
-                <a16:creationId xmlns="" xmlns:a16="http://schemas.microsoft.com/office/drawing/2014/main" id="{7B2D8B6C-0E85-48AB-A8EC-784AA857C82D}"/>
+                <a16:creationId xmlns:a16="http://schemas.microsoft.com/office/drawing/2014/main" id="{7B2D8B6C-0E85-48AB-A8EC-784AA857C82D}"/>
               </a:ext>
             </a:extLst>
           </p:cNvPr>
@@ -9727,7 +9729,7 @@
           <p:cNvPr id="1026" name="Rectangle 2">
             <a:extLst>
               <a:ext uri="{FF2B5EF4-FFF2-40B4-BE49-F238E27FC236}">
-                <a16:creationId xmlns="" xmlns:a16="http://schemas.microsoft.com/office/drawing/2014/main" id="{EFA5E524-2BB2-4B68-88BC-2B91296D86BE}"/>
+                <a16:creationId xmlns:a16="http://schemas.microsoft.com/office/drawing/2014/main" id="{EFA5E524-2BB2-4B68-88BC-2B91296D86BE}"/>
               </a:ext>
             </a:extLst>
           </p:cNvPr>
@@ -10000,35 +10002,35 @@
           <a:p>
             <a:pPr lvl="0"/>
             <a:r>
-              <a:rPr lang="zh-CN" altLang="en-US" smtClean="0"/>
+              <a:rPr lang="zh-CN" altLang="en-US"/>
               <a:t>单击此处编辑母版文本样式</a:t>
             </a:r>
           </a:p>
           <a:p>
             <a:pPr lvl="1"/>
             <a:r>
-              <a:rPr lang="zh-CN" altLang="en-US" smtClean="0"/>
+              <a:rPr lang="zh-CN" altLang="en-US"/>
               <a:t>第二级</a:t>
             </a:r>
           </a:p>
           <a:p>
             <a:pPr lvl="2"/>
             <a:r>
-              <a:rPr lang="zh-CN" altLang="en-US" smtClean="0"/>
+              <a:rPr lang="zh-CN" altLang="en-US"/>
               <a:t>第三级</a:t>
             </a:r>
           </a:p>
           <a:p>
             <a:pPr lvl="3"/>
             <a:r>
-              <a:rPr lang="zh-CN" altLang="en-US" smtClean="0"/>
+              <a:rPr lang="zh-CN" altLang="en-US"/>
               <a:t>第四级</a:t>
             </a:r>
           </a:p>
           <a:p>
             <a:pPr lvl="4"/>
             <a:r>
-              <a:rPr lang="zh-CN" altLang="en-US" smtClean="0"/>
+              <a:rPr lang="zh-CN" altLang="en-US"/>
               <a:t>第五级</a:t>
             </a:r>
           </a:p>
@@ -10086,7 +10088,7 @@
           <a:p>
             <a:pPr lvl="0"/>
             <a:r>
-              <a:rPr lang="zh-CN" altLang="en-US" smtClean="0"/>
+              <a:rPr lang="zh-CN" altLang="en-US"/>
               <a:t>单击此处编辑母版标题样式</a:t>
             </a:r>
           </a:p>
@@ -10097,7 +10099,7 @@
           <p:cNvPr id="1030" name="文本框 1">
             <a:extLst>
               <a:ext uri="{FF2B5EF4-FFF2-40B4-BE49-F238E27FC236}">
-                <a16:creationId xmlns="" xmlns:a16="http://schemas.microsoft.com/office/drawing/2014/main" id="{82E4B5CF-49F6-4AB6-BCC1-594DB9341C7A}"/>
+                <a16:creationId xmlns:a16="http://schemas.microsoft.com/office/drawing/2014/main" id="{82E4B5CF-49F6-4AB6-BCC1-594DB9341C7A}"/>
               </a:ext>
             </a:extLst>
           </p:cNvPr>
@@ -10303,13 +10305,6 @@
     <p:sldLayoutId id="2147483665" r:id="rId14"/>
     <p:sldLayoutId id="2147483666" r:id="rId15"/>
   </p:sldLayoutIdLst>
-  <p:timing>
-    <p:tnLst>
-      <p:par>
-        <p:cTn id="1" dur="indefinite" restart="never" nodeType="tmRoot"/>
-      </p:par>
-    </p:tnLst>
-  </p:timing>
   <p:txStyles>
     <p:titleStyle>
       <a:lvl1pPr algn="ctr" rtl="0" eaLnBrk="0" fontAlgn="base" hangingPunct="0">
@@ -10772,7 +10767,7 @@
           <a:p>
             <a:pPr lvl="0"/>
             <a:r>
-              <a:rPr lang="zh-CN" altLang="en-US" smtClean="0"/>
+              <a:rPr lang="zh-CN" altLang="en-US"/>
               <a:t>单击此处编辑母版标题样式</a:t>
             </a:r>
           </a:p>
@@ -10830,35 +10825,35 @@
           <a:p>
             <a:pPr lvl="0"/>
             <a:r>
-              <a:rPr lang="zh-CN" altLang="en-US" smtClean="0"/>
+              <a:rPr lang="zh-CN" altLang="en-US"/>
               <a:t>单击此处编辑母版文本样式</a:t>
             </a:r>
           </a:p>
           <a:p>
             <a:pPr lvl="1"/>
             <a:r>
-              <a:rPr lang="zh-CN" altLang="en-US" smtClean="0"/>
+              <a:rPr lang="zh-CN" altLang="en-US"/>
               <a:t>第二级</a:t>
             </a:r>
           </a:p>
           <a:p>
             <a:pPr lvl="2"/>
             <a:r>
-              <a:rPr lang="zh-CN" altLang="en-US" smtClean="0"/>
+              <a:rPr lang="zh-CN" altLang="en-US"/>
               <a:t>第三级</a:t>
             </a:r>
           </a:p>
           <a:p>
             <a:pPr lvl="3"/>
             <a:r>
-              <a:rPr lang="zh-CN" altLang="en-US" smtClean="0"/>
+              <a:rPr lang="zh-CN" altLang="en-US"/>
               <a:t>第四级</a:t>
             </a:r>
           </a:p>
           <a:p>
             <a:pPr lvl="4"/>
             <a:r>
-              <a:rPr lang="zh-CN" altLang="en-US" smtClean="0"/>
+              <a:rPr lang="zh-CN" altLang="en-US"/>
               <a:t>第五级</a:t>
             </a:r>
           </a:p>
@@ -10869,7 +10864,7 @@
           <p:cNvPr id="2052" name="Rectangle 4">
             <a:extLst>
               <a:ext uri="{FF2B5EF4-FFF2-40B4-BE49-F238E27FC236}">
-                <a16:creationId xmlns="" xmlns:a16="http://schemas.microsoft.com/office/drawing/2014/main" id="{DE549089-6FF4-429C-A3CD-9DA78B93595D}"/>
+                <a16:creationId xmlns:a16="http://schemas.microsoft.com/office/drawing/2014/main" id="{DE549089-6FF4-429C-A3CD-9DA78B93595D}"/>
               </a:ext>
             </a:extLst>
           </p:cNvPr>
@@ -10917,7 +10912,7 @@
           <p:cNvPr id="2053" name="Rectangle 5">
             <a:extLst>
               <a:ext uri="{FF2B5EF4-FFF2-40B4-BE49-F238E27FC236}">
-                <a16:creationId xmlns="" xmlns:a16="http://schemas.microsoft.com/office/drawing/2014/main" id="{3C0ABA07-BB31-4FC1-AFEA-3C35089FA63D}"/>
+                <a16:creationId xmlns:a16="http://schemas.microsoft.com/office/drawing/2014/main" id="{3C0ABA07-BB31-4FC1-AFEA-3C35089FA63D}"/>
               </a:ext>
             </a:extLst>
           </p:cNvPr>
@@ -10965,7 +10960,7 @@
           <p:cNvPr id="2054" name="Rectangle 6">
             <a:extLst>
               <a:ext uri="{FF2B5EF4-FFF2-40B4-BE49-F238E27FC236}">
-                <a16:creationId xmlns="" xmlns:a16="http://schemas.microsoft.com/office/drawing/2014/main" id="{E036FE65-930A-462D-8D3A-F55B22845DCA}"/>
+                <a16:creationId xmlns:a16="http://schemas.microsoft.com/office/drawing/2014/main" id="{E036FE65-930A-462D-8D3A-F55B22845DCA}"/>
               </a:ext>
             </a:extLst>
           </p:cNvPr>
@@ -11089,13 +11084,6 @@
     <p:sldLayoutId id="2147483676" r:id="rId10"/>
     <p:sldLayoutId id="2147483677" r:id="rId11"/>
   </p:sldLayoutIdLst>
-  <p:timing>
-    <p:tnLst>
-      <p:par>
-        <p:cTn id="1" dur="indefinite" restart="never" nodeType="tmRoot"/>
-      </p:par>
-    </p:tnLst>
-  </p:timing>
   <p:txStyles>
     <p:titleStyle>
       <a:lvl1pPr algn="ctr" rtl="0" eaLnBrk="0" fontAlgn="base" hangingPunct="0">
@@ -11558,7 +11546,7 @@
           <a:p>
             <a:pPr lvl="0"/>
             <a:r>
-              <a:rPr lang="zh-CN" altLang="en-US" smtClean="0"/>
+              <a:rPr lang="zh-CN" altLang="en-US"/>
               <a:t>单击此处编辑母版标题样式</a:t>
             </a:r>
           </a:p>
@@ -11616,35 +11604,35 @@
           <a:p>
             <a:pPr lvl="0"/>
             <a:r>
-              <a:rPr lang="zh-CN" altLang="en-US" smtClean="0"/>
+              <a:rPr lang="zh-CN" altLang="en-US"/>
               <a:t>单击此处编辑母版文本样式</a:t>
             </a:r>
           </a:p>
           <a:p>
             <a:pPr lvl="1"/>
             <a:r>
-              <a:rPr lang="zh-CN" altLang="en-US" smtClean="0"/>
+              <a:rPr lang="zh-CN" altLang="en-US"/>
               <a:t>第二级</a:t>
             </a:r>
           </a:p>
           <a:p>
             <a:pPr lvl="2"/>
             <a:r>
-              <a:rPr lang="zh-CN" altLang="en-US" smtClean="0"/>
+              <a:rPr lang="zh-CN" altLang="en-US"/>
               <a:t>第三级</a:t>
             </a:r>
           </a:p>
           <a:p>
             <a:pPr lvl="3"/>
             <a:r>
-              <a:rPr lang="zh-CN" altLang="en-US" smtClean="0"/>
+              <a:rPr lang="zh-CN" altLang="en-US"/>
               <a:t>第四级</a:t>
             </a:r>
           </a:p>
           <a:p>
             <a:pPr lvl="4"/>
             <a:r>
-              <a:rPr lang="zh-CN" altLang="en-US" smtClean="0"/>
+              <a:rPr lang="zh-CN" altLang="en-US"/>
               <a:t>第五级</a:t>
             </a:r>
           </a:p>
@@ -11655,7 +11643,7 @@
           <p:cNvPr id="3076" name="Rectangle 4">
             <a:extLst>
               <a:ext uri="{FF2B5EF4-FFF2-40B4-BE49-F238E27FC236}">
-                <a16:creationId xmlns="" xmlns:a16="http://schemas.microsoft.com/office/drawing/2014/main" id="{6DEB82D8-1C08-47F3-ACF9-EFD5CF6B6309}"/>
+                <a16:creationId xmlns:a16="http://schemas.microsoft.com/office/drawing/2014/main" id="{6DEB82D8-1C08-47F3-ACF9-EFD5CF6B6309}"/>
               </a:ext>
             </a:extLst>
           </p:cNvPr>
@@ -11703,7 +11691,7 @@
           <p:cNvPr id="3077" name="Rectangle 5">
             <a:extLst>
               <a:ext uri="{FF2B5EF4-FFF2-40B4-BE49-F238E27FC236}">
-                <a16:creationId xmlns="" xmlns:a16="http://schemas.microsoft.com/office/drawing/2014/main" id="{F7B70755-4BD5-4DA0-8211-939B9C7B2708}"/>
+                <a16:creationId xmlns:a16="http://schemas.microsoft.com/office/drawing/2014/main" id="{F7B70755-4BD5-4DA0-8211-939B9C7B2708}"/>
               </a:ext>
             </a:extLst>
           </p:cNvPr>
@@ -11751,7 +11739,7 @@
           <p:cNvPr id="3078" name="Rectangle 6">
             <a:extLst>
               <a:ext uri="{FF2B5EF4-FFF2-40B4-BE49-F238E27FC236}">
-                <a16:creationId xmlns="" xmlns:a16="http://schemas.microsoft.com/office/drawing/2014/main" id="{7B2D8B6C-0E85-48AB-A8EC-784AA857C82D}"/>
+                <a16:creationId xmlns:a16="http://schemas.microsoft.com/office/drawing/2014/main" id="{7B2D8B6C-0E85-48AB-A8EC-784AA857C82D}"/>
               </a:ext>
             </a:extLst>
           </p:cNvPr>
@@ -12313,11 +12301,11 @@
           <a:lstStyle/>
           <a:p>
             <a:r>
-              <a:rPr lang="en-US" altLang="zh-CN" b="1" smtClean="0"/>
+              <a:rPr lang="en-US" altLang="zh-CN" b="1"/>
               <a:t>INCA</a:t>
             </a:r>
             <a:r>
-              <a:rPr lang="zh-CN" altLang="en-US" b="1" smtClean="0"/>
+              <a:rPr lang="zh-CN" altLang="en-US" b="1"/>
               <a:t>项目</a:t>
             </a:r>
           </a:p>
@@ -12348,33 +12336,29 @@
           <a:p>
             <a:pPr algn="r"/>
             <a:r>
-              <a:rPr lang="zh-CN" altLang="en-US" smtClean="0"/>
+              <a:rPr lang="zh-CN" altLang="en-US"/>
               <a:t>二次开发说明</a:t>
             </a:r>
-            <a:r>
-              <a:rPr lang="en-US" altLang="zh-CN" smtClean="0"/>
-              <a:t/>
-            </a:r>
             <a:br>
-              <a:rPr lang="en-US" altLang="zh-CN" smtClean="0"/>
+              <a:rPr lang="en-US" altLang="zh-CN"/>
             </a:br>
             <a:r>
-              <a:rPr lang="zh-CN" altLang="en-US" sz="1100" smtClean="0"/>
+              <a:rPr lang="zh-CN" altLang="en-US" sz="1100"/>
               <a:t>编写人：编号</a:t>
             </a:r>
             <a:r>
-              <a:rPr lang="en-US" altLang="zh-CN" sz="1100" smtClean="0"/>
+              <a:rPr lang="en-US" altLang="zh-CN" sz="1100"/>
               <a:t>87</a:t>
             </a:r>
             <a:r>
-              <a:rPr lang="zh-CN" altLang="en-US" sz="1100" smtClean="0"/>
+              <a:rPr lang="zh-CN" altLang="en-US" sz="1100"/>
               <a:t>    </a:t>
             </a:r>
             <a:r>
-              <a:rPr lang="en-US" altLang="zh-CN" sz="1100" smtClean="0"/>
+              <a:rPr lang="en-US" altLang="zh-CN" sz="1100"/>
               <a:t>13863861926</a:t>
             </a:r>
-            <a:endParaRPr lang="zh-CN" altLang="en-US" smtClean="0"/>
+            <a:endParaRPr lang="zh-CN" altLang="en-US"/>
           </a:p>
         </p:txBody>
       </p:sp>
@@ -12383,7 +12367,7 @@
           <p:cNvPr id="4" name="副标题 2">
             <a:extLst>
               <a:ext uri="{FF2B5EF4-FFF2-40B4-BE49-F238E27FC236}">
-                <a16:creationId xmlns="" xmlns:a16="http://schemas.microsoft.com/office/drawing/2014/main" id="{5B830577-0E88-4998-A7CE-90511C69E9E5}"/>
+                <a16:creationId xmlns:a16="http://schemas.microsoft.com/office/drawing/2014/main" id="{5B830577-0E88-4998-A7CE-90511C69E9E5}"/>
               </a:ext>
             </a:extLst>
           </p:cNvPr>
@@ -12585,13 +12569,6 @@
   <p:clrMapOvr>
     <a:masterClrMapping/>
   </p:clrMapOvr>
-  <p:timing>
-    <p:tnLst>
-      <p:par>
-        <p:cTn id="1" dur="indefinite" restart="never" nodeType="tmRoot"/>
-      </p:par>
-    </p:tnLst>
-  </p:timing>
 </p:sld>
 </file>
 
@@ -12633,14 +12610,14 @@
           <a:lstStyle/>
           <a:p>
             <a:r>
-              <a:rPr lang="en-US" altLang="zh-CN" noProof="1" smtClean="0"/>
+              <a:rPr lang="en-US" altLang="zh-CN" noProof="1"/>
               <a:t>INCA-</a:t>
             </a:r>
             <a:r>
-              <a:rPr lang="zh-CN" altLang="en-US" noProof="1" smtClean="0"/>
+              <a:rPr lang="zh-CN" altLang="en-US" noProof="1"/>
               <a:t>数据库访问</a:t>
             </a:r>
-            <a:endParaRPr lang="zh-CN" altLang="en-US" smtClean="0"/>
+            <a:endParaRPr lang="zh-CN" altLang="en-US"/>
           </a:p>
         </p:txBody>
       </p:sp>
@@ -12669,34 +12646,34 @@
               <a:buAutoNum type="arabicPeriod"/>
             </a:pPr>
             <a:r>
-              <a:rPr lang="en-US" altLang="zh-CN" sz="2000" dirty="0" err="1" smtClean="0"/>
+              <a:rPr lang="en-US" altLang="zh-CN" sz="2000" dirty="0" err="1"/>
               <a:t>DBTableModel</a:t>
             </a:r>
             <a:r>
-              <a:rPr lang="en-US" altLang="zh-CN" sz="2000" dirty="0" smtClean="0"/>
+              <a:rPr lang="en-US" altLang="zh-CN" sz="2000" dirty="0"/>
               <a:t> </a:t>
             </a:r>
             <a:r>
-              <a:rPr lang="en-US" altLang="zh-CN" sz="2000" dirty="0" err="1" smtClean="0"/>
+              <a:rPr lang="en-US" altLang="zh-CN" sz="2000" dirty="0" err="1"/>
               <a:t>RemotesqlHelper.doSelect</a:t>
             </a:r>
             <a:r>
-              <a:rPr lang="en-US" altLang="zh-CN" sz="2000" dirty="0" smtClean="0"/>
+              <a:rPr lang="en-US" altLang="zh-CN" sz="2000" dirty="0"/>
               <a:t>(</a:t>
             </a:r>
             <a:r>
-              <a:rPr lang="en-US" altLang="zh-CN" sz="2000" dirty="0" err="1" smtClean="0"/>
+              <a:rPr lang="en-US" altLang="zh-CN" sz="2000" dirty="0" err="1"/>
               <a:t>sql</a:t>
             </a:r>
             <a:r>
-              <a:rPr lang="en-US" altLang="zh-CN" sz="2000" dirty="0" smtClean="0"/>
+              <a:rPr lang="en-US" altLang="zh-CN" sz="2000" dirty="0"/>
               <a:t>, start, count); </a:t>
             </a:r>
             <a:r>
-              <a:rPr lang="zh-CN" altLang="en-US" sz="2000" dirty="0" smtClean="0"/>
+              <a:rPr lang="zh-CN" altLang="en-US" sz="2000" dirty="0"/>
               <a:t>原理</a:t>
             </a:r>
-            <a:endParaRPr lang="en-US" altLang="zh-CN" sz="2000" dirty="0" smtClean="0"/>
+            <a:endParaRPr lang="en-US" altLang="zh-CN" sz="2000" dirty="0"/>
           </a:p>
           <a:p>
             <a:pPr marL="857250" lvl="1" indent="-457200">
@@ -12704,30 +12681,26 @@
               <a:buAutoNum type="alphaLcParenR"/>
             </a:pPr>
             <a:r>
-              <a:rPr lang="en-US" altLang="zh-CN" dirty="0" err="1" smtClean="0"/>
+              <a:rPr lang="en-US" altLang="zh-CN" dirty="0" err="1"/>
               <a:t>com.inca.np.demo.communicate.RemotesqlHelper</a:t>
             </a:r>
             <a:r>
-              <a:rPr lang="en-US" altLang="zh-CN" sz="2000" dirty="0" smtClean="0"/>
+              <a:rPr lang="en-US" altLang="zh-CN" sz="2000" dirty="0"/>
               <a:t> .</a:t>
             </a:r>
             <a:r>
-              <a:rPr lang="en-US" altLang="zh-CN" sz="2000" dirty="0" err="1" smtClean="0"/>
+              <a:rPr lang="en-US" altLang="zh-CN" sz="2000" dirty="0" err="1"/>
               <a:t>doSelect</a:t>
             </a:r>
-            <a:r>
-              <a:rPr lang="en-US" altLang="zh-CN" sz="2000" dirty="0" smtClean="0"/>
-              <a:t/>
-            </a:r>
             <a:br>
-              <a:rPr lang="en-US" altLang="zh-CN" sz="2000" dirty="0" smtClean="0"/>
+              <a:rPr lang="en-US" altLang="zh-CN" sz="2000" dirty="0"/>
             </a:br>
             <a:r>
-              <a:rPr lang="en-US" altLang="zh-CN" sz="2000" dirty="0" smtClean="0"/>
+              <a:rPr lang="en-US" altLang="zh-CN" sz="2000" dirty="0"/>
               <a:t>--</a:t>
             </a:r>
             <a:r>
-              <a:rPr lang="en-US" altLang="zh-CN" sz="2000" dirty="0" smtClean="0">
+              <a:rPr lang="en-US" altLang="zh-CN" sz="2000" dirty="0">
                 <a:solidFill>
                   <a:srgbClr val="FF0000"/>
                 </a:solidFill>
@@ -12741,30 +12714,26 @@
               <a:buAutoNum type="alphaLcParenR"/>
             </a:pPr>
             <a:r>
-              <a:rPr lang="en-US" altLang="zh-CN" sz="2000" dirty="0" err="1" smtClean="0"/>
+              <a:rPr lang="en-US" altLang="zh-CN" sz="2000" dirty="0" err="1"/>
               <a:t>com.inca.np.server</a:t>
             </a:r>
             <a:r>
-              <a:rPr lang="en-US" altLang="zh-CN" sz="2000" dirty="0" smtClean="0"/>
+              <a:rPr lang="en-US" altLang="zh-CN" sz="2000" dirty="0"/>
               <a:t>. </a:t>
             </a:r>
             <a:r>
-              <a:rPr lang="en-US" altLang="zh-CN" sz="2000" dirty="0" err="1" smtClean="0"/>
+              <a:rPr lang="en-US" altLang="zh-CN" sz="2000" dirty="0" err="1"/>
               <a:t>RequestDispatch.process</a:t>
             </a:r>
-            <a:r>
-              <a:rPr lang="en-US" altLang="zh-CN" sz="2000" dirty="0" smtClean="0"/>
-              <a:t/>
-            </a:r>
             <a:br>
-              <a:rPr lang="en-US" altLang="zh-CN" sz="2000" dirty="0" smtClean="0"/>
+              <a:rPr lang="en-US" altLang="zh-CN" sz="2000" dirty="0"/>
             </a:br>
             <a:r>
-              <a:rPr lang="en-US" altLang="zh-CN" sz="2000" dirty="0" smtClean="0"/>
+              <a:rPr lang="en-US" altLang="zh-CN" sz="2000" dirty="0"/>
               <a:t>--</a:t>
             </a:r>
             <a:r>
-              <a:rPr lang="en-US" altLang="zh-CN" sz="2000" dirty="0" smtClean="0">
+              <a:rPr lang="en-US" altLang="zh-CN" sz="2000" dirty="0">
                 <a:solidFill>
                   <a:srgbClr val="FF0000"/>
                 </a:solidFill>
@@ -12772,7 +12741,7 @@
               <a:t> </a:t>
             </a:r>
             <a:r>
-              <a:rPr lang="en-US" altLang="zh-CN" sz="2000" dirty="0" err="1" smtClean="0">
+              <a:rPr lang="en-US" altLang="zh-CN" sz="2000" dirty="0" err="1">
                 <a:solidFill>
                   <a:srgbClr val="FF0000"/>
                 </a:solidFill>
@@ -12780,7 +12749,7 @@
               <a:t>npserver</a:t>
             </a:r>
             <a:r>
-              <a:rPr lang="en-US" altLang="zh-CN" sz="2000" dirty="0" smtClean="0">
+              <a:rPr lang="en-US" altLang="zh-CN" sz="2000" dirty="0">
                 <a:solidFill>
                   <a:srgbClr val="FF0000"/>
                 </a:solidFill>
@@ -12794,22 +12763,22 @@
               <a:buAutoNum type="alphaLcParenR"/>
             </a:pPr>
             <a:r>
-              <a:rPr lang="en-US" altLang="zh-CN" sz="2000" dirty="0" err="1" smtClean="0"/>
+              <a:rPr lang="en-US" altLang="zh-CN" sz="2000" dirty="0" err="1"/>
               <a:t>com.inca.npserver.server.Server.process</a:t>
             </a:r>
             <a:r>
-              <a:rPr lang="en-US" altLang="zh-CN" sz="2000" dirty="0" smtClean="0"/>
+              <a:rPr lang="en-US" altLang="zh-CN" sz="2000" dirty="0"/>
               <a:t>()  Line178</a:t>
             </a:r>
             <a:br>
-              <a:rPr lang="en-US" altLang="zh-CN" sz="2000" dirty="0" smtClean="0"/>
+              <a:rPr lang="en-US" altLang="zh-CN" sz="2000" dirty="0"/>
             </a:br>
             <a:r>
-              <a:rPr lang="en-US" altLang="zh-CN" sz="2000" dirty="0" smtClean="0"/>
+              <a:rPr lang="en-US" altLang="zh-CN" sz="2000" dirty="0"/>
               <a:t>--</a:t>
             </a:r>
             <a:r>
-              <a:rPr lang="en-US" altLang="zh-CN" sz="2000" dirty="0" smtClean="0">
+              <a:rPr lang="en-US" altLang="zh-CN" sz="2000" dirty="0">
                 <a:solidFill>
                   <a:srgbClr val="FF0000"/>
                 </a:solidFill>
@@ -12823,87 +12792,79 @@
               <a:buAutoNum type="alphaLcParenR"/>
             </a:pPr>
             <a:r>
-              <a:rPr lang="en-US" altLang="zh-CN" sz="2000" dirty="0" err="1" smtClean="0"/>
+              <a:rPr lang="en-US" altLang="zh-CN" sz="2000" dirty="0" err="1"/>
               <a:t>com.inca.npserver.server.sysproc</a:t>
             </a:r>
             <a:r>
-              <a:rPr lang="en-US" altLang="zh-CN" sz="2000" dirty="0" smtClean="0"/>
+              <a:rPr lang="en-US" altLang="zh-CN" sz="2000" dirty="0"/>
               <a:t>. </a:t>
             </a:r>
             <a:r>
-              <a:rPr lang="en-US" altLang="zh-CN" sz="2000" dirty="0" err="1" smtClean="0"/>
+              <a:rPr lang="en-US" altLang="zh-CN" sz="2000" dirty="0" err="1"/>
               <a:t>SelectProcessor</a:t>
             </a:r>
-            <a:r>
-              <a:rPr lang="en-US" altLang="zh-CN" sz="2000" dirty="0" smtClean="0"/>
-              <a:t/>
-            </a:r>
             <a:br>
-              <a:rPr lang="en-US" altLang="zh-CN" sz="2000" dirty="0" smtClean="0"/>
+              <a:rPr lang="en-US" altLang="zh-CN" sz="2000" dirty="0"/>
             </a:br>
             <a:r>
-              <a:rPr lang="en-US" altLang="zh-CN" sz="2000" dirty="0" smtClean="0"/>
+              <a:rPr lang="en-US" altLang="zh-CN" sz="2000" dirty="0"/>
               <a:t>                         extends </a:t>
             </a:r>
             <a:r>
-              <a:rPr lang="en-US" altLang="zh-CN" sz="2000" dirty="0" err="1" smtClean="0"/>
+              <a:rPr lang="en-US" altLang="zh-CN" sz="2000" dirty="0" err="1"/>
               <a:t>RequestProcessorAdapter</a:t>
             </a:r>
-            <a:r>
-              <a:rPr lang="en-US" altLang="zh-CN" sz="2000" dirty="0" smtClean="0"/>
-              <a:t/>
-            </a:r>
             <a:br>
-              <a:rPr lang="en-US" altLang="zh-CN" sz="2000" dirty="0" smtClean="0"/>
+              <a:rPr lang="en-US" altLang="zh-CN" sz="2000" dirty="0"/>
             </a:br>
             <a:r>
-              <a:rPr lang="en-US" altLang="zh-CN" sz="2000" dirty="0" smtClean="0"/>
+              <a:rPr lang="en-US" altLang="zh-CN" sz="2000" dirty="0"/>
               <a:t>--</a:t>
             </a:r>
             <a:r>
-              <a:rPr lang="en-US" altLang="zh-CN" sz="2000" dirty="0" smtClean="0">
+              <a:rPr lang="en-US" altLang="zh-CN" sz="2000" dirty="0">
                 <a:solidFill>
                   <a:srgbClr val="FF0000"/>
                 </a:solidFill>
               </a:rPr>
               <a:t>npserver-s*.jar</a:t>
             </a:r>
-            <a:endParaRPr lang="en-US" altLang="zh-CN" sz="2000" dirty="0" smtClean="0"/>
+            <a:endParaRPr lang="en-US" altLang="zh-CN" sz="2000" dirty="0"/>
           </a:p>
           <a:p>
             <a:pPr marL="857250" lvl="1" indent="-457200">
               <a:buFont typeface="Times New Roman" panose="02020603050405020304" pitchFamily="18" charset="0"/>
               <a:buAutoNum type="alphaLcParenR"/>
             </a:pPr>
-            <a:endParaRPr lang="en-US" altLang="zh-CN" sz="2000" dirty="0" smtClean="0"/>
+            <a:endParaRPr lang="en-US" altLang="zh-CN" sz="2000" dirty="0"/>
           </a:p>
           <a:p>
             <a:pPr marL="857250" lvl="1" indent="-457200">
               <a:buFont typeface="Times New Roman" panose="02020603050405020304" pitchFamily="18" charset="0"/>
               <a:buAutoNum type="alphaLcParenR"/>
             </a:pPr>
-            <a:endParaRPr lang="en-US" altLang="zh-CN" sz="2000" dirty="0" smtClean="0"/>
+            <a:endParaRPr lang="en-US" altLang="zh-CN" sz="2000" dirty="0"/>
           </a:p>
           <a:p>
             <a:pPr marL="857250" lvl="1" indent="-457200">
               <a:buFont typeface="Times New Roman" panose="02020603050405020304" pitchFamily="18" charset="0"/>
               <a:buAutoNum type="alphaLcParenR"/>
             </a:pPr>
-            <a:endParaRPr lang="en-US" altLang="zh-CN" sz="2000" dirty="0" smtClean="0"/>
+            <a:endParaRPr lang="en-US" altLang="zh-CN" sz="2000" dirty="0"/>
           </a:p>
           <a:p>
             <a:pPr marL="857250" lvl="1" indent="-457200">
               <a:buFont typeface="Times New Roman" panose="02020603050405020304" pitchFamily="18" charset="0"/>
               <a:buAutoNum type="alphaLcParenR"/>
             </a:pPr>
-            <a:endParaRPr lang="en-US" altLang="zh-CN" sz="2000" dirty="0" smtClean="0"/>
+            <a:endParaRPr lang="en-US" altLang="zh-CN" sz="2000" dirty="0"/>
           </a:p>
           <a:p>
             <a:pPr marL="857250" lvl="1" indent="-457200">
               <a:buFont typeface="Times New Roman" panose="02020603050405020304" pitchFamily="18" charset="0"/>
               <a:buAutoNum type="alphaLcParenR"/>
             </a:pPr>
-            <a:endParaRPr lang="en-US" altLang="zh-CN" sz="2000" dirty="0" smtClean="0"/>
+            <a:endParaRPr lang="en-US" altLang="zh-CN" sz="2000" dirty="0"/>
           </a:p>
         </p:txBody>
       </p:sp>
@@ -12912,13 +12873,6 @@
   <p:clrMapOvr>
     <a:masterClrMapping/>
   </p:clrMapOvr>
-  <p:timing>
-    <p:tnLst>
-      <p:par>
-        <p:cTn id="1" dur="indefinite" restart="never" nodeType="tmRoot"/>
-      </p:par>
-    </p:tnLst>
-  </p:timing>
 </p:sld>
 </file>
 
@@ -12960,14 +12914,14 @@
           <a:lstStyle/>
           <a:p>
             <a:r>
-              <a:rPr lang="en-US" altLang="zh-CN" dirty="0" smtClean="0"/>
+              <a:rPr lang="en-US" altLang="zh-CN" dirty="0"/>
               <a:t>INCA-</a:t>
             </a:r>
             <a:r>
-              <a:rPr lang="en-US" altLang="zh-CN" dirty="0" err="1" smtClean="0"/>
+              <a:rPr lang="en-US" altLang="zh-CN" dirty="0" err="1"/>
               <a:t>DBTableModel</a:t>
             </a:r>
-            <a:endParaRPr lang="zh-CN" altLang="en-US" dirty="0" smtClean="0"/>
+            <a:endParaRPr lang="zh-CN" altLang="en-US" dirty="0"/>
           </a:p>
         </p:txBody>
       </p:sp>
@@ -12987,43 +12941,43 @@
           <a:lstStyle/>
           <a:p>
             <a:r>
-              <a:rPr lang="en-US" altLang="zh-CN" smtClean="0"/>
+              <a:rPr lang="en-US" altLang="zh-CN"/>
               <a:t>DBTableModel</a:t>
             </a:r>
             <a:r>
-              <a:rPr lang="en-US" altLang="zh-CN" smtClean="0">
+              <a:rPr lang="en-US" altLang="zh-CN">
                 <a:sym typeface="Wingdings" panose="05000000000000000000" pitchFamily="2" charset="2"/>
               </a:rPr>
               <a:t> DefaultTableModel</a:t>
             </a:r>
             <a:r>
-              <a:rPr lang="en-US" altLang="zh-CN" smtClean="0"/>
+              <a:rPr lang="en-US" altLang="zh-CN"/>
               <a:t> AbstractTableModel</a:t>
             </a:r>
             <a:r>
-              <a:rPr lang="en-US" altLang="zh-CN" smtClean="0">
+              <a:rPr lang="en-US" altLang="zh-CN">
                 <a:sym typeface="Wingdings" panose="05000000000000000000" pitchFamily="2" charset="2"/>
               </a:rPr>
               <a:t></a:t>
             </a:r>
             <a:r>
-              <a:rPr lang="en-US" altLang="zh-CN" smtClean="0"/>
+              <a:rPr lang="en-US" altLang="zh-CN"/>
               <a:t> TableModel</a:t>
             </a:r>
           </a:p>
           <a:p>
             <a:r>
-              <a:rPr lang="en-US" altLang="zh-CN" smtClean="0">
+              <a:rPr lang="en-US" altLang="zh-CN">
                 <a:sym typeface="Wingdings" panose="05000000000000000000" pitchFamily="2" charset="2"/>
               </a:rPr>
               <a:t>DefaultTableModel(</a:t>
             </a:r>
             <a:r>
-              <a:rPr lang="en-US" altLang="zh-CN" u="sng" smtClean="0"/>
+              <a:rPr lang="en-US" altLang="zh-CN" u="sng"/>
               <a:t>dataVector, columnIdentifiers</a:t>
             </a:r>
             <a:r>
-              <a:rPr lang="en-US" altLang="zh-CN" smtClean="0">
+              <a:rPr lang="en-US" altLang="zh-CN">
                 <a:sym typeface="Wingdings" panose="05000000000000000000" pitchFamily="2" charset="2"/>
               </a:rPr>
               <a:t>)</a:t>
@@ -13032,49 +12986,49 @@
           <a:p>
             <a:pPr lvl="1"/>
             <a:r>
-              <a:rPr lang="en-US" altLang="zh-CN" smtClean="0"/>
+              <a:rPr lang="en-US" altLang="zh-CN"/>
               <a:t>public void insertRow(int row, Vector rowData) {</a:t>
             </a:r>
             <a:br>
-              <a:rPr lang="en-US" altLang="zh-CN" smtClean="0"/>
+              <a:rPr lang="en-US" altLang="zh-CN"/>
             </a:br>
             <a:r>
-              <a:rPr lang="en-US" altLang="zh-CN" smtClean="0"/>
+              <a:rPr lang="en-US" altLang="zh-CN"/>
               <a:t>	dataVector.insertElementAt(rowData, row);</a:t>
             </a:r>
             <a:br>
-              <a:rPr lang="en-US" altLang="zh-CN" smtClean="0"/>
+              <a:rPr lang="en-US" altLang="zh-CN"/>
             </a:br>
             <a:r>
-              <a:rPr lang="en-US" altLang="zh-CN" smtClean="0"/>
+              <a:rPr lang="en-US" altLang="zh-CN"/>
               <a:t>	justifyRows(row, row+1);         	fireTableRowsInserted(row, row);</a:t>
             </a:r>
             <a:br>
-              <a:rPr lang="en-US" altLang="zh-CN" smtClean="0"/>
+              <a:rPr lang="en-US" altLang="zh-CN"/>
             </a:br>
             <a:r>
-              <a:rPr lang="en-US" altLang="zh-CN" smtClean="0"/>
+              <a:rPr lang="en-US" altLang="zh-CN"/>
               <a:t>}</a:t>
             </a:r>
           </a:p>
           <a:p>
             <a:r>
-              <a:rPr lang="en-US" altLang="zh-CN" smtClean="0"/>
+              <a:rPr lang="en-US" altLang="zh-CN"/>
               <a:t>AbstractTableModel</a:t>
             </a:r>
           </a:p>
           <a:p>
             <a:pPr lvl="1"/>
             <a:r>
-              <a:rPr lang="en-US" altLang="zh-CN" smtClean="0"/>
+              <a:rPr lang="en-US" altLang="zh-CN"/>
               <a:t>protected EventListenerList listenerList = new EventListenerList();</a:t>
             </a:r>
-            <a:endParaRPr lang="en-US" altLang="zh-CN" smtClean="0">
+            <a:endParaRPr lang="en-US" altLang="zh-CN">
               <a:sym typeface="Wingdings" panose="05000000000000000000" pitchFamily="2" charset="2"/>
             </a:endParaRPr>
           </a:p>
           <a:p>
-            <a:endParaRPr lang="zh-CN" altLang="en-US" smtClean="0"/>
+            <a:endParaRPr lang="zh-CN" altLang="en-US"/>
           </a:p>
         </p:txBody>
       </p:sp>
@@ -13083,13 +13037,6 @@
   <p:clrMapOvr>
     <a:masterClrMapping/>
   </p:clrMapOvr>
-  <p:timing>
-    <p:tnLst>
-      <p:par>
-        <p:cTn id="1" dur="indefinite" restart="never" nodeType="tmRoot"/>
-      </p:par>
-    </p:tnLst>
-  </p:timing>
 </p:sld>
 </file>
 
@@ -13131,14 +13078,14 @@
           <a:lstStyle/>
           <a:p>
             <a:r>
-              <a:rPr lang="zh-CN" altLang="en-US" smtClean="0"/>
+              <a:rPr lang="zh-CN" altLang="en-US"/>
               <a:t>常用类</a:t>
             </a:r>
             <a:r>
-              <a:rPr lang="en-US" altLang="zh-CN" smtClean="0"/>
+              <a:rPr lang="en-US" altLang="zh-CN"/>
               <a:t>-RecordTrunk</a:t>
             </a:r>
-            <a:endParaRPr lang="zh-CN" altLang="en-US" smtClean="0"/>
+            <a:endParaRPr lang="zh-CN" altLang="en-US"/>
           </a:p>
         </p:txBody>
       </p:sp>
@@ -13158,56 +13105,56 @@
           <a:lstStyle/>
           <a:p>
             <a:r>
-              <a:rPr lang="en-US" altLang="zh-CN" smtClean="0"/>
+              <a:rPr lang="en-US" altLang="zh-CN"/>
               <a:t>RecordTrunk</a:t>
             </a:r>
             <a:r>
-              <a:rPr lang="en-US" altLang="zh-CN" smtClean="0">
+              <a:rPr lang="en-US" altLang="zh-CN">
                 <a:sym typeface="Wingdings" panose="05000000000000000000" pitchFamily="2" charset="2"/>
               </a:rPr>
               <a:t></a:t>
             </a:r>
             <a:r>
-              <a:rPr lang="en-US" altLang="zh-CN" smtClean="0"/>
+              <a:rPr lang="en-US" altLang="zh-CN"/>
               <a:t>Vector</a:t>
             </a:r>
           </a:p>
           <a:p>
             <a:r>
-              <a:rPr lang="en-US" altLang="zh-CN" smtClean="0"/>
+              <a:rPr lang="en-US" altLang="zh-CN"/>
               <a:t>public static final int DBSTATUS_SAVED = 0;</a:t>
             </a:r>
           </a:p>
           <a:p>
             <a:r>
-              <a:rPr lang="en-US" altLang="zh-CN" smtClean="0"/>
+              <a:rPr lang="en-US" altLang="zh-CN"/>
               <a:t>public static final int DBSTATUS_NEW = 1;</a:t>
             </a:r>
           </a:p>
           <a:p>
             <a:r>
-              <a:rPr lang="en-US" altLang="zh-CN" smtClean="0"/>
+              <a:rPr lang="en-US" altLang="zh-CN"/>
               <a:t>public static final int DBSTATUS_MODIFIED = 2;</a:t>
             </a:r>
           </a:p>
           <a:p>
             <a:r>
-              <a:rPr lang="en-US" altLang="zh-CN" smtClean="0"/>
+              <a:rPr lang="en-US" altLang="zh-CN"/>
               <a:t>public static final int DBSTATUS_DELETE = 3;</a:t>
             </a:r>
           </a:p>
           <a:p>
             <a:r>
-              <a:rPr lang="en-US" altLang="zh-CN" smtClean="0"/>
+              <a:rPr lang="en-US" altLang="zh-CN"/>
               <a:t>public static final int SUMFLAG_RECORD = 0;</a:t>
             </a:r>
           </a:p>
           <a:p>
             <a:r>
-              <a:rPr lang="en-US" altLang="zh-CN" smtClean="0"/>
+              <a:rPr lang="en-US" altLang="zh-CN"/>
               <a:t>public static final int SUMFLAG_SUMMARY = 9999;</a:t>
             </a:r>
-            <a:endParaRPr lang="zh-CN" altLang="en-US" smtClean="0"/>
+            <a:endParaRPr lang="zh-CN" altLang="en-US"/>
           </a:p>
         </p:txBody>
       </p:sp>
@@ -13216,13 +13163,6 @@
   <p:clrMapOvr>
     <a:masterClrMapping/>
   </p:clrMapOvr>
-  <p:timing>
-    <p:tnLst>
-      <p:par>
-        <p:cTn id="1" dur="indefinite" restart="never" nodeType="tmRoot"/>
-      </p:par>
-    </p:tnLst>
-  </p:timing>
 </p:sld>
 </file>
 
@@ -13264,15 +13204,15 @@
           <a:lstStyle/>
           <a:p>
             <a:r>
-              <a:rPr lang="zh-CN" altLang="en-US" smtClean="0"/>
+              <a:rPr lang="zh-CN" altLang="en-US"/>
               <a:t>表</a:t>
             </a:r>
             <a:r>
-              <a:rPr lang="en-US" altLang="zh-CN" smtClean="0"/>
+              <a:rPr lang="en-US" altLang="zh-CN"/>
               <a:t>--</a:t>
             </a:r>
             <a:r>
-              <a:rPr lang="zh-CN" altLang="en-US" smtClean="0"/>
+              <a:rPr lang="zh-CN" altLang="en-US"/>
               <a:t>数据字典表</a:t>
             </a:r>
           </a:p>
@@ -13299,34 +13239,34 @@
           <a:lstStyle/>
           <a:p>
             <a:r>
-              <a:rPr lang="en-US" altLang="zh-CN" smtClean="0"/>
+              <a:rPr lang="en-US" altLang="zh-CN"/>
               <a:t>SYS_TABLE_CN</a:t>
             </a:r>
           </a:p>
           <a:p>
             <a:r>
-              <a:rPr lang="en-US" altLang="zh-CN" smtClean="0"/>
+              <a:rPr lang="en-US" altLang="zh-CN"/>
               <a:t>SYS_COLUMN_CN</a:t>
             </a:r>
           </a:p>
           <a:p>
-            <a:endParaRPr lang="en-US" altLang="zh-CN" smtClean="0"/>
-          </a:p>
-          <a:p>
-            <a:r>
-              <a:rPr lang="en-US" altLang="zh-CN" smtClean="0"/>
+            <a:endParaRPr lang="en-US" altLang="zh-CN"/>
+          </a:p>
+          <a:p>
+            <a:r>
+              <a:rPr lang="en-US" altLang="zh-CN"/>
               <a:t>SELECT table_name, column_name, data_type</a:t>
             </a:r>
             <a:br>
-              <a:rPr lang="en-US" altLang="zh-CN" smtClean="0"/>
+              <a:rPr lang="en-US" altLang="zh-CN"/>
             </a:br>
             <a:r>
-              <a:rPr lang="en-US" altLang="zh-CN" smtClean="0"/>
+              <a:rPr lang="en-US" altLang="zh-CN"/>
               <a:t>FROM all_tab_cols</a:t>
             </a:r>
           </a:p>
           <a:p>
-            <a:endParaRPr lang="zh-CN" altLang="en-US" smtClean="0"/>
+            <a:endParaRPr lang="zh-CN" altLang="en-US"/>
           </a:p>
         </p:txBody>
       </p:sp>
@@ -13335,13 +13275,6 @@
   <p:clrMapOvr>
     <a:masterClrMapping/>
   </p:clrMapOvr>
-  <p:timing>
-    <p:tnLst>
-      <p:par>
-        <p:cTn id="1" dur="indefinite" restart="never" nodeType="tmRoot"/>
-      </p:par>
-    </p:tnLst>
-  </p:timing>
 </p:sld>
 </file>
 
@@ -13383,7 +13316,7 @@
           <a:lstStyle/>
           <a:p>
             <a:r>
-              <a:rPr lang="zh-CN" altLang="en-US" smtClean="0"/>
+              <a:rPr lang="zh-CN" altLang="en-US"/>
               <a:t>表</a:t>
             </a:r>
           </a:p>
@@ -13405,29 +13338,29 @@
           <a:lstStyle/>
           <a:p>
             <a:r>
-              <a:rPr lang="en-US" altLang="zh-CN" smtClean="0"/>
+              <a:rPr lang="en-US" altLang="zh-CN"/>
               <a:t>kn_sys_conf(OPID,TYPE, VALUE ,MEMO)–</a:t>
             </a:r>
             <a:r>
-              <a:rPr lang="zh-CN" altLang="en-US" smtClean="0"/>
+              <a:rPr lang="zh-CN" altLang="en-US"/>
               <a:t>系统的全局配置</a:t>
             </a:r>
-            <a:endParaRPr lang="en-US" altLang="zh-CN" smtClean="0"/>
+            <a:endParaRPr lang="en-US" altLang="zh-CN"/>
           </a:p>
           <a:p>
             <a:pPr lvl="1"/>
             <a:r>
-              <a:rPr lang="en-US" altLang="zh-CN" smtClean="0"/>
+              <a:rPr lang="en-US" altLang="zh-CN"/>
               <a:t>OPID+Type</a:t>
             </a:r>
             <a:r>
-              <a:rPr lang="zh-CN" altLang="en-US" smtClean="0"/>
+              <a:rPr lang="zh-CN" altLang="en-US"/>
               <a:t>作为联合主键</a:t>
             </a:r>
-            <a:endParaRPr lang="en-US" altLang="zh-CN" smtClean="0"/>
-          </a:p>
-          <a:p>
-            <a:endParaRPr lang="zh-CN" altLang="en-US" smtClean="0"/>
+            <a:endParaRPr lang="en-US" altLang="zh-CN"/>
+          </a:p>
+          <a:p>
+            <a:endParaRPr lang="zh-CN" altLang="en-US"/>
           </a:p>
         </p:txBody>
       </p:sp>
@@ -13436,13 +13369,6 @@
   <p:clrMapOvr>
     <a:masterClrMapping/>
   </p:clrMapOvr>
-  <p:timing>
-    <p:tnLst>
-      <p:par>
-        <p:cTn id="1" dur="indefinite" restart="never" nodeType="tmRoot"/>
-      </p:par>
-    </p:tnLst>
-  </p:timing>
 </p:sld>
 </file>
 
@@ -13484,26 +13410,26 @@
           <a:lstStyle/>
           <a:p>
             <a:r>
-              <a:rPr lang="en-US" altLang="zh-CN" smtClean="0"/>
+              <a:rPr lang="en-US" altLang="zh-CN"/>
               <a:t>INCA</a:t>
             </a:r>
             <a:r>
-              <a:rPr lang="zh-CN" altLang="en-US" smtClean="0"/>
+              <a:rPr lang="zh-CN" altLang="en-US"/>
               <a:t>中的</a:t>
             </a:r>
             <a:r>
-              <a:rPr lang="en-US" altLang="zh-CN" smtClean="0"/>
+              <a:rPr lang="en-US" altLang="zh-CN"/>
               <a:t>MAVEN</a:t>
             </a:r>
             <a:r>
-              <a:rPr lang="zh-CN" altLang="en-US" smtClean="0"/>
+              <a:rPr lang="zh-CN" altLang="en-US"/>
               <a:t>执行过程</a:t>
             </a:r>
             <a:r>
-              <a:rPr lang="en-US" altLang="zh-CN" smtClean="0"/>
+              <a:rPr lang="en-US" altLang="zh-CN"/>
               <a:t>2</a:t>
             </a:r>
-            <a:endParaRPr lang="zh-CN" altLang="en-US" smtClean="0"/>
+            <a:endParaRPr lang="zh-CN" altLang="en-US"/>
           </a:p>
         </p:txBody>
       </p:sp>
@@ -13523,55 +13449,55 @@
           <a:lstStyle/>
           <a:p>
             <a:r>
-              <a:rPr lang="en-US" altLang="zh-CN" smtClean="0"/>
+              <a:rPr lang="en-US" altLang="zh-CN"/>
               <a:t>MAVEN.cmd</a:t>
             </a:r>
           </a:p>
           <a:p>
             <a:pPr lvl="1"/>
             <a:r>
-              <a:rPr lang="en-US" altLang="zh-CN" smtClean="0"/>
+              <a:rPr lang="en-US" altLang="zh-CN"/>
               <a:t>start javaw -jar MAVEN.jar</a:t>
             </a:r>
           </a:p>
           <a:p>
             <a:r>
-              <a:rPr lang="en-US" altLang="zh-CN" smtClean="0"/>
+              <a:rPr lang="en-US" altLang="zh-CN"/>
               <a:t>Cmd/xxx.cmd</a:t>
             </a:r>
           </a:p>
           <a:p>
             <a:pPr lvl="1"/>
             <a:r>
-              <a:rPr lang="en-US" altLang="zh-CN" smtClean="0"/>
+              <a:rPr lang="en-US" altLang="zh-CN"/>
               <a:t>cd sdkn</a:t>
             </a:r>
           </a:p>
           <a:p>
             <a:pPr lvl="1"/>
             <a:r>
-              <a:rPr lang="en-US" altLang="zh-CN" smtClean="0"/>
+              <a:rPr lang="en-US" altLang="zh-CN"/>
               <a:t>cd pubsrv_2.0.10</a:t>
             </a:r>
           </a:p>
           <a:p>
             <a:pPr lvl="1"/>
             <a:r>
-              <a:rPr lang="en-US" altLang="zh-CN" smtClean="0"/>
+              <a:rPr lang="en-US" altLang="zh-CN"/>
               <a:t>CALL maven sdkn</a:t>
             </a:r>
           </a:p>
           <a:p>
             <a:pPr lvl="1"/>
             <a:r>
-              <a:rPr lang="en-US" altLang="zh-CN" smtClean="0"/>
+              <a:rPr lang="en-US" altLang="zh-CN"/>
               <a:t>cd release</a:t>
             </a:r>
           </a:p>
           <a:p>
             <a:pPr lvl="1"/>
             <a:r>
-              <a:rPr lang="en-US" altLang="zh-CN" smtClean="0"/>
+              <a:rPr lang="en-US" altLang="zh-CN"/>
               <a:t>COPY *.zip  c:\sdkn</a:t>
             </a:r>
           </a:p>
@@ -13582,13 +13508,6 @@
   <p:clrMapOvr>
     <a:masterClrMapping/>
   </p:clrMapOvr>
-  <p:timing>
-    <p:tnLst>
-      <p:par>
-        <p:cTn id="1" dur="indefinite" restart="never" nodeType="tmRoot"/>
-      </p:par>
-    </p:tnLst>
-  </p:timing>
 </p:sld>
 </file>
 
@@ -13630,26 +13549,26 @@
           <a:lstStyle/>
           <a:p>
             <a:r>
-              <a:rPr lang="en-US" altLang="zh-CN" smtClean="0"/>
+              <a:rPr lang="en-US" altLang="zh-CN"/>
               <a:t>INCA</a:t>
             </a:r>
             <a:r>
-              <a:rPr lang="zh-CN" altLang="en-US" smtClean="0"/>
+              <a:rPr lang="zh-CN" altLang="en-US"/>
               <a:t>中的</a:t>
             </a:r>
             <a:r>
-              <a:rPr lang="en-US" altLang="zh-CN" smtClean="0"/>
+              <a:rPr lang="en-US" altLang="zh-CN"/>
               <a:t>MAVEN</a:t>
             </a:r>
             <a:r>
-              <a:rPr lang="zh-CN" altLang="en-US" smtClean="0"/>
+              <a:rPr lang="zh-CN" altLang="en-US"/>
               <a:t>执行过程</a:t>
             </a:r>
             <a:r>
-              <a:rPr lang="en-US" altLang="zh-CN" smtClean="0"/>
+              <a:rPr lang="en-US" altLang="zh-CN"/>
               <a:t>2</a:t>
             </a:r>
-            <a:endParaRPr lang="zh-CN" altLang="en-US" smtClean="0"/>
+            <a:endParaRPr lang="zh-CN" altLang="en-US"/>
           </a:p>
         </p:txBody>
       </p:sp>
@@ -13669,251 +13588,251 @@
           <a:lstStyle/>
           <a:p>
             <a:r>
-              <a:rPr lang="en-US" altLang="zh-CN" sz="2000" dirty="0" smtClean="0"/>
+              <a:rPr lang="en-US" altLang="zh-CN" sz="2000" dirty="0"/>
               <a:t>goal </a:t>
             </a:r>
             <a:r>
-              <a:rPr lang="en-US" altLang="zh-CN" sz="2000" dirty="0" err="1" smtClean="0"/>
+              <a:rPr lang="en-US" altLang="zh-CN" sz="2000" dirty="0" err="1"/>
               <a:t>sdkn</a:t>
             </a:r>
-            <a:endParaRPr lang="en-US" altLang="zh-CN" sz="2000" dirty="0" smtClean="0"/>
+            <a:endParaRPr lang="en-US" altLang="zh-CN" sz="2000" dirty="0"/>
           </a:p>
           <a:p>
             <a:pPr lvl="1"/>
             <a:r>
-              <a:rPr lang="en-US" altLang="zh-CN" sz="2000" dirty="0" smtClean="0"/>
+              <a:rPr lang="en-US" altLang="zh-CN" sz="2000" dirty="0"/>
               <a:t>copy</a:t>
             </a:r>
             <a:r>
-              <a:rPr lang="zh-CN" altLang="en-US" sz="2000" dirty="0" smtClean="0"/>
+              <a:rPr lang="zh-CN" altLang="en-US" sz="2000" dirty="0"/>
               <a:t>所有的类到</a:t>
             </a:r>
             <a:r>
-              <a:rPr lang="en-US" altLang="zh-CN" sz="2000" dirty="0" smtClean="0"/>
+              <a:rPr lang="en-US" altLang="zh-CN" sz="2000" dirty="0"/>
               <a:t>build/classes</a:t>
             </a:r>
           </a:p>
           <a:p>
             <a:pPr lvl="1"/>
             <a:r>
-              <a:rPr lang="en-US" altLang="zh-CN" sz="2000" dirty="0" smtClean="0"/>
+              <a:rPr lang="en-US" altLang="zh-CN" sz="2000" dirty="0"/>
               <a:t>copy  </a:t>
             </a:r>
             <a:r>
-              <a:rPr lang="en-US" altLang="zh-CN" sz="2000" dirty="0" err="1" smtClean="0"/>
+              <a:rPr lang="en-US" altLang="zh-CN" sz="2000" dirty="0" err="1"/>
               <a:t>installinfo</a:t>
             </a:r>
             <a:r>
-              <a:rPr lang="zh-CN" altLang="en-US" sz="2000" dirty="0" smtClean="0"/>
+              <a:rPr lang="zh-CN" altLang="en-US" sz="2000" dirty="0"/>
               <a:t>到</a:t>
             </a:r>
             <a:r>
-              <a:rPr lang="en-US" altLang="zh-CN" sz="2000" dirty="0" smtClean="0"/>
+              <a:rPr lang="en-US" altLang="zh-CN" sz="2000" dirty="0"/>
               <a:t>release</a:t>
             </a:r>
           </a:p>
           <a:p>
             <a:pPr lvl="1"/>
             <a:r>
-              <a:rPr lang="zh-CN" altLang="en-US" sz="2000" dirty="0" smtClean="0"/>
+              <a:rPr lang="zh-CN" altLang="en-US" sz="2000" dirty="0"/>
               <a:t>附带</a:t>
             </a:r>
             <a:r>
-              <a:rPr lang="en-US" altLang="zh-CN" sz="2000" dirty="0" smtClean="0"/>
+              <a:rPr lang="en-US" altLang="zh-CN" sz="2000" dirty="0"/>
               <a:t>goal deploy</a:t>
             </a:r>
           </a:p>
           <a:p>
             <a:r>
-              <a:rPr lang="en-US" altLang="zh-CN" sz="2000" dirty="0" smtClean="0"/>
+              <a:rPr lang="en-US" altLang="zh-CN" sz="2000" dirty="0"/>
               <a:t>goal deploy </a:t>
             </a:r>
             <a:r>
-              <a:rPr lang="en-US" altLang="zh-CN" sz="2000" dirty="0" err="1" smtClean="0"/>
+              <a:rPr lang="en-US" altLang="zh-CN" sz="2000" dirty="0" err="1"/>
               <a:t>prereqs</a:t>
             </a:r>
             <a:r>
-              <a:rPr lang="en-US" altLang="zh-CN" sz="2000" dirty="0" smtClean="0"/>
+              <a:rPr lang="en-US" altLang="zh-CN" sz="2000" dirty="0"/>
               <a:t>="jar“</a:t>
             </a:r>
           </a:p>
           <a:p>
             <a:pPr lvl="1"/>
             <a:r>
-              <a:rPr lang="en-US" altLang="zh-CN" sz="2000" dirty="0" smtClean="0"/>
+              <a:rPr lang="en-US" altLang="zh-CN" sz="2000" dirty="0"/>
               <a:t>copy </a:t>
             </a:r>
             <a:r>
-              <a:rPr lang="en-US" altLang="zh-CN" sz="2000" dirty="0" err="1" smtClean="0"/>
+              <a:rPr lang="en-US" altLang="zh-CN" sz="2000" dirty="0" err="1"/>
               <a:t>conf</a:t>
             </a:r>
             <a:r>
-              <a:rPr lang="zh-CN" altLang="en-US" sz="2000" dirty="0" smtClean="0"/>
+              <a:rPr lang="zh-CN" altLang="en-US" sz="2000" dirty="0"/>
               <a:t>到</a:t>
             </a:r>
             <a:r>
-              <a:rPr lang="en-US" altLang="zh-CN" sz="2000" dirty="0" err="1" smtClean="0"/>
+              <a:rPr lang="en-US" altLang="zh-CN" sz="2000" dirty="0" err="1"/>
               <a:t>installinfo</a:t>
             </a:r>
-            <a:endParaRPr lang="en-US" altLang="zh-CN" sz="2000" dirty="0" smtClean="0"/>
-          </a:p>
-          <a:p>
-            <a:r>
-              <a:rPr lang="en-US" altLang="zh-CN" sz="2000" dirty="0" smtClean="0"/>
+            <a:endParaRPr lang="en-US" altLang="zh-CN" sz="2000" dirty="0"/>
+          </a:p>
+          <a:p>
+            <a:r>
+              <a:rPr lang="en-US" altLang="zh-CN" sz="2000" dirty="0"/>
               <a:t>goal jar </a:t>
             </a:r>
             <a:r>
-              <a:rPr lang="en-US" altLang="zh-CN" sz="2000" dirty="0" err="1" smtClean="0"/>
+              <a:rPr lang="en-US" altLang="zh-CN" sz="2000" dirty="0" err="1"/>
               <a:t>prereqs</a:t>
             </a:r>
             <a:r>
-              <a:rPr lang="en-US" altLang="zh-CN" sz="2000" dirty="0" smtClean="0"/>
+              <a:rPr lang="en-US" altLang="zh-CN" sz="2000" dirty="0"/>
               <a:t>="</a:t>
             </a:r>
             <a:r>
-              <a:rPr lang="en-US" altLang="zh-CN" sz="2000" dirty="0" err="1" smtClean="0"/>
+              <a:rPr lang="en-US" altLang="zh-CN" sz="2000" dirty="0" err="1"/>
               <a:t>init,java:compile</a:t>
             </a:r>
             <a:r>
-              <a:rPr lang="en-US" altLang="zh-CN" sz="2000" dirty="0" smtClean="0"/>
+              <a:rPr lang="en-US" altLang="zh-CN" sz="2000" dirty="0"/>
               <a:t>“</a:t>
             </a:r>
           </a:p>
           <a:p>
             <a:pPr lvl="1"/>
             <a:r>
-              <a:rPr lang="en-US" altLang="zh-CN" sz="2000" dirty="0" smtClean="0"/>
+              <a:rPr lang="en-US" altLang="zh-CN" sz="2000" dirty="0"/>
               <a:t>copy </a:t>
             </a:r>
             <a:r>
-              <a:rPr lang="en-US" altLang="zh-CN" sz="2000" dirty="0" err="1" smtClean="0"/>
+              <a:rPr lang="en-US" altLang="zh-CN" sz="2000" dirty="0" err="1"/>
               <a:t>xml,txt,gif,model,rule</a:t>
             </a:r>
             <a:r>
-              <a:rPr lang="zh-CN" altLang="en-US" sz="2000" dirty="0" smtClean="0"/>
+              <a:rPr lang="zh-CN" altLang="en-US" sz="2000" dirty="0"/>
               <a:t>到</a:t>
             </a:r>
             <a:r>
-              <a:rPr lang="en-US" altLang="zh-CN" sz="2000" dirty="0" smtClean="0"/>
+              <a:rPr lang="en-US" altLang="zh-CN" sz="2000" dirty="0"/>
               <a:t>classes</a:t>
             </a:r>
           </a:p>
           <a:p>
             <a:pPr lvl="1"/>
             <a:r>
-              <a:rPr lang="en-US" altLang="zh-CN" sz="2000" dirty="0" smtClean="0"/>
+              <a:rPr lang="en-US" altLang="zh-CN" sz="2000" dirty="0"/>
               <a:t>delete</a:t>
             </a:r>
             <a:r>
-              <a:rPr lang="zh-CN" altLang="en-US" sz="2000" dirty="0" smtClean="0"/>
+              <a:rPr lang="zh-CN" altLang="en-US" sz="2000" dirty="0"/>
               <a:t>原有的服务器端</a:t>
             </a:r>
             <a:r>
-              <a:rPr lang="en-US" altLang="zh-CN" sz="2000" dirty="0" smtClean="0"/>
+              <a:rPr lang="en-US" altLang="zh-CN" sz="2000" dirty="0"/>
               <a:t>jar</a:t>
             </a:r>
           </a:p>
           <a:p>
             <a:pPr lvl="1"/>
             <a:r>
-              <a:rPr lang="zh-CN" altLang="en-US" sz="2000" dirty="0" smtClean="0"/>
+              <a:rPr lang="zh-CN" altLang="en-US" sz="2000" dirty="0"/>
               <a:t>将包含</a:t>
             </a:r>
             <a:r>
-              <a:rPr lang="en-US" altLang="zh-CN" sz="2000" dirty="0" err="1" smtClean="0"/>
+              <a:rPr lang="en-US" altLang="zh-CN" sz="2000" dirty="0" err="1"/>
               <a:t>dbprocess</a:t>
             </a:r>
             <a:r>
-              <a:rPr lang="zh-CN" altLang="en-US" sz="2000" dirty="0" smtClean="0"/>
+              <a:rPr lang="zh-CN" altLang="en-US" sz="2000" dirty="0"/>
               <a:t>或者</a:t>
             </a:r>
             <a:r>
-              <a:rPr lang="en-US" altLang="zh-CN" sz="2000" dirty="0" smtClean="0"/>
+              <a:rPr lang="en-US" altLang="zh-CN" sz="2000" dirty="0"/>
               <a:t>Processor</a:t>
             </a:r>
             <a:r>
-              <a:rPr lang="zh-CN" altLang="en-US" sz="2000" dirty="0" smtClean="0"/>
+              <a:rPr lang="zh-CN" altLang="en-US" sz="2000" dirty="0"/>
               <a:t>的类打包成</a:t>
             </a:r>
             <a:r>
-              <a:rPr lang="en-US" altLang="zh-CN" sz="2000" dirty="0" smtClean="0"/>
+              <a:rPr lang="en-US" altLang="zh-CN" sz="2000" dirty="0"/>
               <a:t>-s.jar</a:t>
             </a:r>
           </a:p>
           <a:p>
             <a:pPr lvl="1"/>
             <a:r>
-              <a:rPr lang="en-US" altLang="zh-CN" sz="2000" dirty="0" smtClean="0"/>
+              <a:rPr lang="en-US" altLang="zh-CN" sz="2000" dirty="0"/>
               <a:t>delete</a:t>
             </a:r>
             <a:r>
-              <a:rPr lang="zh-CN" altLang="en-US" sz="2000" dirty="0" smtClean="0"/>
+              <a:rPr lang="zh-CN" altLang="en-US" sz="2000" dirty="0"/>
               <a:t>原有的客户端</a:t>
             </a:r>
             <a:r>
-              <a:rPr lang="en-US" altLang="zh-CN" sz="2000" dirty="0" smtClean="0"/>
+              <a:rPr lang="en-US" altLang="zh-CN" sz="2000" dirty="0"/>
               <a:t>jar</a:t>
             </a:r>
           </a:p>
           <a:p>
             <a:pPr lvl="1"/>
             <a:r>
-              <a:rPr lang="zh-CN" altLang="en-US" sz="2000" dirty="0" smtClean="0"/>
+              <a:rPr lang="zh-CN" altLang="en-US" sz="2000" dirty="0"/>
               <a:t>将排除服务器端类打包成</a:t>
             </a:r>
             <a:r>
-              <a:rPr lang="en-US" altLang="zh-CN" sz="2000" dirty="0" smtClean="0"/>
+              <a:rPr lang="en-US" altLang="zh-CN" sz="2000" dirty="0"/>
               <a:t>-c.jar</a:t>
             </a:r>
           </a:p>
           <a:p>
             <a:pPr lvl="1"/>
             <a:r>
-              <a:rPr lang="zh-CN" altLang="en-US" sz="2000" dirty="0" smtClean="0"/>
+              <a:rPr lang="zh-CN" altLang="en-US" sz="2000" dirty="0"/>
               <a:t>删除原有打包的</a:t>
             </a:r>
             <a:r>
-              <a:rPr lang="en-US" altLang="zh-CN" sz="2000" dirty="0" smtClean="0"/>
+              <a:rPr lang="en-US" altLang="zh-CN" sz="2000" dirty="0"/>
               <a:t>zip</a:t>
             </a:r>
             <a:r>
-              <a:rPr lang="zh-CN" altLang="en-US" sz="2000" dirty="0" smtClean="0"/>
+              <a:rPr lang="zh-CN" altLang="en-US" sz="2000" dirty="0"/>
               <a:t>文件</a:t>
             </a:r>
-            <a:endParaRPr lang="en-US" altLang="zh-CN" sz="2000" dirty="0" smtClean="0"/>
+            <a:endParaRPr lang="en-US" altLang="zh-CN" sz="2000" dirty="0"/>
           </a:p>
           <a:p>
             <a:pPr lvl="1"/>
             <a:r>
-              <a:rPr lang="zh-CN" altLang="en-US" sz="2000" dirty="0" smtClean="0"/>
+              <a:rPr lang="zh-CN" altLang="en-US" sz="2000" dirty="0"/>
               <a:t>将</a:t>
             </a:r>
             <a:r>
-              <a:rPr lang="en-US" altLang="zh-CN" sz="2000" dirty="0" smtClean="0"/>
+              <a:rPr lang="en-US" altLang="zh-CN" sz="2000" dirty="0"/>
               <a:t>installinfo,_c-version*.jar</a:t>
             </a:r>
             <a:r>
-              <a:rPr lang="zh-CN" altLang="en-US" sz="2000" dirty="0" smtClean="0"/>
+              <a:rPr lang="zh-CN" altLang="en-US" sz="2000" dirty="0"/>
               <a:t>和</a:t>
             </a:r>
             <a:r>
-              <a:rPr lang="en-US" altLang="zh-CN" sz="2000" dirty="0" smtClean="0"/>
+              <a:rPr lang="en-US" altLang="zh-CN" sz="2000" dirty="0"/>
               <a:t>_s-version*.jar</a:t>
             </a:r>
           </a:p>
           <a:p>
-            <a:endParaRPr lang="en-US" altLang="zh-CN" sz="2000" dirty="0" smtClean="0"/>
+            <a:endParaRPr lang="en-US" altLang="zh-CN" sz="2000" dirty="0"/>
           </a:p>
           <a:p>
             <a:pPr lvl="1"/>
-            <a:endParaRPr lang="en-US" altLang="zh-CN" sz="2000" dirty="0" smtClean="0"/>
+            <a:endParaRPr lang="en-US" altLang="zh-CN" sz="2000" dirty="0"/>
           </a:p>
           <a:p>
             <a:pPr lvl="1"/>
-            <a:endParaRPr lang="en-US" altLang="zh-CN" sz="2000" dirty="0" smtClean="0"/>
-          </a:p>
-          <a:p>
-            <a:endParaRPr lang="en-US" altLang="zh-CN" sz="2000" dirty="0" smtClean="0"/>
+            <a:endParaRPr lang="en-US" altLang="zh-CN" sz="2000" dirty="0"/>
+          </a:p>
+          <a:p>
+            <a:endParaRPr lang="en-US" altLang="zh-CN" sz="2000" dirty="0"/>
           </a:p>
         </p:txBody>
       </p:sp>
@@ -13922,13 +13841,6 @@
   <p:clrMapOvr>
     <a:masterClrMapping/>
   </p:clrMapOvr>
-  <p:timing>
-    <p:tnLst>
-      <p:par>
-        <p:cTn id="1" dur="indefinite" restart="never" nodeType="tmRoot"/>
-      </p:par>
-    </p:tnLst>
-  </p:timing>
 </p:sld>
 </file>
 
@@ -13970,7 +13882,7 @@
           <a:lstStyle/>
           <a:p>
             <a:r>
-              <a:rPr lang="zh-CN" altLang="en-US" smtClean="0"/>
+              <a:rPr lang="zh-CN" altLang="en-US"/>
               <a:t>自动化工具</a:t>
             </a:r>
           </a:p>
@@ -13992,10 +13904,10 @@
           <a:lstStyle/>
           <a:p>
             <a:r>
-              <a:rPr lang="zh-CN" altLang="en-US" smtClean="0"/>
+              <a:rPr lang="zh-CN" altLang="en-US"/>
               <a:t>功能模块自动生成工具</a:t>
             </a:r>
-            <a:endParaRPr lang="en-US" altLang="zh-CN" smtClean="0"/>
+            <a:endParaRPr lang="en-US" altLang="zh-CN"/>
           </a:p>
         </p:txBody>
       </p:sp>
@@ -14004,13 +13916,6 @@
   <p:clrMapOvr>
     <a:masterClrMapping/>
   </p:clrMapOvr>
-  <p:timing>
-    <p:tnLst>
-      <p:par>
-        <p:cTn id="1" dur="indefinite" restart="never" nodeType="tmRoot"/>
-      </p:par>
-    </p:tnLst>
-  </p:timing>
 </p:sld>
 </file>
 
@@ -14052,7 +13957,7 @@
           <a:lstStyle/>
           <a:p>
             <a:r>
-              <a:rPr lang="zh-CN" altLang="en-US" smtClean="0"/>
+              <a:rPr lang="zh-CN" altLang="en-US"/>
               <a:t>局部变量名</a:t>
             </a:r>
           </a:p>
@@ -14074,44 +13979,44 @@
           <a:lstStyle/>
           <a:p>
             <a:r>
-              <a:rPr lang="en-US" altLang="zh-CN" smtClean="0"/>
+              <a:rPr lang="en-US" altLang="zh-CN"/>
               <a:t>1.6 </a:t>
             </a:r>
             <a:r>
-              <a:rPr lang="zh-CN" altLang="zh-CN" smtClean="0"/>
+              <a:rPr lang="zh-CN" altLang="zh-CN"/>
               <a:t>局部变量名</a:t>
             </a:r>
-            <a:endParaRPr lang="en-US" altLang="zh-CN" b="1" smtClean="0"/>
+            <a:endParaRPr lang="en-US" altLang="zh-CN" b="1"/>
           </a:p>
           <a:p>
             <a:pPr lvl="1"/>
             <a:r>
-              <a:rPr lang="zh-CN" altLang="zh-CN" smtClean="0"/>
+              <a:rPr lang="zh-CN" altLang="zh-CN"/>
               <a:t>参数和局部变量名首字母小写，骆驼法则。尽量不要和域冲突，尽量表达这个变量在方法中的意义。</a:t>
             </a:r>
-            <a:endParaRPr lang="en-US" altLang="zh-CN" smtClean="0"/>
-          </a:p>
-          <a:p>
-            <a:r>
-              <a:rPr lang="en-US" altLang="zh-CN" smtClean="0"/>
+            <a:endParaRPr lang="en-US" altLang="zh-CN"/>
+          </a:p>
+          <a:p>
+            <a:r>
+              <a:rPr lang="en-US" altLang="zh-CN"/>
               <a:t>1.7</a:t>
             </a:r>
             <a:r>
-              <a:rPr lang="zh-CN" altLang="en-US" smtClean="0"/>
+              <a:rPr lang="zh-CN" altLang="en-US"/>
               <a:t>方法体不能超过</a:t>
             </a:r>
             <a:r>
-              <a:rPr lang="en-US" altLang="zh-CN" smtClean="0"/>
+              <a:rPr lang="en-US" altLang="zh-CN"/>
               <a:t>30</a:t>
             </a:r>
             <a:r>
-              <a:rPr lang="zh-CN" altLang="en-US" smtClean="0"/>
+              <a:rPr lang="zh-CN" altLang="en-US"/>
               <a:t>行</a:t>
             </a:r>
-            <a:endParaRPr lang="zh-CN" altLang="zh-CN" smtClean="0"/>
-          </a:p>
-          <a:p>
-            <a:endParaRPr lang="zh-CN" altLang="en-US" smtClean="0"/>
+            <a:endParaRPr lang="zh-CN" altLang="zh-CN"/>
+          </a:p>
+          <a:p>
+            <a:endParaRPr lang="zh-CN" altLang="en-US"/>
           </a:p>
         </p:txBody>
       </p:sp>
@@ -14120,13 +14025,6 @@
   <p:clrMapOvr>
     <a:masterClrMapping/>
   </p:clrMapOvr>
-  <p:timing>
-    <p:tnLst>
-      <p:par>
-        <p:cTn id="1" dur="indefinite" restart="never" nodeType="tmRoot"/>
-      </p:par>
-    </p:tnLst>
-  </p:timing>
 </p:sld>
 </file>
 
@@ -14168,14 +14066,14 @@
           <a:lstStyle/>
           <a:p>
             <a:r>
-              <a:rPr lang="zh-CN" altLang="en-US" smtClean="0"/>
+              <a:rPr lang="zh-CN" altLang="en-US"/>
               <a:t>源码分析</a:t>
             </a:r>
             <a:r>
-              <a:rPr lang="en-US" altLang="zh-CN" smtClean="0"/>
+              <a:rPr lang="en-US" altLang="zh-CN"/>
               <a:t>(1)</a:t>
             </a:r>
-            <a:endParaRPr lang="zh-CN" altLang="en-US" smtClean="0"/>
+            <a:endParaRPr lang="zh-CN" altLang="en-US"/>
           </a:p>
         </p:txBody>
       </p:sp>
@@ -14195,158 +14093,150 @@
           <a:lstStyle/>
           <a:p>
             <a:r>
-              <a:rPr lang="en-US" altLang="zh-CN" dirty="0" err="1" smtClean="0"/>
+              <a:rPr lang="en-US" altLang="zh-CN" dirty="0" err="1"/>
               <a:t>Ste</a:t>
             </a:r>
             <a:r>
-              <a:rPr lang="zh-CN" altLang="en-US" dirty="0" smtClean="0"/>
+              <a:rPr lang="zh-CN" altLang="en-US" dirty="0"/>
               <a:t>和</a:t>
             </a:r>
             <a:r>
-              <a:rPr lang="en-US" altLang="zh-CN" dirty="0" err="1" smtClean="0"/>
+              <a:rPr lang="en-US" altLang="zh-CN" dirty="0" err="1"/>
               <a:t>Mde</a:t>
             </a:r>
             <a:r>
-              <a:rPr lang="zh-CN" altLang="en-US" dirty="0" smtClean="0"/>
+              <a:rPr lang="zh-CN" altLang="en-US" dirty="0"/>
               <a:t>窗体都位于  </a:t>
             </a:r>
             <a:r>
-              <a:rPr lang="en-US" altLang="zh-CN" dirty="0" smtClean="0"/>
+              <a:rPr lang="en-US" altLang="zh-CN" dirty="0"/>
               <a:t>npcommon-5.8.06.jar</a:t>
             </a:r>
             <a:r>
-              <a:rPr lang="zh-CN" altLang="en-US" dirty="0" smtClean="0"/>
+              <a:rPr lang="zh-CN" altLang="en-US" dirty="0"/>
               <a:t>的</a:t>
             </a:r>
             <a:r>
-              <a:rPr lang="en-US" altLang="zh-CN" dirty="0" err="1" smtClean="0"/>
+              <a:rPr lang="en-US" altLang="zh-CN" dirty="0" err="1"/>
               <a:t>com.inca.np.gui.ste|mde</a:t>
             </a:r>
             <a:r>
-              <a:rPr lang="en-US" altLang="zh-CN" dirty="0" smtClean="0"/>
+              <a:rPr lang="en-US" altLang="zh-CN" dirty="0"/>
               <a:t>…</a:t>
             </a:r>
           </a:p>
           <a:p>
             <a:r>
-              <a:rPr lang="en-US" altLang="zh-CN" dirty="0" smtClean="0"/>
+              <a:rPr lang="en-US" altLang="zh-CN" dirty="0"/>
               <a:t>My…_</a:t>
             </a:r>
             <a:r>
-              <a:rPr lang="en-US" altLang="zh-CN" dirty="0" err="1" smtClean="0"/>
+              <a:rPr lang="en-US" altLang="zh-CN" dirty="0" err="1"/>
               <a:t>ste</a:t>
             </a:r>
             <a:r>
-              <a:rPr lang="en-US" altLang="zh-CN" dirty="0" err="1" smtClean="0">
+              <a:rPr lang="en-US" altLang="zh-CN" dirty="0" err="1">
                 <a:sym typeface="Wingdings" panose="05000000000000000000" pitchFamily="2" charset="2"/>
               </a:rPr>
               <a:t></a:t>
             </a:r>
             <a:r>
-              <a:rPr lang="en-US" altLang="zh-CN" dirty="0" err="1" smtClean="0"/>
+              <a:rPr lang="en-US" altLang="zh-CN" dirty="0" err="1"/>
               <a:t>CSteModelAp</a:t>
             </a:r>
             <a:r>
-              <a:rPr lang="en-US" altLang="zh-CN" dirty="0" err="1" smtClean="0">
+              <a:rPr lang="en-US" altLang="zh-CN" dirty="0" err="1">
                 <a:sym typeface="Wingdings" panose="05000000000000000000" pitchFamily="2" charset="2"/>
               </a:rPr>
               <a:t></a:t>
             </a:r>
             <a:r>
-              <a:rPr lang="en-US" altLang="zh-CN" dirty="0" err="1" smtClean="0"/>
+              <a:rPr lang="en-US" altLang="zh-CN" dirty="0" err="1"/>
               <a:t>CsteModel</a:t>
             </a:r>
             <a:r>
-              <a:rPr lang="en-US" altLang="zh-CN" dirty="0" err="1" smtClean="0">
+              <a:rPr lang="en-US" altLang="zh-CN" dirty="0" err="1">
                 <a:sym typeface="Wingdings" panose="05000000000000000000" pitchFamily="2" charset="2"/>
               </a:rPr>
               <a:t>CModelBase</a:t>
             </a:r>
-            <a:endParaRPr lang="en-US" altLang="zh-CN" dirty="0" smtClean="0">
+            <a:endParaRPr lang="en-US" altLang="zh-CN" dirty="0">
               <a:sym typeface="Wingdings" panose="05000000000000000000" pitchFamily="2" charset="2"/>
             </a:endParaRPr>
           </a:p>
           <a:p>
             <a:r>
-              <a:rPr lang="zh-CN" altLang="en-US" dirty="0" smtClean="0"/>
+              <a:rPr lang="zh-CN" altLang="en-US" dirty="0"/>
               <a:t>注意：</a:t>
             </a:r>
-            <a:r>
-              <a:rPr lang="en-US" altLang="zh-CN" dirty="0" smtClean="0"/>
-              <a:t/>
-            </a:r>
             <a:br>
-              <a:rPr lang="en-US" altLang="zh-CN" dirty="0" smtClean="0"/>
+              <a:rPr lang="en-US" altLang="zh-CN" dirty="0"/>
             </a:br>
             <a:r>
-              <a:rPr lang="en-US" altLang="zh-CN" dirty="0" smtClean="0"/>
+              <a:rPr lang="en-US" altLang="zh-CN" dirty="0"/>
               <a:t>	</a:t>
             </a:r>
             <a:r>
-              <a:rPr lang="zh-CN" altLang="en-US" dirty="0" smtClean="0"/>
+              <a:rPr lang="zh-CN" altLang="en-US" dirty="0"/>
               <a:t>原有</a:t>
             </a:r>
             <a:r>
-              <a:rPr lang="en-US" altLang="zh-CN" dirty="0" smtClean="0"/>
+              <a:rPr lang="en-US" altLang="zh-CN" dirty="0"/>
               <a:t>v1.5</a:t>
             </a:r>
             <a:r>
-              <a:rPr lang="zh-CN" altLang="en-US" dirty="0" smtClean="0"/>
+              <a:rPr lang="zh-CN" altLang="en-US" dirty="0"/>
               <a:t>的</a:t>
             </a:r>
             <a:r>
-              <a:rPr lang="en-US" altLang="zh-CN" dirty="0" err="1" smtClean="0"/>
+              <a:rPr lang="en-US" altLang="zh-CN" dirty="0" err="1"/>
               <a:t>Steframe</a:t>
             </a:r>
             <a:r>
-              <a:rPr lang="en-US" altLang="zh-CN" dirty="0" smtClean="0"/>
+              <a:rPr lang="en-US" altLang="zh-CN" dirty="0"/>
               <a:t> extends </a:t>
             </a:r>
             <a:r>
-              <a:rPr lang="en-US" altLang="zh-CN" dirty="0" err="1" smtClean="0"/>
+              <a:rPr lang="en-US" altLang="zh-CN" dirty="0" err="1"/>
               <a:t>CFrame</a:t>
             </a:r>
-            <a:r>
-              <a:rPr lang="en-US" altLang="zh-CN" dirty="0" smtClean="0"/>
-              <a:t/>
-            </a:r>
             <a:br>
-              <a:rPr lang="en-US" altLang="zh-CN" dirty="0" smtClean="0"/>
+              <a:rPr lang="en-US" altLang="zh-CN" dirty="0"/>
             </a:br>
             <a:r>
-              <a:rPr lang="en-US" altLang="zh-CN" dirty="0" smtClean="0"/>
+              <a:rPr lang="en-US" altLang="zh-CN" dirty="0"/>
               <a:t>	</a:t>
             </a:r>
             <a:r>
-              <a:rPr lang="zh-CN" altLang="en-US" dirty="0" smtClean="0"/>
+              <a:rPr lang="zh-CN" altLang="en-US" dirty="0"/>
               <a:t>现在的</a:t>
             </a:r>
             <a:r>
-              <a:rPr lang="en-US" altLang="zh-CN" dirty="0" smtClean="0"/>
+              <a:rPr lang="en-US" altLang="zh-CN" dirty="0"/>
               <a:t>v1.6</a:t>
             </a:r>
             <a:r>
-              <a:rPr lang="zh-CN" altLang="en-US" dirty="0" smtClean="0"/>
+              <a:rPr lang="zh-CN" altLang="en-US" dirty="0"/>
               <a:t>的</a:t>
             </a:r>
             <a:r>
-              <a:rPr lang="en-US" altLang="zh-CN" dirty="0" err="1" smtClean="0"/>
+              <a:rPr lang="en-US" altLang="zh-CN" dirty="0" err="1"/>
               <a:t>Steframe</a:t>
             </a:r>
             <a:r>
-              <a:rPr lang="en-US" altLang="zh-CN" dirty="0" smtClean="0"/>
+              <a:rPr lang="en-US" altLang="zh-CN" dirty="0"/>
               <a:t> extends </a:t>
             </a:r>
             <a:r>
-              <a:rPr lang="en-US" altLang="zh-CN" dirty="0" err="1" smtClean="0"/>
+              <a:rPr lang="en-US" altLang="zh-CN" dirty="0" err="1"/>
               <a:t>COpFrame</a:t>
             </a:r>
-            <a:endParaRPr lang="en-US" altLang="zh-CN" dirty="0" smtClean="0">
+            <a:endParaRPr lang="en-US" altLang="zh-CN" dirty="0">
               <a:sym typeface="Wingdings" panose="05000000000000000000" pitchFamily="2" charset="2"/>
             </a:endParaRPr>
           </a:p>
           <a:p>
-            <a:endParaRPr lang="en-US" altLang="zh-CN" dirty="0" smtClean="0"/>
+            <a:endParaRPr lang="en-US" altLang="zh-CN" dirty="0"/>
           </a:p>
         </p:txBody>
       </p:sp>
@@ -14355,13 +14245,6 @@
   <p:clrMapOvr>
     <a:masterClrMapping/>
   </p:clrMapOvr>
-  <p:timing>
-    <p:tnLst>
-      <p:par>
-        <p:cTn id="1" dur="indefinite" restart="never" nodeType="tmRoot"/>
-      </p:par>
-    </p:tnLst>
-  </p:timing>
 </p:sld>
 </file>
 
@@ -14403,7 +14286,7 @@
           <a:lstStyle/>
           <a:p>
             <a:r>
-              <a:rPr lang="zh-CN" altLang="en-US" smtClean="0"/>
+              <a:rPr lang="zh-CN" altLang="en-US"/>
               <a:t>目录</a:t>
             </a:r>
           </a:p>
@@ -14429,10 +14312,10 @@
               <a:buAutoNum type="arabicPeriod"/>
             </a:pPr>
             <a:r>
-              <a:rPr lang="zh-CN" altLang="en-US" sz="2800" noProof="1" smtClean="0"/>
+              <a:rPr lang="zh-CN" altLang="en-US" sz="2800" noProof="1"/>
               <a:t>开发环境搭建</a:t>
             </a:r>
-            <a:endParaRPr lang="zh-CN" altLang="zh-CN" sz="2800" noProof="1" smtClean="0"/>
+            <a:endParaRPr lang="zh-CN" altLang="zh-CN" sz="2800" noProof="1"/>
           </a:p>
           <a:p>
             <a:pPr>
@@ -14440,24 +14323,24 @@
               <a:buAutoNum type="arabicPeriod"/>
             </a:pPr>
             <a:r>
-              <a:rPr lang="zh-CN" altLang="en-US" sz="2800" noProof="1" smtClean="0"/>
+              <a:rPr lang="zh-CN" altLang="en-US" sz="2800" noProof="1"/>
               <a:t>表相关</a:t>
             </a:r>
-            <a:endParaRPr lang="zh-CN" altLang="zh-CN" sz="2800" noProof="1" smtClean="0"/>
+            <a:endParaRPr lang="zh-CN" altLang="zh-CN" sz="2800" noProof="1"/>
           </a:p>
           <a:p>
             <a:pPr>
               <a:buFont typeface="Times New Roman" panose="02020603050405020304" pitchFamily="18" charset="0"/>
               <a:buAutoNum type="arabicPeriod"/>
             </a:pPr>
-            <a:endParaRPr lang="zh-CN" altLang="zh-CN" sz="2800" noProof="1" smtClean="0"/>
+            <a:endParaRPr lang="zh-CN" altLang="zh-CN" sz="2800" noProof="1"/>
           </a:p>
           <a:p>
             <a:pPr>
               <a:buFont typeface="Times New Roman" panose="02020603050405020304" pitchFamily="18" charset="0"/>
               <a:buAutoNum type="arabicPeriod"/>
             </a:pPr>
-            <a:endParaRPr lang="zh-CN" altLang="zh-CN" sz="2800" noProof="1" smtClean="0"/>
+            <a:endParaRPr lang="zh-CN" altLang="zh-CN" sz="2800" noProof="1"/>
           </a:p>
         </p:txBody>
       </p:sp>
@@ -14466,13 +14349,6 @@
   <p:clrMapOvr>
     <a:masterClrMapping/>
   </p:clrMapOvr>
-  <p:timing>
-    <p:tnLst>
-      <p:par>
-        <p:cTn id="1" dur="indefinite" restart="never" nodeType="tmRoot"/>
-      </p:par>
-    </p:tnLst>
-  </p:timing>
 </p:sld>
 </file>
 
@@ -14514,14 +14390,14 @@
           <a:lstStyle/>
           <a:p>
             <a:r>
-              <a:rPr lang="zh-CN" altLang="en-US" smtClean="0"/>
+              <a:rPr lang="zh-CN" altLang="en-US"/>
               <a:t>源码分析</a:t>
             </a:r>
             <a:r>
-              <a:rPr lang="en-US" altLang="zh-CN" smtClean="0"/>
+              <a:rPr lang="en-US" altLang="zh-CN"/>
               <a:t>(2)-CFrame</a:t>
             </a:r>
-            <a:endParaRPr lang="zh-CN" altLang="en-US" smtClean="0"/>
+            <a:endParaRPr lang="zh-CN" altLang="en-US"/>
           </a:p>
         </p:txBody>
       </p:sp>
@@ -14541,57 +14417,57 @@
           <a:lstStyle/>
           <a:p>
             <a:r>
-              <a:rPr lang="zh-CN" altLang="en-US" smtClean="0"/>
+              <a:rPr lang="zh-CN" altLang="en-US"/>
               <a:t>提示框相关</a:t>
             </a:r>
-            <a:endParaRPr lang="en-US" altLang="zh-CN" smtClean="0"/>
+            <a:endParaRPr lang="en-US" altLang="zh-CN"/>
           </a:p>
           <a:p>
             <a:pPr lvl="1"/>
             <a:r>
-              <a:rPr lang="en-US" altLang="zh-CN" smtClean="0"/>
+              <a:rPr lang="en-US" altLang="zh-CN"/>
               <a:t>infoMessage(String title,String msg);</a:t>
             </a:r>
           </a:p>
           <a:p>
             <a:pPr lvl="1"/>
             <a:r>
-              <a:rPr lang="en-US" altLang="zh-CN" smtClean="0"/>
+              <a:rPr lang="en-US" altLang="zh-CN"/>
               <a:t>errorMessage(String title,String msg);</a:t>
             </a:r>
           </a:p>
           <a:p>
             <a:pPr lvl="1"/>
             <a:r>
-              <a:rPr lang="en-US" altLang="zh-CN" smtClean="0"/>
+              <a:rPr lang="en-US" altLang="zh-CN"/>
               <a:t>warnMessage(String title,String msg);</a:t>
             </a:r>
           </a:p>
           <a:p>
             <a:r>
-              <a:rPr lang="zh-CN" altLang="en-US" smtClean="0"/>
+              <a:rPr lang="zh-CN" altLang="en-US"/>
               <a:t>快捷键相关</a:t>
             </a:r>
-            <a:endParaRPr lang="en-US" altLang="zh-CN" smtClean="0"/>
+            <a:endParaRPr lang="en-US" altLang="zh-CN"/>
           </a:p>
           <a:p>
             <a:pPr lvl="1"/>
             <a:r>
-              <a:rPr lang="en-US" altLang="zh-CN" smtClean="0"/>
+              <a:rPr lang="en-US" altLang="zh-CN"/>
               <a:t>addHotkey(KeyStroke key,</a:t>
             </a:r>
             <a:br>
-              <a:rPr lang="en-US" altLang="zh-CN" smtClean="0"/>
+              <a:rPr lang="en-US" altLang="zh-CN"/>
             </a:br>
             <a:r>
-              <a:rPr lang="en-US" altLang="zh-CN" smtClean="0"/>
+              <a:rPr lang="en-US" altLang="zh-CN"/>
               <a:t>String actionname,Action action)</a:t>
             </a:r>
           </a:p>
           <a:p>
             <a:pPr lvl="1"/>
             <a:r>
-              <a:rPr lang="en-US" altLang="zh-CN" smtClean="0"/>
+              <a:rPr lang="en-US" altLang="zh-CN"/>
               <a:t>dumpKeyaction(Jcomponent c);</a:t>
             </a:r>
           </a:p>
@@ -14656,13 +14532,6 @@
   <p:clrMapOvr>
     <a:masterClrMapping/>
   </p:clrMapOvr>
-  <p:timing>
-    <p:tnLst>
-      <p:par>
-        <p:cTn id="1" dur="indefinite" restart="never" nodeType="tmRoot"/>
-      </p:par>
-    </p:tnLst>
-  </p:timing>
 </p:sld>
 </file>
 
@@ -14704,15 +14573,15 @@
           <a:lstStyle/>
           <a:p>
             <a:r>
-              <a:rPr lang="zh-CN" altLang="en-US" smtClean="0"/>
+              <a:rPr lang="zh-CN" altLang="en-US"/>
               <a:t>源码分析</a:t>
             </a:r>
             <a:r>
-              <a:rPr lang="en-US" altLang="zh-CN" smtClean="0"/>
+              <a:rPr lang="en-US" altLang="zh-CN"/>
               <a:t>(3)-</a:t>
             </a:r>
             <a:r>
-              <a:rPr lang="zh-CN" altLang="en-US" smtClean="0"/>
+              <a:rPr lang="zh-CN" altLang="en-US"/>
               <a:t>授权信息</a:t>
             </a:r>
           </a:p>
@@ -14734,26 +14603,26 @@
           <a:lstStyle/>
           <a:p>
             <a:r>
-              <a:rPr lang="en-US" altLang="zh-CN" dirty="0" smtClean="0"/>
+              <a:rPr lang="en-US" altLang="zh-CN" dirty="0"/>
               <a:t>npserver_s.jar </a:t>
             </a:r>
             <a:r>
-              <a:rPr lang="zh-CN" altLang="en-US" dirty="0" smtClean="0"/>
+              <a:rPr lang="zh-CN" altLang="en-US" dirty="0"/>
               <a:t>  </a:t>
             </a:r>
             <a:r>
-              <a:rPr lang="en-US" altLang="zh-CN" dirty="0" err="1" smtClean="0"/>
+              <a:rPr lang="en-US" altLang="zh-CN" dirty="0" err="1"/>
               <a:t>com.inca.npserver</a:t>
             </a:r>
             <a:r>
-              <a:rPr lang="en-US" altLang="zh-CN" dirty="0" smtClean="0"/>
+              <a:rPr lang="en-US" altLang="zh-CN" dirty="0"/>
               <a:t>.. </a:t>
             </a:r>
             <a:r>
-              <a:rPr lang="en-US" altLang="zh-CN" dirty="0" err="1" smtClean="0"/>
+              <a:rPr lang="en-US" altLang="zh-CN" dirty="0" err="1"/>
               <a:t>Proddbmodel</a:t>
             </a:r>
-            <a:endParaRPr lang="en-US" altLang="zh-CN" dirty="0" smtClean="0"/>
+            <a:endParaRPr lang="en-US" altLang="zh-CN" dirty="0"/>
           </a:p>
         </p:txBody>
       </p:sp>
@@ -14762,13 +14631,6 @@
   <p:clrMapOvr>
     <a:masterClrMapping/>
   </p:clrMapOvr>
-  <p:timing>
-    <p:tnLst>
-      <p:par>
-        <p:cTn id="1" dur="indefinite" restart="never" nodeType="tmRoot"/>
-      </p:par>
-    </p:tnLst>
-  </p:timing>
 </p:sld>
 </file>
 
@@ -14810,15 +14672,15 @@
           <a:lstStyle/>
           <a:p>
             <a:r>
-              <a:rPr lang="zh-CN" altLang="en-US" smtClean="0"/>
+              <a:rPr lang="zh-CN" altLang="en-US"/>
               <a:t>源码分析</a:t>
             </a:r>
             <a:r>
-              <a:rPr lang="en-US" altLang="zh-CN" smtClean="0"/>
+              <a:rPr lang="en-US" altLang="zh-CN"/>
               <a:t>(4)-</a:t>
             </a:r>
             <a:r>
-              <a:rPr lang="zh-CN" altLang="en-US" smtClean="0"/>
+              <a:rPr lang="zh-CN" altLang="en-US"/>
               <a:t>默认操作</a:t>
             </a:r>
           </a:p>
@@ -14840,10 +14702,10 @@
           <a:lstStyle/>
           <a:p>
             <a:r>
-              <a:rPr lang="en-US" altLang="zh-CN" u="sng" dirty="0" smtClean="0"/>
+              <a:rPr lang="en-US" altLang="zh-CN" u="sng" dirty="0"/>
               <a:t>DBModel2Jdbc</a:t>
             </a:r>
-            <a:endParaRPr lang="zh-CN" altLang="en-US" dirty="0" smtClean="0"/>
+            <a:endParaRPr lang="zh-CN" altLang="en-US" dirty="0"/>
           </a:p>
         </p:txBody>
       </p:sp>
@@ -14852,13 +14714,6 @@
   <p:clrMapOvr>
     <a:masterClrMapping/>
   </p:clrMapOvr>
-  <p:timing>
-    <p:tnLst>
-      <p:par>
-        <p:cTn id="1" dur="indefinite" restart="never" nodeType="tmRoot"/>
-      </p:par>
-    </p:tnLst>
-  </p:timing>
 </p:sld>
 </file>
 
@@ -14899,7 +14754,7 @@
           <a:bodyPr/>
           <a:lstStyle/>
           <a:p>
-            <a:endParaRPr lang="zh-CN" altLang="en-US" smtClean="0"/>
+            <a:endParaRPr lang="zh-CN" altLang="en-US"/>
           </a:p>
         </p:txBody>
       </p:sp>
@@ -14919,18 +14774,18 @@
           <a:lstStyle/>
           <a:p>
             <a:r>
-              <a:rPr lang="en-US" altLang="zh-CN" smtClean="0"/>
+              <a:rPr lang="en-US" altLang="zh-CN"/>
               <a:t>Select t2.placecenterid,t2.placecentername,t2.remotecon from chn_c2p t1,chn_center t2 where t1.usestatus = 1 and t1.placecenterid = t2.placecenterid and t1.placepointid =?  and t2.goodsflag = 1</a:t>
             </a:r>
           </a:p>
           <a:p>
             <a:r>
-              <a:rPr lang="en-US" altLang="zh-CN" smtClean="0"/>
+              <a:rPr lang="en-US" altLang="zh-CN"/>
               <a:t>select * from gpcs_placepoint_v</a:t>
             </a:r>
           </a:p>
           <a:p>
-            <a:endParaRPr lang="zh-CN" altLang="en-US" smtClean="0"/>
+            <a:endParaRPr lang="zh-CN" altLang="en-US"/>
           </a:p>
         </p:txBody>
       </p:sp>
@@ -14939,13 +14794,6 @@
   <p:clrMapOvr>
     <a:masterClrMapping/>
   </p:clrMapOvr>
-  <p:timing>
-    <p:tnLst>
-      <p:par>
-        <p:cTn id="1" dur="indefinite" restart="never" nodeType="tmRoot"/>
-      </p:par>
-    </p:tnLst>
-  </p:timing>
 </p:sld>
 </file>
 
@@ -14986,7 +14834,7 @@
           <a:bodyPr/>
           <a:lstStyle/>
           <a:p>
-            <a:endParaRPr lang="zh-CN" altLang="en-US" smtClean="0"/>
+            <a:endParaRPr lang="zh-CN" altLang="en-US"/>
           </a:p>
         </p:txBody>
       </p:sp>
@@ -15006,64 +14854,64 @@
           <a:lstStyle/>
           <a:p>
             <a:r>
-              <a:rPr lang="en-US" altLang="zh-CN" dirty="0" err="1" smtClean="0"/>
+              <a:rPr lang="en-US" altLang="zh-CN" dirty="0" err="1"/>
               <a:t>CSteModel</a:t>
             </a:r>
-            <a:endParaRPr lang="en-US" altLang="zh-CN" dirty="0" smtClean="0"/>
+            <a:endParaRPr lang="en-US" altLang="zh-CN" dirty="0"/>
           </a:p>
           <a:p>
             <a:pPr lvl="1"/>
             <a:r>
-              <a:rPr lang="en-US" altLang="zh-CN" dirty="0" err="1" smtClean="0"/>
+              <a:rPr lang="en-US" altLang="zh-CN" dirty="0" err="1"/>
               <a:t>loadDBColumnInfos</a:t>
             </a:r>
             <a:r>
-              <a:rPr lang="en-US" altLang="zh-CN" dirty="0" smtClean="0"/>
+              <a:rPr lang="en-US" altLang="zh-CN" dirty="0"/>
               <a:t>()</a:t>
             </a:r>
             <a:r>
-              <a:rPr lang="en-US" altLang="zh-CN" dirty="0" smtClean="0">
+              <a:rPr lang="en-US" altLang="zh-CN" dirty="0">
                 <a:sym typeface="Wingdings" panose="05000000000000000000" pitchFamily="2" charset="2"/>
               </a:rPr>
               <a:t></a:t>
             </a:r>
             <a:r>
-              <a:rPr lang="en-US" altLang="zh-CN" dirty="0" smtClean="0"/>
+              <a:rPr lang="en-US" altLang="zh-CN" dirty="0"/>
               <a:t> </a:t>
             </a:r>
             <a:r>
-              <a:rPr lang="en-US" altLang="zh-CN" dirty="0" err="1" smtClean="0"/>
+              <a:rPr lang="en-US" altLang="zh-CN" dirty="0" err="1"/>
               <a:t>DBColumnInfoStoreHelp.</a:t>
             </a:r>
             <a:r>
-              <a:rPr lang="en-US" altLang="zh-CN" i="1" dirty="0" err="1" smtClean="0"/>
+              <a:rPr lang="en-US" altLang="zh-CN" i="1" dirty="0" err="1"/>
               <a:t>readFile</a:t>
             </a:r>
             <a:r>
-              <a:rPr lang="en-US" altLang="zh-CN" i="1" dirty="0" smtClean="0"/>
+              <a:rPr lang="en-US" altLang="zh-CN" i="1" dirty="0"/>
               <a:t>()</a:t>
             </a:r>
           </a:p>
           <a:p>
             <a:pPr lvl="1"/>
             <a:r>
-              <a:rPr lang="en-US" altLang="zh-CN" dirty="0" err="1" smtClean="0"/>
+              <a:rPr lang="en-US" altLang="zh-CN" dirty="0" err="1"/>
               <a:t>Rulebase</a:t>
             </a:r>
             <a:r>
-              <a:rPr lang="en-US" altLang="zh-CN" dirty="0" smtClean="0"/>
+              <a:rPr lang="en-US" altLang="zh-CN" dirty="0"/>
               <a:t> </a:t>
             </a:r>
             <a:r>
-              <a:rPr lang="zh-CN" altLang="en-US" dirty="0" smtClean="0"/>
+              <a:rPr lang="zh-CN" altLang="en-US" dirty="0"/>
               <a:t>是基本的规则类</a:t>
             </a:r>
-            <a:endParaRPr lang="en-US" altLang="zh-CN" dirty="0" smtClean="0"/>
+            <a:endParaRPr lang="en-US" altLang="zh-CN" dirty="0"/>
           </a:p>
           <a:p>
             <a:pPr lvl="2"/>
             <a:r>
-              <a:rPr lang="zh-CN" altLang="en-US" dirty="0" smtClean="0"/>
+              <a:rPr lang="zh-CN" altLang="en-US" dirty="0"/>
               <a:t>子类对规则进行了详细的描述</a:t>
             </a:r>
           </a:p>
@@ -15074,13 +14922,6 @@
   <p:clrMapOvr>
     <a:masterClrMapping/>
   </p:clrMapOvr>
-  <p:timing>
-    <p:tnLst>
-      <p:par>
-        <p:cTn id="1" dur="indefinite" restart="never" nodeType="tmRoot"/>
-      </p:par>
-    </p:tnLst>
-  </p:timing>
 </p:sld>
 </file>
 
@@ -15122,19 +14963,19 @@
           <a:lstStyle/>
           <a:p>
             <a:r>
-              <a:rPr lang="en-US" altLang="zh-CN" dirty="0" smtClean="0"/>
+              <a:rPr lang="en-US" altLang="zh-CN" dirty="0"/>
               <a:t>_</a:t>
             </a:r>
             <a:r>
-              <a:rPr lang="en-US" altLang="zh-CN" dirty="0" err="1" smtClean="0"/>
+              <a:rPr lang="en-US" altLang="zh-CN" dirty="0" err="1"/>
               <a:t>Ste.model</a:t>
             </a:r>
             <a:r>
-              <a:rPr lang="en-US" altLang="zh-CN" dirty="0" smtClean="0"/>
+              <a:rPr lang="en-US" altLang="zh-CN" dirty="0"/>
               <a:t> </a:t>
             </a:r>
             <a:r>
-              <a:rPr lang="zh-CN" altLang="en-US" dirty="0" smtClean="0"/>
+              <a:rPr lang="zh-CN" altLang="en-US" dirty="0"/>
               <a:t>的解析类</a:t>
             </a:r>
           </a:p>
@@ -15161,160 +15002,152 @@
           <a:lstStyle/>
           <a:p>
             <a:r>
-              <a:rPr lang="en-US" altLang="zh-CN" dirty="0" err="1" smtClean="0"/>
+              <a:rPr lang="en-US" altLang="zh-CN" dirty="0" err="1"/>
               <a:t>DBColumnInfoStoreHelp</a:t>
             </a:r>
-            <a:endParaRPr lang="en-US" altLang="zh-CN" dirty="0" smtClean="0"/>
+            <a:endParaRPr lang="en-US" altLang="zh-CN" dirty="0"/>
           </a:p>
           <a:p>
             <a:pPr lvl="1"/>
             <a:r>
-              <a:rPr lang="en-US" altLang="zh-CN" i="1" dirty="0" err="1" smtClean="0"/>
+              <a:rPr lang="en-US" altLang="zh-CN" i="1" dirty="0" err="1"/>
               <a:t>readFile</a:t>
             </a:r>
             <a:r>
-              <a:rPr lang="en-US" altLang="zh-CN" i="1" dirty="0" smtClean="0"/>
+              <a:rPr lang="en-US" altLang="zh-CN" i="1" dirty="0"/>
               <a:t>(</a:t>
             </a:r>
             <a:r>
-              <a:rPr lang="en-US" altLang="zh-CN" dirty="0" err="1" smtClean="0"/>
+              <a:rPr lang="en-US" altLang="zh-CN" dirty="0" err="1"/>
               <a:t>CSteModel</a:t>
             </a:r>
             <a:r>
-              <a:rPr lang="en-US" altLang="zh-CN" dirty="0" smtClean="0"/>
+              <a:rPr lang="en-US" altLang="zh-CN" dirty="0"/>
               <a:t> </a:t>
             </a:r>
             <a:r>
-              <a:rPr lang="en-US" altLang="zh-CN" dirty="0" err="1" smtClean="0"/>
+              <a:rPr lang="en-US" altLang="zh-CN" dirty="0" err="1"/>
               <a:t>ste</a:t>
             </a:r>
             <a:r>
-              <a:rPr lang="en-US" altLang="zh-CN" dirty="0" smtClean="0"/>
+              <a:rPr lang="en-US" altLang="zh-CN" dirty="0"/>
               <a:t>, File file)</a:t>
             </a:r>
             <a:r>
-              <a:rPr lang="zh-CN" altLang="en-US" dirty="0" smtClean="0"/>
+              <a:rPr lang="zh-CN" altLang="en-US" dirty="0"/>
               <a:t>解析</a:t>
             </a:r>
             <a:r>
-              <a:rPr lang="en-US" altLang="zh-CN" dirty="0" smtClean="0"/>
+              <a:rPr lang="en-US" altLang="zh-CN" dirty="0"/>
               <a:t>_</a:t>
             </a:r>
             <a:r>
-              <a:rPr lang="en-US" altLang="zh-CN" dirty="0" err="1" smtClean="0"/>
+              <a:rPr lang="en-US" altLang="zh-CN" dirty="0" err="1"/>
               <a:t>ste.model</a:t>
             </a:r>
             <a:r>
-              <a:rPr lang="zh-CN" altLang="en-US" dirty="0" smtClean="0"/>
+              <a:rPr lang="zh-CN" altLang="en-US" dirty="0"/>
               <a:t>文件</a:t>
             </a:r>
-            <a:endParaRPr lang="en-US" altLang="zh-CN" dirty="0" smtClean="0"/>
+            <a:endParaRPr lang="en-US" altLang="zh-CN" dirty="0"/>
           </a:p>
           <a:p>
             <a:pPr lvl="2"/>
             <a:r>
-              <a:rPr lang="zh-CN" altLang="en-US" dirty="0" smtClean="0"/>
+              <a:rPr lang="zh-CN" altLang="en-US" dirty="0"/>
               <a:t>解析</a:t>
             </a:r>
             <a:r>
-              <a:rPr lang="en-US" altLang="zh-CN" dirty="0" smtClean="0"/>
+              <a:rPr lang="en-US" altLang="zh-CN" dirty="0"/>
               <a:t>form</a:t>
             </a:r>
           </a:p>
           <a:p>
             <a:pPr lvl="2"/>
             <a:r>
-              <a:rPr lang="zh-CN" altLang="en-US" dirty="0" smtClean="0"/>
+              <a:rPr lang="zh-CN" altLang="en-US" dirty="0"/>
               <a:t>解析</a:t>
             </a:r>
             <a:r>
-              <a:rPr lang="en-US" altLang="zh-CN" dirty="0" smtClean="0"/>
+              <a:rPr lang="en-US" altLang="zh-CN" dirty="0"/>
               <a:t>table</a:t>
             </a:r>
           </a:p>
           <a:p>
             <a:pPr lvl="2"/>
             <a:r>
-              <a:rPr lang="zh-CN" altLang="en-US" dirty="0" smtClean="0"/>
+              <a:rPr lang="zh-CN" altLang="en-US" dirty="0"/>
               <a:t>解析</a:t>
             </a:r>
             <a:r>
-              <a:rPr lang="en-US" altLang="zh-CN" dirty="0" err="1" smtClean="0"/>
+              <a:rPr lang="en-US" altLang="zh-CN" dirty="0" err="1"/>
               <a:t>querycolumns</a:t>
             </a:r>
-            <a:endParaRPr lang="en-US" altLang="zh-CN" dirty="0" smtClean="0"/>
+            <a:endParaRPr lang="en-US" altLang="zh-CN" dirty="0"/>
           </a:p>
           <a:p>
             <a:pPr lvl="2"/>
             <a:r>
-              <a:rPr lang="zh-CN" altLang="en-US" dirty="0" smtClean="0"/>
+              <a:rPr lang="zh-CN" altLang="en-US" dirty="0"/>
               <a:t>解析</a:t>
             </a:r>
             <a:r>
-              <a:rPr lang="en-US" altLang="zh-CN" dirty="0" err="1" smtClean="0"/>
+              <a:rPr lang="en-US" altLang="zh-CN" dirty="0" err="1"/>
               <a:t>querymustcolumns</a:t>
             </a:r>
-            <a:endParaRPr lang="en-US" altLang="zh-CN" dirty="0" smtClean="0"/>
+            <a:endParaRPr lang="en-US" altLang="zh-CN" dirty="0"/>
           </a:p>
           <a:p>
             <a:pPr lvl="2"/>
             <a:r>
-              <a:rPr lang="zh-CN" altLang="en-US" dirty="0" smtClean="0"/>
+              <a:rPr lang="zh-CN" altLang="en-US" dirty="0"/>
               <a:t>解析</a:t>
             </a:r>
             <a:r>
-              <a:rPr lang="en-US" altLang="zh-CN" dirty="0" err="1" smtClean="0"/>
+              <a:rPr lang="en-US" altLang="zh-CN" dirty="0" err="1"/>
               <a:t>hov</a:t>
             </a:r>
             <a:r>
-              <a:rPr lang="zh-CN" altLang="en-US" dirty="0" smtClean="0"/>
+              <a:rPr lang="zh-CN" altLang="en-US" dirty="0"/>
               <a:t>节点</a:t>
             </a:r>
-            <a:endParaRPr lang="en-US" altLang="zh-CN" dirty="0" smtClean="0"/>
+            <a:endParaRPr lang="en-US" altLang="zh-CN" dirty="0"/>
           </a:p>
           <a:p>
             <a:pPr lvl="1"/>
             <a:r>
-              <a:rPr lang="en-US" altLang="zh-CN" i="1" dirty="0" err="1" smtClean="0"/>
+              <a:rPr lang="en-US" altLang="zh-CN" i="1" dirty="0" err="1"/>
               <a:t>readOneColumn</a:t>
             </a:r>
             <a:r>
-              <a:rPr lang="en-US" altLang="zh-CN" i="1" dirty="0" smtClean="0"/>
+              <a:rPr lang="en-US" altLang="zh-CN" i="1" dirty="0"/>
               <a:t>(line); </a:t>
             </a:r>
             <a:r>
-              <a:rPr lang="zh-CN" altLang="en-US" i="1" dirty="0" smtClean="0"/>
+              <a:rPr lang="zh-CN" altLang="en-US" i="1" dirty="0"/>
               <a:t>将解析</a:t>
             </a:r>
             <a:r>
-              <a:rPr lang="en-US" altLang="zh-CN" i="1" dirty="0" smtClean="0"/>
+              <a:rPr lang="en-US" altLang="zh-CN" i="1" dirty="0"/>
               <a:t>&lt;form&gt;</a:t>
             </a:r>
             <a:r>
-              <a:rPr lang="zh-CN" altLang="en-US" i="1" dirty="0" smtClean="0"/>
+              <a:rPr lang="zh-CN" altLang="en-US" i="1" dirty="0"/>
               <a:t>中一行的内容</a:t>
             </a:r>
-            <a:endParaRPr lang="en-US" altLang="zh-CN" i="1" dirty="0" smtClean="0"/>
+            <a:endParaRPr lang="en-US" altLang="zh-CN" i="1" dirty="0"/>
           </a:p>
           <a:p>
             <a:pPr lvl="1"/>
             <a:r>
-              <a:rPr lang="en-US" altLang="zh-CN" u="sng" dirty="0" err="1" smtClean="0"/>
+              <a:rPr lang="en-US" altLang="zh-CN" u="sng" dirty="0" err="1"/>
               <a:t>writeOneColumn</a:t>
             </a:r>
             <a:r>
-              <a:rPr lang="zh-CN" altLang="en-US" u="sng" dirty="0" smtClean="0"/>
-              <a:t>可能更能看出</a:t>
-            </a:r>
-            <a:r>
               <a:rPr lang="zh-CN" altLang="en-US" u="sng" dirty="0"/>
-              <a:t>每</a:t>
-            </a:r>
-            <a:r>
-              <a:rPr lang="zh-CN" altLang="en-US" u="sng" dirty="0" smtClean="0"/>
-              <a:t>列的意义</a:t>
-            </a:r>
-            <a:endParaRPr lang="en-US" altLang="zh-CN" u="sng" dirty="0" smtClean="0"/>
+              <a:t>可能更能看出每列的意义</a:t>
+            </a:r>
+            <a:endParaRPr lang="en-US" altLang="zh-CN" u="sng" dirty="0"/>
           </a:p>
           <a:p>
             <a:r>
@@ -15399,23 +15232,7 @@
             </a:r>
             <a:r>
               <a:rPr lang="zh-CN" altLang="en-US" dirty="0"/>
-              <a:t>是否有行</a:t>
-            </a:r>
-            <a:r>
-              <a:rPr lang="zh-CN" altLang="en-US" dirty="0" smtClean="0"/>
-              <a:t>分隔符</a:t>
-            </a:r>
-            <a:r>
-              <a:rPr lang="en-US" altLang="zh-CN" dirty="0" smtClean="0"/>
-              <a:t>,</a:t>
-            </a:r>
-            <a:r>
-              <a:rPr lang="zh-CN" altLang="en-US" dirty="0" smtClean="0"/>
-              <a:t>数字</a:t>
-            </a:r>
-            <a:r>
-              <a:rPr lang="zh-CN" altLang="en-US" dirty="0"/>
-              <a:t>精度</a:t>
+              <a:t>是否有行分隔符</a:t>
             </a:r>
             <a:r>
               <a:rPr lang="en-US" altLang="zh-CN" dirty="0"/>
@@ -15423,6 +15240,14 @@
             </a:r>
             <a:r>
               <a:rPr lang="zh-CN" altLang="en-US" dirty="0"/>
+              <a:t>数字精度</a:t>
+            </a:r>
+            <a:r>
+              <a:rPr lang="en-US" altLang="zh-CN" dirty="0"/>
+              <a:t>,</a:t>
+            </a:r>
+            <a:r>
+              <a:rPr lang="zh-CN" altLang="en-US" dirty="0"/>
               <a:t>是否隐藏</a:t>
             </a:r>
             <a:r>
@@ -15481,7 +15306,6 @@
               <a:rPr lang="zh-CN" altLang="en-US" dirty="0"/>
               <a:t>是否全匹配</a:t>
             </a:r>
-            <a:endParaRPr lang="zh-CN" altLang="en-US" dirty="0" smtClean="0"/>
           </a:p>
         </p:txBody>
       </p:sp>
@@ -15490,13 +15314,6 @@
   <p:clrMapOvr>
     <a:masterClrMapping/>
   </p:clrMapOvr>
-  <p:timing>
-    <p:tnLst>
-      <p:par>
-        <p:cTn id="1" dur="indefinite" restart="never" nodeType="tmRoot"/>
-      </p:par>
-    </p:tnLst>
-  </p:timing>
 </p:sld>
 </file>
 
@@ -15552,99 +15369,83 @@
           <a:lstStyle/>
           <a:p>
             <a:r>
-              <a:rPr lang="en-US" altLang="zh-CN" dirty="0" err="1" smtClean="0"/>
+              <a:rPr lang="en-US" altLang="zh-CN" dirty="0" err="1"/>
               <a:t>CSteModel</a:t>
             </a:r>
             <a:r>
-              <a:rPr lang="en-US" altLang="zh-CN" dirty="0" smtClean="0"/>
-              <a:t>.</a:t>
-            </a:r>
-            <a:r>
               <a:rPr lang="en-US" altLang="zh-CN" dirty="0"/>
-              <a:t> </a:t>
-            </a:r>
-            <a:r>
-              <a:rPr lang="en-US" altLang="zh-CN" dirty="0" err="1" smtClean="0"/>
+              <a:t>. </a:t>
+            </a:r>
+            <a:r>
+              <a:rPr lang="en-US" altLang="zh-CN" dirty="0" err="1"/>
               <a:t>addActionListener</a:t>
             </a:r>
             <a:r>
-              <a:rPr lang="en-US" altLang="zh-CN" dirty="0" smtClean="0"/>
+              <a:rPr lang="en-US" altLang="zh-CN" dirty="0"/>
               <a:t>(</a:t>
             </a:r>
             <a:r>
-              <a:rPr lang="en-US" altLang="zh-CN" dirty="0" err="1" smtClean="0"/>
+              <a:rPr lang="en-US" altLang="zh-CN" dirty="0" err="1"/>
               <a:t>CSteModelListenerAdaptor</a:t>
             </a:r>
             <a:r>
-              <a:rPr lang="en-US" altLang="zh-CN" dirty="0" smtClean="0"/>
+              <a:rPr lang="en-US" altLang="zh-CN" dirty="0"/>
               <a:t> );</a:t>
             </a:r>
           </a:p>
           <a:p>
             <a:r>
-              <a:rPr lang="zh-CN" altLang="en-US" dirty="0" smtClean="0"/>
+              <a:rPr lang="zh-CN" altLang="en-US" dirty="0"/>
               <a:t>添加模型的事件处理程序</a:t>
             </a:r>
-            <a:endParaRPr lang="en-US" altLang="zh-CN" dirty="0" smtClean="0"/>
+            <a:endParaRPr lang="en-US" altLang="zh-CN" dirty="0"/>
           </a:p>
           <a:p>
             <a:pPr lvl="1"/>
             <a:r>
-              <a:rPr lang="en-US" altLang="zh-CN" dirty="0" err="1" smtClean="0"/>
+              <a:rPr lang="en-US" altLang="zh-CN" dirty="0" err="1"/>
               <a:t>on_click</a:t>
             </a:r>
             <a:r>
-              <a:rPr lang="zh-CN" altLang="en-US" dirty="0" smtClean="0"/>
+              <a:rPr lang="zh-CN" altLang="en-US" dirty="0"/>
               <a:t>事件在鼠标按下和释放时都会触发，所以要自行判断是否点击的是同一行</a:t>
             </a:r>
-            <a:endParaRPr lang="en-US" altLang="zh-CN" dirty="0" smtClean="0"/>
+            <a:endParaRPr lang="en-US" altLang="zh-CN" dirty="0"/>
           </a:p>
           <a:p>
             <a:r>
               <a:rPr lang="en-US" altLang="zh-CN" dirty="0"/>
-              <a:t>&lt;table</a:t>
-            </a:r>
-            <a:r>
-              <a:rPr lang="en-US" altLang="zh-CN" dirty="0" smtClean="0"/>
-              <a:t>&gt;</a:t>
-            </a:r>
-            <a:r>
-              <a:rPr lang="zh-CN" altLang="en-US" dirty="0" smtClean="0"/>
+              <a:t>&lt;table&gt;</a:t>
+            </a:r>
+            <a:r>
+              <a:rPr lang="zh-CN" altLang="en-US" dirty="0"/>
               <a:t>行号</a:t>
             </a:r>
             <a:r>
-              <a:rPr lang="en-US" altLang="zh-CN" dirty="0" smtClean="0"/>
+              <a:rPr lang="en-US" altLang="zh-CN" dirty="0"/>
               <a:t>,</a:t>
             </a:r>
             <a:r>
-              <a:rPr lang="zh-CN" altLang="en-US" dirty="0" smtClean="0"/>
+              <a:rPr lang="zh-CN" altLang="en-US" dirty="0"/>
               <a:t>列</a:t>
             </a:r>
             <a:r>
-              <a:rPr lang="en-US" altLang="zh-CN" dirty="0" smtClean="0"/>
+              <a:rPr lang="en-US" altLang="zh-CN" dirty="0"/>
               <a:t>1,</a:t>
             </a:r>
             <a:r>
-              <a:rPr lang="zh-CN" altLang="en-US" dirty="0" smtClean="0"/>
+              <a:rPr lang="zh-CN" altLang="en-US" dirty="0"/>
               <a:t>列</a:t>
             </a:r>
             <a:r>
-              <a:rPr lang="en-US" altLang="zh-CN" dirty="0" smtClean="0"/>
-              <a:t>2…&lt;/</a:t>
-            </a:r>
-            <a:r>
               <a:rPr lang="en-US" altLang="zh-CN" dirty="0"/>
-              <a:t>table</a:t>
-            </a:r>
-            <a:r>
-              <a:rPr lang="en-US" altLang="zh-CN" dirty="0" smtClean="0"/>
-              <a:t>&gt; </a:t>
-            </a:r>
-            <a:r>
-              <a:rPr lang="zh-CN" altLang="en-US" dirty="0" smtClean="0"/>
+              <a:t>2…&lt;/table&gt; </a:t>
+            </a:r>
+            <a:r>
+              <a:rPr lang="zh-CN" altLang="en-US" dirty="0"/>
               <a:t>不允许有空格</a:t>
             </a:r>
-            <a:endParaRPr lang="en-US" altLang="zh-CN" dirty="0" smtClean="0"/>
+            <a:endParaRPr lang="en-US" altLang="zh-CN" dirty="0"/>
           </a:p>
         </p:txBody>
       </p:sp>
@@ -15699,11 +15500,11 @@
           <a:lstStyle/>
           <a:p>
             <a:r>
-              <a:rPr lang="en-US" altLang="zh-CN" smtClean="0"/>
+              <a:rPr lang="en-US" altLang="zh-CN"/>
               <a:t>HOV</a:t>
             </a:r>
             <a:r>
-              <a:rPr lang="zh-CN" altLang="en-US" smtClean="0"/>
+              <a:rPr lang="zh-CN" altLang="en-US"/>
               <a:t>如何返回主窗体</a:t>
             </a:r>
           </a:p>
@@ -15725,75 +15526,75 @@
           <a:lstStyle/>
           <a:p>
             <a:r>
-              <a:rPr lang="en-US" altLang="zh-CN" dirty="0" err="1" smtClean="0"/>
+              <a:rPr lang="en-US" altLang="zh-CN" dirty="0" err="1"/>
               <a:t>DBTableModel</a:t>
             </a:r>
             <a:r>
-              <a:rPr lang="en-US" altLang="zh-CN" dirty="0" smtClean="0"/>
+              <a:rPr lang="en-US" altLang="zh-CN" dirty="0"/>
               <a:t> result = </a:t>
             </a:r>
             <a:r>
-              <a:rPr lang="en-US" altLang="zh-CN" dirty="0" err="1" smtClean="0"/>
+              <a:rPr lang="en-US" altLang="zh-CN" dirty="0" err="1"/>
               <a:t>hov.getResult</a:t>
             </a:r>
             <a:r>
-              <a:rPr lang="en-US" altLang="zh-CN" dirty="0" smtClean="0"/>
+              <a:rPr lang="en-US" altLang="zh-CN" dirty="0"/>
               <a:t>();</a:t>
             </a:r>
           </a:p>
           <a:p>
             <a:r>
-              <a:rPr lang="en-US" altLang="zh-CN" dirty="0" smtClean="0"/>
+              <a:rPr lang="en-US" altLang="zh-CN" dirty="0"/>
               <a:t>HOV</a:t>
             </a:r>
             <a:r>
-              <a:rPr lang="zh-CN" altLang="en-US" dirty="0" smtClean="0"/>
+              <a:rPr lang="zh-CN" altLang="en-US" dirty="0"/>
               <a:t>中</a:t>
             </a:r>
-            <a:endParaRPr lang="en-US" altLang="zh-CN" dirty="0" smtClean="0"/>
+            <a:endParaRPr lang="en-US" altLang="zh-CN" dirty="0"/>
           </a:p>
           <a:p>
             <a:pPr lvl="1"/>
             <a:r>
-              <a:rPr lang="en-US" altLang="zh-CN" dirty="0" err="1" smtClean="0"/>
+              <a:rPr lang="en-US" altLang="zh-CN" dirty="0" err="1"/>
               <a:t>querycond.</a:t>
             </a:r>
             <a:r>
-              <a:rPr lang="en-US" altLang="zh-CN" u="sng" dirty="0" err="1" smtClean="0"/>
+              <a:rPr lang="en-US" altLang="zh-CN" u="sng" dirty="0" err="1"/>
               <a:t>getHovWheres</a:t>
             </a:r>
             <a:r>
-              <a:rPr lang="en-US" altLang="zh-CN" u="sng" dirty="0" smtClean="0"/>
+              <a:rPr lang="en-US" altLang="zh-CN" u="sng" dirty="0"/>
               <a:t>()</a:t>
             </a:r>
             <a:r>
-              <a:rPr lang="zh-CN" altLang="en-US" u="sng" dirty="0" smtClean="0"/>
+              <a:rPr lang="zh-CN" altLang="en-US" u="sng" dirty="0"/>
               <a:t>是不可以修正的</a:t>
             </a:r>
-            <a:endParaRPr lang="en-US" altLang="zh-CN" u="sng" dirty="0" smtClean="0"/>
+            <a:endParaRPr lang="en-US" altLang="zh-CN" u="sng" dirty="0"/>
           </a:p>
           <a:p>
             <a:pPr lvl="1"/>
             <a:r>
-              <a:rPr lang="en-US" altLang="zh-CN" u="sng" dirty="0" err="1" smtClean="0"/>
+              <a:rPr lang="en-US" altLang="zh-CN" u="sng" dirty="0" err="1"/>
               <a:t>getOtherwheres</a:t>
             </a:r>
             <a:r>
-              <a:rPr lang="en-US" altLang="zh-CN" u="sng" dirty="0" smtClean="0"/>
+              <a:rPr lang="en-US" altLang="zh-CN" u="sng" dirty="0"/>
               <a:t>() </a:t>
             </a:r>
             <a:r>
-              <a:rPr lang="zh-CN" altLang="en-US" u="sng" dirty="0" smtClean="0"/>
+              <a:rPr lang="zh-CN" altLang="en-US" u="sng" dirty="0"/>
               <a:t>可以被重写。可以通过</a:t>
             </a:r>
-            <a:endParaRPr lang="en-US" altLang="zh-CN" u="sng" dirty="0" smtClean="0"/>
+            <a:endParaRPr lang="en-US" altLang="zh-CN" u="sng" dirty="0"/>
           </a:p>
           <a:p>
             <a:pPr lvl="1"/>
-            <a:endParaRPr lang="en-US" altLang="zh-CN" dirty="0" smtClean="0"/>
-          </a:p>
-          <a:p>
-            <a:endParaRPr lang="zh-CN" altLang="en-US" dirty="0" smtClean="0"/>
+            <a:endParaRPr lang="en-US" altLang="zh-CN" dirty="0"/>
+          </a:p>
+          <a:p>
+            <a:endParaRPr lang="zh-CN" altLang="en-US" dirty="0"/>
           </a:p>
         </p:txBody>
       </p:sp>
@@ -15802,13 +15603,6 @@
   <p:clrMapOvr>
     <a:masterClrMapping/>
   </p:clrMapOvr>
-  <p:timing>
-    <p:tnLst>
-      <p:par>
-        <p:cTn id="1" dur="indefinite" restart="never" nodeType="tmRoot"/>
-      </p:par>
-    </p:tnLst>
-  </p:timing>
 </p:sld>
 </file>
 
@@ -15850,19 +15644,19 @@
           <a:lstStyle/>
           <a:p>
             <a:r>
-              <a:rPr lang="en-US" altLang="zh-CN" smtClean="0"/>
+              <a:rPr lang="en-US" altLang="zh-CN"/>
               <a:t>1.</a:t>
             </a:r>
             <a:r>
-              <a:rPr lang="zh-CN" altLang="en-US" smtClean="0"/>
+              <a:rPr lang="zh-CN" altLang="en-US"/>
               <a:t>手工请货（</a:t>
             </a:r>
             <a:r>
-              <a:rPr lang="en-US" altLang="zh-CN" smtClean="0"/>
+              <a:rPr lang="en-US" altLang="zh-CN"/>
               <a:t>?</a:t>
             </a:r>
             <a:r>
-              <a:rPr lang="zh-CN" altLang="en-US" smtClean="0"/>
+              <a:rPr lang="zh-CN" altLang="en-US"/>
               <a:t>与请赠品的区别）</a:t>
             </a:r>
           </a:p>
@@ -15884,142 +15678,142 @@
           <a:lstStyle/>
           <a:p>
             <a:r>
-              <a:rPr lang="zh-CN" altLang="en-US" dirty="0" smtClean="0"/>
+              <a:rPr lang="zh-CN" altLang="en-US" dirty="0"/>
               <a:t>在</a:t>
             </a:r>
             <a:r>
-              <a:rPr lang="en-US" altLang="zh-CN" dirty="0" err="1" smtClean="0"/>
+              <a:rPr lang="en-US" altLang="zh-CN" dirty="0" err="1"/>
               <a:t>gpcspoint</a:t>
             </a:r>
             <a:r>
-              <a:rPr lang="zh-CN" altLang="en-US" dirty="0" smtClean="0"/>
+              <a:rPr lang="zh-CN" altLang="en-US" dirty="0"/>
               <a:t>项目</a:t>
             </a:r>
-            <a:endParaRPr lang="en-US" altLang="zh-CN" dirty="0" smtClean="0"/>
-          </a:p>
-          <a:p>
-            <a:r>
-              <a:rPr lang="en-US" altLang="zh-CN" dirty="0" err="1" smtClean="0"/>
+            <a:endParaRPr lang="en-US" altLang="zh-CN" dirty="0"/>
+          </a:p>
+          <a:p>
+            <a:r>
+              <a:rPr lang="en-US" altLang="zh-CN" dirty="0" err="1"/>
               <a:t>com.kn.req.hand.Chn_req_hand_frame</a:t>
             </a:r>
-            <a:endParaRPr lang="en-US" altLang="zh-CN" dirty="0" smtClean="0"/>
-          </a:p>
-          <a:p>
-            <a:r>
-              <a:rPr lang="zh-CN" altLang="en-US" dirty="0" smtClean="0"/>
+            <a:endParaRPr lang="en-US" altLang="zh-CN" dirty="0"/>
+          </a:p>
+          <a:p>
+            <a:r>
+              <a:rPr lang="zh-CN" altLang="en-US" dirty="0"/>
               <a:t>请货单表为</a:t>
             </a:r>
             <a:r>
-              <a:rPr lang="en-US" altLang="zh-CN" dirty="0" err="1" smtClean="0"/>
+              <a:rPr lang="en-US" altLang="zh-CN" dirty="0" err="1"/>
               <a:t>chn_req_tmp</a:t>
             </a:r>
-            <a:endParaRPr lang="en-US" altLang="zh-CN" dirty="0" smtClean="0"/>
-          </a:p>
-          <a:p>
-            <a:r>
-              <a:rPr lang="zh-CN" altLang="en-US" dirty="0" smtClean="0"/>
+            <a:endParaRPr lang="en-US" altLang="zh-CN" dirty="0"/>
+          </a:p>
+          <a:p>
+            <a:r>
+              <a:rPr lang="zh-CN" altLang="en-US" dirty="0"/>
               <a:t>请货时需判断</a:t>
             </a:r>
-            <a:endParaRPr lang="en-US" altLang="zh-CN" dirty="0" smtClean="0"/>
+            <a:endParaRPr lang="en-US" altLang="zh-CN" dirty="0"/>
           </a:p>
           <a:p>
             <a:pPr lvl="1"/>
             <a:r>
-              <a:rPr lang="zh-CN" altLang="en-US" sz="2000" dirty="0" smtClean="0"/>
+              <a:rPr lang="zh-CN" altLang="en-US" sz="2000" dirty="0"/>
               <a:t>是否重复请货</a:t>
             </a:r>
-            <a:endParaRPr lang="en-US" altLang="zh-CN" sz="2000" dirty="0" smtClean="0"/>
+            <a:endParaRPr lang="en-US" altLang="zh-CN" sz="2000" dirty="0"/>
           </a:p>
           <a:p>
             <a:pPr lvl="1"/>
             <a:r>
-              <a:rPr lang="zh-CN" altLang="en-US" sz="2000" dirty="0" smtClean="0"/>
+              <a:rPr lang="zh-CN" altLang="en-US" sz="2000" dirty="0"/>
               <a:t>是否为</a:t>
             </a:r>
             <a:r>
-              <a:rPr lang="en-US" altLang="zh-CN" sz="2000" dirty="0" smtClean="0"/>
+              <a:rPr lang="en-US" altLang="zh-CN" sz="2000" dirty="0"/>
               <a:t>GSP</a:t>
             </a:r>
             <a:r>
-              <a:rPr lang="zh-CN" altLang="en-US" sz="2000" dirty="0" smtClean="0"/>
+              <a:rPr lang="zh-CN" altLang="en-US" sz="2000" dirty="0"/>
               <a:t>禁销药</a:t>
             </a:r>
-            <a:endParaRPr lang="en-US" altLang="zh-CN" sz="2000" dirty="0" smtClean="0"/>
+            <a:endParaRPr lang="en-US" altLang="zh-CN" sz="2000" dirty="0"/>
           </a:p>
           <a:p>
             <a:pPr lvl="1"/>
             <a:r>
-              <a:rPr lang="zh-CN" altLang="en-US" sz="2000" dirty="0" smtClean="0"/>
+              <a:rPr lang="zh-CN" altLang="en-US" sz="2000" dirty="0"/>
               <a:t>是否进行门店销售</a:t>
             </a:r>
-            <a:endParaRPr lang="en-US" altLang="zh-CN" sz="2000" dirty="0" smtClean="0"/>
+            <a:endParaRPr lang="en-US" altLang="zh-CN" sz="2000" dirty="0"/>
           </a:p>
           <a:p>
             <a:pPr lvl="1"/>
             <a:r>
-              <a:rPr lang="zh-CN" altLang="en-US" sz="2000" dirty="0" smtClean="0"/>
+              <a:rPr lang="zh-CN" altLang="en-US" sz="2000" dirty="0"/>
               <a:t>是否货品连锁编码不可请</a:t>
             </a:r>
-            <a:endParaRPr lang="en-US" altLang="zh-CN" sz="2000" dirty="0" smtClean="0"/>
+            <a:endParaRPr lang="en-US" altLang="zh-CN" sz="2000" dirty="0"/>
           </a:p>
           <a:p>
             <a:pPr lvl="1"/>
             <a:r>
-              <a:rPr lang="zh-CN" altLang="en-US" sz="2000" dirty="0" smtClean="0"/>
+              <a:rPr lang="zh-CN" altLang="en-US" sz="2000" dirty="0"/>
               <a:t>是否有库存</a:t>
             </a:r>
-            <a:endParaRPr lang="en-US" altLang="zh-CN" sz="2000" dirty="0" smtClean="0"/>
+            <a:endParaRPr lang="en-US" altLang="zh-CN" sz="2000" dirty="0"/>
           </a:p>
           <a:p>
             <a:pPr lvl="1"/>
             <a:r>
-              <a:rPr lang="zh-CN" altLang="en-US" sz="2000" dirty="0" smtClean="0"/>
+              <a:rPr lang="zh-CN" altLang="en-US" sz="2000" dirty="0"/>
               <a:t>是否有会员价</a:t>
             </a:r>
             <a:r>
-              <a:rPr lang="en-US" altLang="zh-CN" sz="2000" dirty="0" smtClean="0"/>
+              <a:rPr lang="en-US" altLang="zh-CN" sz="2000" dirty="0"/>
               <a:t>(</a:t>
             </a:r>
             <a:r>
-              <a:rPr lang="zh-CN" altLang="en-US" sz="2000" dirty="0" smtClean="0"/>
+              <a:rPr lang="zh-CN" altLang="en-US" sz="2000" dirty="0"/>
               <a:t>有库存</a:t>
             </a:r>
             <a:r>
-              <a:rPr lang="en-US" altLang="zh-CN" sz="2000" dirty="0" smtClean="0"/>
+              <a:rPr lang="en-US" altLang="zh-CN" sz="2000" dirty="0"/>
               <a:t>,</a:t>
             </a:r>
             <a:r>
-              <a:rPr lang="zh-CN" altLang="en-US" sz="2000" dirty="0" smtClean="0"/>
+              <a:rPr lang="zh-CN" altLang="en-US" sz="2000" dirty="0"/>
               <a:t>但商品信息正在维护中</a:t>
             </a:r>
             <a:r>
-              <a:rPr lang="en-US" altLang="zh-CN" sz="2000" dirty="0" smtClean="0"/>
+              <a:rPr lang="en-US" altLang="zh-CN" sz="2000" dirty="0"/>
               <a:t>)</a:t>
             </a:r>
           </a:p>
           <a:p>
             <a:pPr lvl="1"/>
             <a:r>
-              <a:rPr lang="zh-CN" altLang="en-US" sz="2000" dirty="0" smtClean="0"/>
+              <a:rPr lang="zh-CN" altLang="en-US" sz="2000" dirty="0"/>
               <a:t>请货数量必须是 不拆零包数量的倍数 和 最小请货数量的倍数</a:t>
             </a:r>
-            <a:endParaRPr lang="en-US" altLang="zh-CN" sz="2000" dirty="0" smtClean="0"/>
+            <a:endParaRPr lang="en-US" altLang="zh-CN" sz="2000" dirty="0"/>
           </a:p>
           <a:p>
             <a:pPr lvl="1"/>
             <a:r>
-              <a:rPr lang="zh-CN" altLang="en-US" sz="2000" dirty="0" smtClean="0"/>
+              <a:rPr lang="zh-CN" altLang="en-US" sz="2000" dirty="0"/>
               <a:t>是否超请货上限</a:t>
             </a:r>
-            <a:endParaRPr lang="en-US" altLang="zh-CN" sz="2000" dirty="0" smtClean="0"/>
+            <a:endParaRPr lang="en-US" altLang="zh-CN" sz="2000" dirty="0"/>
           </a:p>
           <a:p>
             <a:pPr lvl="1"/>
-            <a:endParaRPr lang="en-US" altLang="zh-CN" dirty="0" smtClean="0"/>
+            <a:endParaRPr lang="en-US" altLang="zh-CN" dirty="0"/>
           </a:p>
           <a:p>
             <a:pPr lvl="1"/>
-            <a:endParaRPr lang="zh-CN" altLang="en-US" dirty="0" smtClean="0"/>
+            <a:endParaRPr lang="zh-CN" altLang="en-US" dirty="0"/>
           </a:p>
         </p:txBody>
       </p:sp>
@@ -16028,13 +15822,6 @@
   <p:clrMapOvr>
     <a:masterClrMapping/>
   </p:clrMapOvr>
-  <p:timing>
-    <p:tnLst>
-      <p:par>
-        <p:cTn id="1" dur="indefinite" restart="never" nodeType="tmRoot"/>
-      </p:par>
-    </p:tnLst>
-  </p:timing>
 </p:sld>
 </file>
 
@@ -16076,14 +15863,14 @@
           <a:lstStyle/>
           <a:p>
             <a:r>
-              <a:rPr lang="zh-CN" altLang="en-US" smtClean="0"/>
+              <a:rPr lang="zh-CN" altLang="en-US"/>
               <a:t>手工请货流程</a:t>
             </a:r>
             <a:r>
-              <a:rPr lang="en-US" altLang="zh-CN" smtClean="0"/>
+              <a:rPr lang="en-US" altLang="zh-CN"/>
               <a:t>	</a:t>
             </a:r>
-            <a:endParaRPr lang="zh-CN" altLang="en-US" smtClean="0"/>
+            <a:endParaRPr lang="zh-CN" altLang="en-US"/>
           </a:p>
         </p:txBody>
       </p:sp>
@@ -16103,31 +15890,31 @@
           <a:lstStyle/>
           <a:p>
             <a:r>
-              <a:rPr lang="zh-CN" altLang="en-US" smtClean="0"/>
+              <a:rPr lang="zh-CN" altLang="en-US"/>
               <a:t>查询可请货品</a:t>
             </a:r>
-            <a:endParaRPr lang="en-US" altLang="zh-CN" smtClean="0"/>
-          </a:p>
-          <a:p>
-            <a:r>
-              <a:rPr lang="zh-CN" altLang="en-US" smtClean="0"/>
+            <a:endParaRPr lang="en-US" altLang="zh-CN"/>
+          </a:p>
+          <a:p>
+            <a:r>
+              <a:rPr lang="zh-CN" altLang="en-US"/>
               <a:t>保存可请货品</a:t>
             </a:r>
             <a:r>
-              <a:rPr lang="en-US" altLang="zh-CN" smtClean="0">
+              <a:rPr lang="en-US" altLang="zh-CN">
                 <a:sym typeface="Wingdings" panose="05000000000000000000" pitchFamily="2" charset="2"/>
               </a:rPr>
               <a:t>CHN_REQ_TEP</a:t>
             </a:r>
-            <a:endParaRPr lang="en-US" altLang="zh-CN" smtClean="0"/>
-          </a:p>
-          <a:p>
-            <a:r>
-              <a:rPr lang="zh-CN" altLang="en-US" smtClean="0"/>
+            <a:endParaRPr lang="en-US" altLang="zh-CN"/>
+          </a:p>
+          <a:p>
+            <a:r>
+              <a:rPr lang="zh-CN" altLang="en-US"/>
               <a:t>确认</a:t>
             </a:r>
             <a:r>
-              <a:rPr lang="en-US" altLang="zh-CN" smtClean="0">
+              <a:rPr lang="en-US" altLang="zh-CN">
                 <a:sym typeface="Wingdings" panose="05000000000000000000" pitchFamily="2" charset="2"/>
               </a:rPr>
               <a:t>CHN_REQ_ING</a:t>
@@ -16136,51 +15923,51 @@
           <a:p>
             <a:pPr lvl="1"/>
             <a:r>
-              <a:rPr lang="zh-CN" altLang="en-US" smtClean="0">
+              <a:rPr lang="zh-CN" altLang="en-US">
                 <a:sym typeface="Wingdings" panose="05000000000000000000" pitchFamily="2" charset="2"/>
               </a:rPr>
               <a:t>确认的代码在</a:t>
             </a:r>
             <a:r>
-              <a:rPr lang="en-US" altLang="zh-CN" smtClean="0"/>
+              <a:rPr lang="en-US" altLang="zh-CN"/>
               <a:t>Chn_req_hand_confirm_dbprocess</a:t>
             </a:r>
             <a:br>
-              <a:rPr lang="en-US" altLang="zh-CN" smtClean="0"/>
+              <a:rPr lang="en-US" altLang="zh-CN"/>
             </a:br>
             <a:r>
-              <a:rPr lang="zh-CN" altLang="en-US" smtClean="0"/>
+              <a:rPr lang="zh-CN" altLang="en-US"/>
               <a:t>如果想插入众康系统可以在此处处理</a:t>
             </a:r>
-            <a:endParaRPr lang="en-US" altLang="zh-CN" smtClean="0"/>
+            <a:endParaRPr lang="en-US" altLang="zh-CN"/>
           </a:p>
           <a:p>
             <a:pPr lvl="1"/>
             <a:r>
-              <a:rPr lang="zh-CN" altLang="en-US" smtClean="0"/>
+              <a:rPr lang="zh-CN" altLang="en-US"/>
               <a:t>确认手工请货</a:t>
             </a:r>
             <a:r>
-              <a:rPr lang="en-US" altLang="zh-CN" smtClean="0"/>
+              <a:rPr lang="en-US" altLang="zh-CN"/>
               <a:t>(</a:t>
             </a:r>
             <a:r>
-              <a:rPr lang="zh-CN" altLang="en-US" smtClean="0"/>
+              <a:rPr lang="zh-CN" altLang="en-US"/>
               <a:t>赠品</a:t>
             </a:r>
             <a:r>
-              <a:rPr lang="en-US" altLang="zh-CN" smtClean="0"/>
+              <a:rPr lang="en-US" altLang="zh-CN"/>
               <a:t>)</a:t>
             </a:r>
             <a:r>
-              <a:rPr lang="zh-CN" altLang="en-US" smtClean="0"/>
+              <a:rPr lang="zh-CN" altLang="en-US"/>
               <a:t>的代码在</a:t>
             </a:r>
             <a:r>
-              <a:rPr lang="en-US" altLang="zh-CN" smtClean="0"/>
+              <a:rPr lang="en-US" altLang="zh-CN"/>
               <a:t>Gift_Req_Confirm_dbprocess</a:t>
             </a:r>
-            <a:endParaRPr lang="zh-CN" altLang="en-US" smtClean="0"/>
+            <a:endParaRPr lang="zh-CN" altLang="en-US"/>
           </a:p>
         </p:txBody>
       </p:sp>
@@ -16189,13 +15976,6 @@
   <p:clrMapOvr>
     <a:masterClrMapping/>
   </p:clrMapOvr>
-  <p:timing>
-    <p:tnLst>
-      <p:par>
-        <p:cTn id="1" dur="indefinite" restart="never" nodeType="tmRoot"/>
-      </p:par>
-    </p:tnLst>
-  </p:timing>
 </p:sld>
 </file>
 
@@ -16237,10 +16017,10 @@
           <a:lstStyle/>
           <a:p>
             <a:r>
-              <a:rPr lang="zh-CN" altLang="en-US" noProof="1" smtClean="0"/>
+              <a:rPr lang="zh-CN" altLang="en-US" noProof="1"/>
               <a:t>开发环境</a:t>
             </a:r>
-            <a:endParaRPr lang="zh-CN" altLang="zh-CN" noProof="1" smtClean="0"/>
+            <a:endParaRPr lang="zh-CN" altLang="zh-CN" noProof="1"/>
           </a:p>
         </p:txBody>
       </p:sp>
@@ -16260,35 +16040,35 @@
           <a:lstStyle/>
           <a:p>
             <a:r>
-              <a:rPr lang="en-US" altLang="zh-CN" smtClean="0"/>
+              <a:rPr lang="en-US" altLang="zh-CN"/>
               <a:t>JDK1.6(JDK1.6+</a:t>
             </a:r>
             <a:r>
-              <a:rPr lang="zh-CN" altLang="en-US" smtClean="0"/>
+              <a:rPr lang="zh-CN" altLang="en-US"/>
               <a:t>的新特性不要使用</a:t>
             </a:r>
             <a:r>
-              <a:rPr lang="en-US" altLang="zh-CN" smtClean="0"/>
+              <a:rPr lang="en-US" altLang="zh-CN"/>
               <a:t>)</a:t>
             </a:r>
           </a:p>
           <a:p>
             <a:r>
-              <a:rPr lang="zh-CN" altLang="en-US" smtClean="0"/>
+              <a:rPr lang="zh-CN" altLang="en-US"/>
               <a:t>推荐开发工具</a:t>
             </a:r>
             <a:r>
-              <a:rPr lang="en-US" altLang="zh-CN" smtClean="0"/>
+              <a:rPr lang="en-US" altLang="zh-CN"/>
               <a:t>Eclipse Kepler</a:t>
             </a:r>
           </a:p>
           <a:p>
             <a:r>
-              <a:rPr lang="zh-CN" altLang="en-US" smtClean="0"/>
+              <a:rPr lang="zh-CN" altLang="en-US"/>
               <a:t>使用的开发技术</a:t>
             </a:r>
             <a:r>
-              <a:rPr lang="en-US" altLang="zh-CN" smtClean="0"/>
+              <a:rPr lang="en-US" altLang="zh-CN"/>
               <a:t>Tomcat+Servlet,Swing…</a:t>
             </a:r>
           </a:p>
@@ -16299,13 +16079,6 @@
   <p:clrMapOvr>
     <a:masterClrMapping/>
   </p:clrMapOvr>
-  <p:timing>
-    <p:tnLst>
-      <p:par>
-        <p:cTn id="1" dur="indefinite" restart="never" nodeType="tmRoot"/>
-      </p:par>
-    </p:tnLst>
-  </p:timing>
 </p:sld>
 </file>
 
@@ -16347,26 +16120,26 @@
           <a:lstStyle/>
           <a:p>
             <a:r>
-              <a:rPr lang="en-US" altLang="zh-CN" smtClean="0"/>
+              <a:rPr lang="en-US" altLang="zh-CN"/>
               <a:t>1.</a:t>
             </a:r>
             <a:r>
-              <a:rPr lang="zh-CN" altLang="en-US" smtClean="0"/>
+              <a:rPr lang="zh-CN" altLang="en-US"/>
               <a:t>手工请货</a:t>
             </a:r>
             <a:r>
-              <a:rPr lang="en-US" altLang="zh-CN" smtClean="0"/>
+              <a:rPr lang="en-US" altLang="zh-CN"/>
               <a:t>-</a:t>
             </a:r>
             <a:r>
-              <a:rPr lang="zh-CN" altLang="en-US" smtClean="0"/>
+              <a:rPr lang="zh-CN" altLang="en-US"/>
               <a:t>涉及的表</a:t>
             </a:r>
             <a:r>
-              <a:rPr lang="en-US" altLang="zh-CN" smtClean="0"/>
+              <a:rPr lang="en-US" altLang="zh-CN"/>
               <a:t>	</a:t>
             </a:r>
-            <a:endParaRPr lang="zh-CN" altLang="en-US" smtClean="0"/>
+            <a:endParaRPr lang="zh-CN" altLang="en-US"/>
           </a:p>
         </p:txBody>
       </p:sp>
@@ -16390,14 +16163,14 @@
               <a:buNone/>
             </a:pPr>
             <a:r>
-              <a:rPr lang="en-US" altLang="zh-CN" smtClean="0"/>
+              <a:rPr lang="en-US" altLang="zh-CN"/>
               <a:t>chn_req_tmp  </a:t>
             </a:r>
             <a:r>
-              <a:rPr lang="zh-CN" altLang="en-US" smtClean="0"/>
+              <a:rPr lang="zh-CN" altLang="en-US"/>
               <a:t>请货表</a:t>
             </a:r>
-            <a:endParaRPr lang="en-US" altLang="zh-CN" smtClean="0"/>
+            <a:endParaRPr lang="en-US" altLang="zh-CN"/>
           </a:p>
           <a:p>
             <a:pPr marL="457200" lvl="1" indent="0">
@@ -16405,14 +16178,14 @@
               <a:buNone/>
             </a:pPr>
             <a:r>
-              <a:rPr lang="en-US" altLang="zh-CN" smtClean="0"/>
+              <a:rPr lang="en-US" altLang="zh-CN"/>
               <a:t>bms_st_qty_lst</a:t>
             </a:r>
             <a:r>
-              <a:rPr lang="zh-CN" altLang="en-US" smtClean="0"/>
+              <a:rPr lang="zh-CN" altLang="en-US"/>
               <a:t>当前库存表</a:t>
             </a:r>
-            <a:endParaRPr lang="en-US" altLang="zh-CN" smtClean="0"/>
+            <a:endParaRPr lang="en-US" altLang="zh-CN"/>
           </a:p>
           <a:p>
             <a:pPr marL="457200" lvl="1" indent="0">
@@ -16420,14 +16193,14 @@
               <a:buNone/>
             </a:pPr>
             <a:r>
-              <a:rPr lang="en-US" altLang="zh-CN" smtClean="0"/>
+              <a:rPr lang="en-US" altLang="zh-CN"/>
               <a:t>chn_goods_relation </a:t>
             </a:r>
             <a:r>
-              <a:rPr lang="zh-CN" altLang="en-US" smtClean="0"/>
+              <a:rPr lang="zh-CN" altLang="en-US"/>
               <a:t>货品</a:t>
             </a:r>
-            <a:endParaRPr lang="en-US" altLang="zh-CN" smtClean="0"/>
+            <a:endParaRPr lang="en-US" altLang="zh-CN"/>
           </a:p>
           <a:p>
             <a:pPr marL="457200" lvl="1" indent="0">
@@ -16435,7 +16208,7 @@
               <a:buNone/>
             </a:pPr>
             <a:r>
-              <a:rPr lang="en-US" altLang="zh-CN" smtClean="0"/>
+              <a:rPr lang="en-US" altLang="zh-CN"/>
               <a:t>pub_goods_unit</a:t>
             </a:r>
           </a:p>
@@ -16445,14 +16218,14 @@
               <a:buNone/>
             </a:pPr>
             <a:r>
-              <a:rPr lang="en-US" altLang="zh-CN" smtClean="0"/>
+              <a:rPr lang="en-US" altLang="zh-CN"/>
               <a:t>pub_company	</a:t>
             </a:r>
             <a:r>
-              <a:rPr lang="zh-CN" altLang="en-US" smtClean="0"/>
+              <a:rPr lang="zh-CN" altLang="en-US"/>
               <a:t>外部基本单位表</a:t>
             </a:r>
-            <a:endParaRPr lang="en-US" altLang="zh-CN" smtClean="0"/>
+            <a:endParaRPr lang="en-US" altLang="zh-CN"/>
           </a:p>
           <a:p>
             <a:pPr marL="457200" lvl="1" indent="0">
@@ -16460,29 +16233,29 @@
               <a:buNone/>
             </a:pPr>
             <a:r>
-              <a:rPr lang="en-US" altLang="zh-CN" smtClean="0"/>
+              <a:rPr lang="en-US" altLang="zh-CN"/>
               <a:t>chn_c2p </a:t>
             </a:r>
             <a:r>
-              <a:rPr lang="zh-CN" altLang="en-US" smtClean="0"/>
+              <a:rPr lang="zh-CN" altLang="en-US"/>
               <a:t>配送中心</a:t>
             </a:r>
             <a:r>
-              <a:rPr lang="en-US" altLang="zh-CN" smtClean="0"/>
+              <a:rPr lang="en-US" altLang="zh-CN"/>
               <a:t>-</a:t>
             </a:r>
             <a:r>
-              <a:rPr lang="zh-CN" altLang="en-US" smtClean="0"/>
+              <a:rPr lang="zh-CN" altLang="en-US"/>
               <a:t>药店配送表</a:t>
             </a:r>
-            <a:endParaRPr lang="en-US" altLang="zh-CN" smtClean="0"/>
+            <a:endParaRPr lang="en-US" altLang="zh-CN"/>
           </a:p>
           <a:p>
             <a:pPr marL="457200" lvl="1" indent="0">
               <a:buFontTx/>
               <a:buNone/>
             </a:pPr>
-            <a:endParaRPr lang="zh-CN" altLang="en-US" smtClean="0"/>
+            <a:endParaRPr lang="zh-CN" altLang="en-US"/>
           </a:p>
         </p:txBody>
       </p:sp>
@@ -16491,13 +16264,6 @@
   <p:clrMapOvr>
     <a:masterClrMapping/>
   </p:clrMapOvr>
-  <p:timing>
-    <p:tnLst>
-      <p:par>
-        <p:cTn id="1" dur="indefinite" restart="never" nodeType="tmRoot"/>
-      </p:par>
-    </p:tnLst>
-  </p:timing>
 </p:sld>
 </file>
 
@@ -16539,26 +16305,26 @@
           <a:lstStyle/>
           <a:p>
             <a:r>
-              <a:rPr lang="en-US" altLang="zh-CN" smtClean="0"/>
+              <a:rPr lang="en-US" altLang="zh-CN"/>
               <a:t>1.</a:t>
             </a:r>
             <a:r>
-              <a:rPr lang="zh-CN" altLang="en-US" smtClean="0"/>
+              <a:rPr lang="zh-CN" altLang="en-US"/>
               <a:t>手工请货</a:t>
             </a:r>
             <a:r>
-              <a:rPr lang="en-US" altLang="zh-CN" smtClean="0"/>
+              <a:rPr lang="en-US" altLang="zh-CN"/>
               <a:t>(</a:t>
             </a:r>
             <a:r>
-              <a:rPr lang="zh-CN" altLang="en-US" smtClean="0"/>
+              <a:rPr lang="zh-CN" altLang="en-US"/>
               <a:t>导入</a:t>
             </a:r>
             <a:r>
-              <a:rPr lang="en-US" altLang="zh-CN" smtClean="0"/>
+              <a:rPr lang="en-US" altLang="zh-CN"/>
               <a:t>)</a:t>
             </a:r>
-            <a:endParaRPr lang="zh-CN" altLang="en-US" smtClean="0"/>
+            <a:endParaRPr lang="zh-CN" altLang="en-US"/>
           </a:p>
         </p:txBody>
       </p:sp>
@@ -16578,15 +16344,15 @@
           <a:lstStyle/>
           <a:p>
             <a:pPr lvl="1"/>
-            <a:endParaRPr lang="en-US" altLang="zh-CN" smtClean="0"/>
+            <a:endParaRPr lang="en-US" altLang="zh-CN"/>
           </a:p>
           <a:p>
             <a:pPr lvl="1"/>
-            <a:endParaRPr lang="en-US" altLang="zh-CN" smtClean="0"/>
+            <a:endParaRPr lang="en-US" altLang="zh-CN"/>
           </a:p>
           <a:p>
             <a:pPr lvl="1"/>
-            <a:endParaRPr lang="zh-CN" altLang="en-US" smtClean="0"/>
+            <a:endParaRPr lang="zh-CN" altLang="en-US"/>
           </a:p>
         </p:txBody>
       </p:sp>
@@ -16595,13 +16361,6 @@
   <p:clrMapOvr>
     <a:masterClrMapping/>
   </p:clrMapOvr>
-  <p:timing>
-    <p:tnLst>
-      <p:par>
-        <p:cTn id="1" dur="indefinite" restart="never" nodeType="tmRoot"/>
-      </p:par>
-    </p:tnLst>
-  </p:timing>
 </p:sld>
 </file>
 
@@ -16643,7 +16402,7 @@
           <a:lstStyle/>
           <a:p>
             <a:r>
-              <a:rPr lang="zh-CN" altLang="en-US" smtClean="0"/>
+              <a:rPr lang="zh-CN" altLang="en-US"/>
               <a:t>自动配送</a:t>
             </a:r>
           </a:p>
@@ -16665,58 +16424,58 @@
           <a:lstStyle/>
           <a:p>
             <a:r>
-              <a:rPr lang="zh-CN" altLang="en-US" dirty="0" smtClean="0"/>
+              <a:rPr lang="zh-CN" altLang="en-US" dirty="0"/>
               <a:t>自动配送决策配置 </a:t>
             </a:r>
             <a:r>
-              <a:rPr lang="en-US" altLang="zh-CN" dirty="0" err="1" smtClean="0"/>
+              <a:rPr lang="en-US" altLang="zh-CN" dirty="0" err="1"/>
               <a:t>chn_autofix_conf</a:t>
             </a:r>
-            <a:endParaRPr lang="en-US" altLang="zh-CN" dirty="0" smtClean="0"/>
+            <a:endParaRPr lang="en-US" altLang="zh-CN" dirty="0"/>
           </a:p>
           <a:p>
             <a:pPr lvl="1"/>
             <a:r>
-              <a:rPr lang="zh-CN" altLang="en-US" dirty="0" smtClean="0"/>
+              <a:rPr lang="zh-CN" altLang="en-US" dirty="0"/>
               <a:t>线下的表结构和线上的表结构有差距</a:t>
             </a:r>
-            <a:endParaRPr lang="en-US" altLang="zh-CN" dirty="0" smtClean="0"/>
-          </a:p>
-          <a:p>
-            <a:r>
-              <a:rPr lang="zh-CN" altLang="en-US" dirty="0" smtClean="0"/>
+            <a:endParaRPr lang="en-US" altLang="zh-CN" dirty="0"/>
+          </a:p>
+          <a:p>
+            <a:r>
+              <a:rPr lang="zh-CN" altLang="en-US" dirty="0"/>
               <a:t>礼品自动配送</a:t>
             </a:r>
             <a:r>
-              <a:rPr lang="en-US" altLang="zh-CN" dirty="0" err="1" smtClean="0"/>
+              <a:rPr lang="en-US" altLang="zh-CN" dirty="0" err="1"/>
               <a:t>com.kn.until.timer.task.Autofix_task_dbprocess</a:t>
             </a:r>
             <a:r>
-              <a:rPr lang="zh-CN" altLang="en-US" dirty="0" smtClean="0"/>
+              <a:rPr lang="zh-CN" altLang="en-US" dirty="0"/>
               <a:t> </a:t>
             </a:r>
-            <a:endParaRPr lang="en-US" altLang="zh-CN" dirty="0" smtClean="0"/>
-          </a:p>
-          <a:p>
-            <a:r>
-              <a:rPr lang="zh-CN" altLang="en-US" dirty="0" smtClean="0"/>
+            <a:endParaRPr lang="en-US" altLang="zh-CN" dirty="0"/>
+          </a:p>
+          <a:p>
+            <a:r>
+              <a:rPr lang="zh-CN" altLang="en-US" dirty="0"/>
               <a:t>药品自动配送</a:t>
             </a:r>
             <a:r>
-              <a:rPr lang="en-US" altLang="zh-CN" dirty="0" err="1" smtClean="0"/>
+              <a:rPr lang="en-US" altLang="zh-CN" dirty="0" err="1"/>
               <a:t>com.kn.until.timer.task.fix.Autofix_task_dbprocess</a:t>
             </a:r>
             <a:r>
-              <a:rPr lang="zh-CN" altLang="en-US" dirty="0" smtClean="0"/>
+              <a:rPr lang="zh-CN" altLang="en-US" dirty="0"/>
               <a:t> </a:t>
             </a:r>
-            <a:endParaRPr lang="en-US" altLang="zh-CN" dirty="0" smtClean="0"/>
-          </a:p>
-          <a:p>
-            <a:endParaRPr lang="en-US" altLang="zh-CN" dirty="0" smtClean="0"/>
-          </a:p>
-          <a:p>
-            <a:endParaRPr lang="zh-CN" altLang="en-US" dirty="0" smtClean="0"/>
+            <a:endParaRPr lang="en-US" altLang="zh-CN" dirty="0"/>
+          </a:p>
+          <a:p>
+            <a:endParaRPr lang="en-US" altLang="zh-CN" dirty="0"/>
+          </a:p>
+          <a:p>
+            <a:endParaRPr lang="zh-CN" altLang="en-US" dirty="0"/>
           </a:p>
         </p:txBody>
       </p:sp>
@@ -16725,13 +16484,6 @@
   <p:clrMapOvr>
     <a:masterClrMapping/>
   </p:clrMapOvr>
-  <p:timing>
-    <p:tnLst>
-      <p:par>
-        <p:cTn id="1" dur="indefinite" restart="never" nodeType="tmRoot"/>
-      </p:par>
-    </p:tnLst>
-  </p:timing>
 </p:sld>
 </file>
 
@@ -16773,7 +16525,7 @@
           <a:lstStyle/>
           <a:p>
             <a:r>
-              <a:rPr lang="zh-CN" altLang="en-US" smtClean="0"/>
+              <a:rPr lang="zh-CN" altLang="en-US"/>
               <a:t>配送总单</a:t>
             </a:r>
           </a:p>
@@ -16795,17 +16547,17 @@
           <a:lstStyle/>
           <a:p>
             <a:r>
-              <a:rPr lang="en-US" altLang="zh-CN" smtClean="0"/>
+              <a:rPr lang="en-US" altLang="zh-CN"/>
               <a:t>com.kn.until.fix.Decision_dbhelper_dbprocess </a:t>
             </a:r>
             <a:r>
-              <a:rPr lang="zh-CN" altLang="en-US" smtClean="0"/>
+              <a:rPr lang="zh-CN" altLang="en-US"/>
               <a:t>配送总单</a:t>
             </a:r>
-            <a:endParaRPr lang="en-US" altLang="zh-CN" smtClean="0"/>
-          </a:p>
-          <a:p>
-            <a:endParaRPr lang="zh-CN" altLang="en-US" smtClean="0"/>
+            <a:endParaRPr lang="en-US" altLang="zh-CN"/>
+          </a:p>
+          <a:p>
+            <a:endParaRPr lang="zh-CN" altLang="en-US"/>
           </a:p>
         </p:txBody>
       </p:sp>
@@ -16814,13 +16566,6 @@
   <p:clrMapOvr>
     <a:masterClrMapping/>
   </p:clrMapOvr>
-  <p:timing>
-    <p:tnLst>
-      <p:par>
-        <p:cTn id="1" dur="indefinite" restart="never" nodeType="tmRoot"/>
-      </p:par>
-    </p:tnLst>
-  </p:timing>
 </p:sld>
 </file>
 
@@ -16862,7 +16607,7 @@
           <a:lstStyle/>
           <a:p>
             <a:r>
-              <a:rPr lang="zh-CN" altLang="en-US" smtClean="0"/>
+              <a:rPr lang="zh-CN" altLang="en-US"/>
               <a:t>自动配送表</a:t>
             </a:r>
           </a:p>
@@ -16884,24 +16629,24 @@
           <a:lstStyle/>
           <a:p>
             <a:r>
-              <a:rPr lang="zh-CN" altLang="en-US" smtClean="0"/>
+              <a:rPr lang="zh-CN" altLang="en-US"/>
               <a:t>商品的自动配送在</a:t>
             </a:r>
             <a:r>
-              <a:rPr lang="en-US" altLang="zh-CN" smtClean="0"/>
+              <a:rPr lang="en-US" altLang="zh-CN"/>
               <a:t>CHN_AUTOFIX_CONF_NEW</a:t>
             </a:r>
           </a:p>
           <a:p>
             <a:r>
-              <a:rPr lang="zh-CN" altLang="en-US" smtClean="0"/>
+              <a:rPr lang="zh-CN" altLang="en-US"/>
               <a:t>赠品的自动配送在</a:t>
             </a:r>
             <a:r>
-              <a:rPr lang="en-US" altLang="zh-CN" smtClean="0"/>
+              <a:rPr lang="en-US" altLang="zh-CN"/>
               <a:t>CHN_AUTOFIX_CONF</a:t>
             </a:r>
-            <a:endParaRPr lang="zh-CN" altLang="en-US" smtClean="0"/>
+            <a:endParaRPr lang="zh-CN" altLang="en-US"/>
           </a:p>
         </p:txBody>
       </p:sp>
@@ -16910,13 +16655,6 @@
   <p:clrMapOvr>
     <a:masterClrMapping/>
   </p:clrMapOvr>
-  <p:timing>
-    <p:tnLst>
-      <p:par>
-        <p:cTn id="1" dur="indefinite" restart="never" nodeType="tmRoot"/>
-      </p:par>
-    </p:tnLst>
-  </p:timing>
 </p:sld>
 </file>
 
@@ -16958,14 +16696,14 @@
           <a:lstStyle/>
           <a:p>
             <a:r>
-              <a:rPr lang="zh-CN" altLang="en-US" smtClean="0"/>
+              <a:rPr lang="zh-CN" altLang="en-US"/>
               <a:t>定时任务</a:t>
             </a:r>
             <a:r>
-              <a:rPr lang="en-US" altLang="zh-CN" smtClean="0"/>
+              <a:rPr lang="en-US" altLang="zh-CN"/>
               <a:t>	</a:t>
             </a:r>
-            <a:endParaRPr lang="zh-CN" altLang="en-US" smtClean="0"/>
+            <a:endParaRPr lang="zh-CN" altLang="en-US"/>
           </a:p>
         </p:txBody>
       </p:sp>
@@ -16985,16 +16723,16 @@
           <a:lstStyle/>
           <a:p>
             <a:r>
-              <a:rPr lang="en-US" altLang="zh-CN" smtClean="0"/>
+              <a:rPr lang="en-US" altLang="zh-CN"/>
               <a:t>kn_timer_conf</a:t>
             </a:r>
           </a:p>
           <a:p>
             <a:r>
-              <a:rPr lang="en-US" altLang="zh-CN" smtClean="0"/>
+              <a:rPr lang="en-US" altLang="zh-CN"/>
               <a:t>np_timer_log</a:t>
             </a:r>
-            <a:endParaRPr lang="zh-CN" altLang="en-US" smtClean="0"/>
+            <a:endParaRPr lang="zh-CN" altLang="en-US"/>
           </a:p>
         </p:txBody>
       </p:sp>
@@ -17003,13 +16741,6 @@
   <p:clrMapOvr>
     <a:masterClrMapping/>
   </p:clrMapOvr>
-  <p:timing>
-    <p:tnLst>
-      <p:par>
-        <p:cTn id="1" dur="indefinite" restart="never" nodeType="tmRoot"/>
-      </p:par>
-    </p:tnLst>
-  </p:timing>
 </p:sld>
 </file>
 
@@ -17051,22 +16782,22 @@
           <a:lstStyle/>
           <a:p>
             <a:r>
-              <a:rPr lang="zh-CN" altLang="en-US" smtClean="0"/>
+              <a:rPr lang="zh-CN" altLang="en-US"/>
               <a:t>库存上下限参数设置</a:t>
             </a:r>
             <a:r>
-              <a:rPr lang="en-US" altLang="zh-CN" smtClean="0"/>
+              <a:rPr lang="en-US" altLang="zh-CN"/>
               <a:t>(</a:t>
             </a:r>
             <a:r>
-              <a:rPr lang="zh-CN" altLang="en-US" smtClean="0"/>
+              <a:rPr lang="zh-CN" altLang="en-US"/>
               <a:t>是门店库存还是仓库库存？</a:t>
             </a:r>
             <a:r>
-              <a:rPr lang="en-US" altLang="zh-CN" smtClean="0"/>
+              <a:rPr lang="en-US" altLang="zh-CN"/>
               <a:t>)</a:t>
             </a:r>
-            <a:endParaRPr lang="zh-CN" altLang="en-US" smtClean="0"/>
+            <a:endParaRPr lang="zh-CN" altLang="en-US"/>
           </a:p>
         </p:txBody>
       </p:sp>
@@ -17086,60 +16817,60 @@
           <a:lstStyle/>
           <a:p>
             <a:r>
-              <a:rPr lang="zh-CN" altLang="en-US" smtClean="0"/>
+              <a:rPr lang="zh-CN" altLang="en-US"/>
               <a:t>门店</a:t>
             </a:r>
             <a:r>
-              <a:rPr lang="en-US" altLang="zh-CN" smtClean="0"/>
+              <a:rPr lang="en-US" altLang="zh-CN"/>
               <a:t>ID</a:t>
             </a:r>
             <a:r>
-              <a:rPr lang="zh-CN" altLang="en-US" smtClean="0"/>
+              <a:rPr lang="zh-CN" altLang="en-US"/>
               <a:t>和零售片区不允许同时填写？？</a:t>
             </a:r>
-            <a:endParaRPr lang="en-US" altLang="zh-CN" smtClean="0"/>
-          </a:p>
-          <a:p>
-            <a:r>
-              <a:rPr lang="en-US" altLang="zh-CN" smtClean="0"/>
+            <a:endParaRPr lang="en-US" altLang="zh-CN"/>
+          </a:p>
+          <a:p>
+            <a:r>
+              <a:rPr lang="en-US" altLang="zh-CN"/>
               <a:t>com.kn.req.updown.conf.Chn_updown_set_conf_frame</a:t>
             </a:r>
           </a:p>
           <a:p>
             <a:r>
-              <a:rPr lang="en-US" altLang="zh-CN" smtClean="0"/>
+              <a:rPr lang="en-US" altLang="zh-CN"/>
               <a:t>SteModel</a:t>
             </a:r>
             <a:r>
-              <a:rPr lang="zh-CN" altLang="en-US" smtClean="0"/>
+              <a:rPr lang="zh-CN" altLang="en-US"/>
               <a:t>中的</a:t>
             </a:r>
             <a:r>
-              <a:rPr lang="en-US" altLang="zh-CN" smtClean="0"/>
+              <a:rPr lang="en-US" altLang="zh-CN"/>
               <a:t>On_checkrow </a:t>
             </a:r>
             <a:r>
-              <a:rPr lang="zh-CN" altLang="en-US" smtClean="0"/>
+              <a:rPr lang="zh-CN" altLang="en-US"/>
               <a:t>保存时检查</a:t>
             </a:r>
             <a:r>
-              <a:rPr lang="en-US" altLang="zh-CN" smtClean="0"/>
+              <a:rPr lang="en-US" altLang="zh-CN"/>
               <a:t>row</a:t>
             </a:r>
           </a:p>
           <a:p>
             <a:r>
-              <a:rPr lang="zh-CN" altLang="en-US" smtClean="0"/>
+              <a:rPr lang="zh-CN" altLang="en-US"/>
               <a:t>按照销售设置上下限的数量</a:t>
             </a:r>
-            <a:endParaRPr lang="en-US" altLang="zh-CN" smtClean="0"/>
-          </a:p>
-          <a:p>
-            <a:r>
-              <a:rPr lang="en-US" altLang="zh-CN" smtClean="0"/>
+            <a:endParaRPr lang="en-US" altLang="zh-CN"/>
+          </a:p>
+          <a:p>
+            <a:r>
+              <a:rPr lang="en-US" altLang="zh-CN"/>
               <a:t>-----------------------------------------</a:t>
             </a:r>
-            <a:endParaRPr lang="zh-CN" altLang="en-US" smtClean="0"/>
+            <a:endParaRPr lang="zh-CN" altLang="en-US"/>
           </a:p>
         </p:txBody>
       </p:sp>
@@ -17148,13 +16879,6 @@
   <p:clrMapOvr>
     <a:masterClrMapping/>
   </p:clrMapOvr>
-  <p:timing>
-    <p:tnLst>
-      <p:par>
-        <p:cTn id="1" dur="indefinite" restart="never" nodeType="tmRoot"/>
-      </p:par>
-    </p:tnLst>
-  </p:timing>
 </p:sld>
 </file>
 
@@ -17196,15 +16920,15 @@
           <a:lstStyle/>
           <a:p>
             <a:r>
-              <a:rPr lang="zh-CN" altLang="en-US" smtClean="0"/>
+              <a:rPr lang="zh-CN" altLang="en-US"/>
               <a:t>库存上下限参数设置</a:t>
             </a:r>
             <a:r>
-              <a:rPr lang="en-US" altLang="zh-CN" smtClean="0"/>
+              <a:rPr lang="en-US" altLang="zh-CN"/>
               <a:t>-</a:t>
             </a:r>
             <a:r>
-              <a:rPr lang="zh-CN" altLang="en-US" smtClean="0"/>
+              <a:rPr lang="zh-CN" altLang="en-US"/>
               <a:t>涉及的表</a:t>
             </a:r>
           </a:p>
@@ -17226,10 +16950,10 @@
           <a:lstStyle/>
           <a:p>
             <a:r>
-              <a:rPr lang="en-US" altLang="zh-CN" smtClean="0"/>
+              <a:rPr lang="en-US" altLang="zh-CN"/>
               <a:t>chn_up_down_conf_v</a:t>
             </a:r>
-            <a:endParaRPr lang="zh-CN" altLang="en-US" smtClean="0"/>
+            <a:endParaRPr lang="zh-CN" altLang="en-US"/>
           </a:p>
         </p:txBody>
       </p:sp>
@@ -17238,13 +16962,6 @@
   <p:clrMapOvr>
     <a:masterClrMapping/>
   </p:clrMapOvr>
-  <p:timing>
-    <p:tnLst>
-      <p:par>
-        <p:cTn id="1" dur="indefinite" restart="never" nodeType="tmRoot"/>
-      </p:par>
-    </p:tnLst>
-  </p:timing>
 </p:sld>
 </file>
 
@@ -17286,7 +17003,7 @@
           <a:lstStyle/>
           <a:p>
             <a:r>
-              <a:rPr lang="zh-CN" altLang="en-US" smtClean="0"/>
+              <a:rPr lang="zh-CN" altLang="en-US"/>
               <a:t>请货单管理</a:t>
             </a:r>
           </a:p>
@@ -17307,7 +17024,7 @@
           <a:bodyPr/>
           <a:lstStyle/>
           <a:p>
-            <a:endParaRPr lang="zh-CN" altLang="en-US" smtClean="0"/>
+            <a:endParaRPr lang="zh-CN" altLang="en-US"/>
           </a:p>
         </p:txBody>
       </p:sp>
@@ -17316,13 +17033,6 @@
   <p:clrMapOvr>
     <a:masterClrMapping/>
   </p:clrMapOvr>
-  <p:timing>
-    <p:tnLst>
-      <p:par>
-        <p:cTn id="1" dur="indefinite" restart="never" nodeType="tmRoot"/>
-      </p:par>
-    </p:tnLst>
-  </p:timing>
 </p:sld>
 </file>
 
@@ -17363,7 +17073,7 @@
           <a:bodyPr/>
           <a:lstStyle/>
           <a:p>
-            <a:endParaRPr lang="zh-CN" altLang="en-US" smtClean="0"/>
+            <a:endParaRPr lang="zh-CN" altLang="en-US"/>
           </a:p>
         </p:txBody>
       </p:sp>
@@ -17382,7 +17092,7 @@
           <a:bodyPr/>
           <a:lstStyle/>
           <a:p>
-            <a:endParaRPr lang="zh-CN" altLang="en-US" smtClean="0"/>
+            <a:endParaRPr lang="zh-CN" altLang="en-US"/>
           </a:p>
         </p:txBody>
       </p:sp>
@@ -17391,13 +17101,6 @@
   <p:clrMapOvr>
     <a:masterClrMapping/>
   </p:clrMapOvr>
-  <p:timing>
-    <p:tnLst>
-      <p:par>
-        <p:cTn id="1" dur="indefinite" restart="never" nodeType="tmRoot"/>
-      </p:par>
-    </p:tnLst>
-  </p:timing>
 </p:sld>
 </file>
 
@@ -17439,18 +17142,18 @@
           <a:lstStyle/>
           <a:p>
             <a:r>
-              <a:rPr lang="zh-CN" altLang="en-US" noProof="1" smtClean="0"/>
+              <a:rPr lang="zh-CN" altLang="en-US" noProof="1"/>
               <a:t>开发环境</a:t>
             </a:r>
             <a:r>
-              <a:rPr lang="zh-CN" altLang="zh-CN" noProof="1" smtClean="0"/>
+              <a:rPr lang="zh-CN" altLang="zh-CN" noProof="1"/>
               <a:t>-</a:t>
             </a:r>
             <a:r>
-              <a:rPr lang="zh-CN" altLang="en-US" noProof="1" smtClean="0"/>
+              <a:rPr lang="zh-CN" altLang="en-US" noProof="1"/>
               <a:t>文件夹结构</a:t>
             </a:r>
-            <a:endParaRPr lang="zh-CN" altLang="zh-CN" noProof="1" smtClean="0"/>
+            <a:endParaRPr lang="zh-CN" altLang="zh-CN" noProof="1"/>
           </a:p>
         </p:txBody>
       </p:sp>
@@ -17473,7 +17176,7 @@
               <a:buFontTx/>
               <a:buNone/>
             </a:pPr>
-            <a:endParaRPr lang="zh-CN" altLang="en-US" smtClean="0"/>
+            <a:endParaRPr lang="zh-CN" altLang="en-US"/>
           </a:p>
         </p:txBody>
       </p:sp>
@@ -17482,13 +17185,6 @@
   <p:clrMapOvr>
     <a:masterClrMapping/>
   </p:clrMapOvr>
-  <p:timing>
-    <p:tnLst>
-      <p:par>
-        <p:cTn id="1" dur="indefinite" restart="never" nodeType="tmRoot"/>
-      </p:par>
-    </p:tnLst>
-  </p:timing>
 </p:sld>
 </file>
 
@@ -17530,14 +17226,14 @@
           <a:lstStyle/>
           <a:p>
             <a:r>
-              <a:rPr lang="zh-CN" altLang="en-US" smtClean="0"/>
+              <a:rPr lang="zh-CN" altLang="en-US"/>
               <a:t>重构</a:t>
             </a:r>
             <a:r>
-              <a:rPr lang="en-US" altLang="zh-CN" smtClean="0"/>
+              <a:rPr lang="en-US" altLang="zh-CN"/>
               <a:t>com.kn.until.ExcelHelper</a:t>
             </a:r>
-            <a:endParaRPr lang="zh-CN" altLang="en-US" smtClean="0"/>
+            <a:endParaRPr lang="zh-CN" altLang="en-US"/>
           </a:p>
         </p:txBody>
       </p:sp>
@@ -17557,18 +17253,18 @@
           <a:lstStyle/>
           <a:p>
             <a:r>
-              <a:rPr lang="en-US" altLang="zh-CN" smtClean="0"/>
+              <a:rPr lang="en-US" altLang="zh-CN"/>
               <a:t>exportExcel(</a:t>
             </a:r>
             <a:r>
-              <a:rPr lang="nn-NO" altLang="zh-CN" smtClean="0"/>
+              <a:rPr lang="nn-NO" altLang="zh-CN"/>
               <a:t>JFrame f, String filename, DBTableModel m</a:t>
             </a:r>
             <a:r>
-              <a:rPr lang="en-US" altLang="zh-CN" smtClean="0"/>
+              <a:rPr lang="en-US" altLang="zh-CN"/>
               <a:t>);</a:t>
             </a:r>
-            <a:endParaRPr lang="zh-CN" altLang="en-US" smtClean="0"/>
+            <a:endParaRPr lang="zh-CN" altLang="en-US"/>
           </a:p>
         </p:txBody>
       </p:sp>
@@ -17577,13 +17273,6 @@
   <p:clrMapOvr>
     <a:masterClrMapping/>
   </p:clrMapOvr>
-  <p:timing>
-    <p:tnLst>
-      <p:par>
-        <p:cTn id="1" dur="indefinite" restart="never" nodeType="tmRoot"/>
-      </p:par>
-    </p:tnLst>
-  </p:timing>
 </p:sld>
 </file>
 
@@ -17625,7 +17314,7 @@
           <a:lstStyle/>
           <a:p>
             <a:r>
-              <a:rPr lang="zh-CN" altLang="en-US" smtClean="0"/>
+              <a:rPr lang="zh-CN" altLang="en-US"/>
               <a:t>导出金穗代码错误说明</a:t>
             </a:r>
           </a:p>
@@ -17646,7 +17335,7 @@
           <a:bodyPr/>
           <a:lstStyle/>
           <a:p>
-            <a:endParaRPr lang="zh-CN" altLang="en-US" smtClean="0"/>
+            <a:endParaRPr lang="zh-CN" altLang="en-US"/>
           </a:p>
         </p:txBody>
       </p:sp>
@@ -17655,13 +17344,6 @@
   <p:clrMapOvr>
     <a:masterClrMapping/>
   </p:clrMapOvr>
-  <p:timing>
-    <p:tnLst>
-      <p:par>
-        <p:cTn id="1" dur="indefinite" restart="never" nodeType="tmRoot"/>
-      </p:par>
-    </p:tnLst>
-  </p:timing>
 </p:sld>
 </file>
 
@@ -17702,7 +17384,7 @@
           <a:bodyPr/>
           <a:lstStyle/>
           <a:p>
-            <a:endParaRPr lang="zh-CN" altLang="en-US" smtClean="0"/>
+            <a:endParaRPr lang="zh-CN" altLang="en-US"/>
           </a:p>
         </p:txBody>
       </p:sp>
@@ -17722,25 +17404,25 @@
           <a:lstStyle/>
           <a:p>
             <a:r>
-              <a:rPr lang="en-US" altLang="zh-CN" smtClean="0"/>
+              <a:rPr lang="en-US" altLang="zh-CN"/>
               <a:t>com.inca.np.util. DefaultNPParam</a:t>
             </a:r>
           </a:p>
           <a:p>
             <a:pPr lvl="1"/>
             <a:r>
-              <a:rPr lang="en-US" altLang="zh-CN" i="1" smtClean="0"/>
+              <a:rPr lang="en-US" altLang="zh-CN" i="1"/>
               <a:t>Fetchmaxrow</a:t>
             </a:r>
             <a:r>
-              <a:rPr lang="zh-CN" altLang="en-US" i="1" smtClean="0"/>
+              <a:rPr lang="zh-CN" altLang="en-US" i="1"/>
               <a:t>查询的最大条数 （非大数据查询）</a:t>
             </a:r>
-            <a:endParaRPr lang="en-US" altLang="zh-CN" i="1" smtClean="0"/>
+            <a:endParaRPr lang="en-US" altLang="zh-CN" i="1"/>
           </a:p>
           <a:p>
             <a:pPr lvl="1"/>
-            <a:endParaRPr lang="zh-CN" altLang="en-US" smtClean="0"/>
+            <a:endParaRPr lang="zh-CN" altLang="en-US"/>
           </a:p>
         </p:txBody>
       </p:sp>
@@ -17749,13 +17431,6 @@
   <p:clrMapOvr>
     <a:masterClrMapping/>
   </p:clrMapOvr>
-  <p:timing>
-    <p:tnLst>
-      <p:par>
-        <p:cTn id="1" dur="indefinite" restart="never" nodeType="tmRoot"/>
-      </p:par>
-    </p:tnLst>
-  </p:timing>
 </p:sld>
 </file>
 
@@ -17797,7 +17472,7 @@
           <a:lstStyle/>
           <a:p>
             <a:r>
-              <a:rPr lang="zh-CN" altLang="en-US" smtClean="0"/>
+              <a:rPr lang="zh-CN" altLang="en-US"/>
               <a:t>业务名词</a:t>
             </a:r>
           </a:p>
@@ -17819,23 +17494,23 @@
           <a:lstStyle/>
           <a:p>
             <a:r>
-              <a:rPr lang="zh-CN" altLang="en-US" smtClean="0"/>
+              <a:rPr lang="zh-CN" altLang="en-US"/>
               <a:t>门店</a:t>
             </a:r>
             <a:r>
-              <a:rPr lang="en-US" altLang="zh-CN" smtClean="0"/>
+              <a:rPr lang="en-US" altLang="zh-CN"/>
               <a:t>placepoint-</a:t>
             </a:r>
             <a:r>
-              <a:rPr lang="zh-CN" altLang="en-US" smtClean="0"/>
+              <a:rPr lang="zh-CN" altLang="en-US"/>
               <a:t>注意</a:t>
             </a:r>
             <a:r>
-              <a:rPr lang="en-US" altLang="zh-CN" smtClean="0"/>
+              <a:rPr lang="en-US" altLang="zh-CN"/>
               <a:t>:</a:t>
             </a:r>
             <a:r>
-              <a:rPr lang="zh-CN" altLang="en-US" smtClean="0"/>
+              <a:rPr lang="zh-CN" altLang="en-US"/>
               <a:t>公司也可认为是一个门店</a:t>
             </a:r>
           </a:p>
@@ -17846,13 +17521,6 @@
   <p:clrMapOvr>
     <a:masterClrMapping/>
   </p:clrMapOvr>
-  <p:timing>
-    <p:tnLst>
-      <p:par>
-        <p:cTn id="1" dur="indefinite" restart="never" nodeType="tmRoot"/>
-      </p:par>
-    </p:tnLst>
-  </p:timing>
 </p:sld>
 </file>
 
@@ -17894,15 +17562,15 @@
           <a:lstStyle/>
           <a:p>
             <a:r>
-              <a:rPr lang="zh-CN" altLang="en-US" smtClean="0"/>
+              <a:rPr lang="zh-CN" altLang="en-US"/>
               <a:t>附件</a:t>
             </a:r>
             <a:r>
-              <a:rPr lang="en-US" altLang="zh-CN" smtClean="0"/>
+              <a:rPr lang="en-US" altLang="zh-CN"/>
               <a:t>(1)-ASCII</a:t>
             </a:r>
             <a:r>
-              <a:rPr lang="zh-CN" altLang="en-US" smtClean="0"/>
+              <a:rPr lang="zh-CN" altLang="en-US"/>
               <a:t>表</a:t>
             </a:r>
           </a:p>
@@ -17944,13 +17612,6 @@
   <p:clrMapOvr>
     <a:masterClrMapping/>
   </p:clrMapOvr>
-  <p:timing>
-    <p:tnLst>
-      <p:par>
-        <p:cTn id="1" dur="indefinite" restart="never" nodeType="tmRoot"/>
-      </p:par>
-    </p:tnLst>
-  </p:timing>
 </p:sld>
 </file>
 
@@ -17992,7 +17653,7 @@
           <a:lstStyle/>
           <a:p>
             <a:r>
-              <a:rPr lang="zh-CN" altLang="en-US" smtClean="0"/>
+              <a:rPr lang="zh-CN" altLang="en-US"/>
               <a:t>名词说明</a:t>
             </a:r>
           </a:p>
@@ -18014,20 +17675,20 @@
           <a:lstStyle/>
           <a:p>
             <a:r>
-              <a:rPr lang="en-US" altLang="zh-CN" smtClean="0"/>
+              <a:rPr lang="en-US" altLang="zh-CN"/>
               <a:t>DC-Distribution Centre(</a:t>
             </a:r>
             <a:r>
-              <a:rPr lang="zh-CN" altLang="en-US" smtClean="0"/>
+              <a:rPr lang="zh-CN" altLang="en-US"/>
               <a:t>配送中心</a:t>
             </a:r>
             <a:r>
-              <a:rPr lang="en-US" altLang="zh-CN" smtClean="0"/>
+              <a:rPr lang="en-US" altLang="zh-CN"/>
               <a:t>)</a:t>
             </a:r>
           </a:p>
           <a:p>
-            <a:endParaRPr lang="zh-CN" altLang="en-US" smtClean="0"/>
+            <a:endParaRPr lang="zh-CN" altLang="en-US"/>
           </a:p>
         </p:txBody>
       </p:sp>
@@ -18036,13 +17697,6 @@
   <p:clrMapOvr>
     <a:masterClrMapping/>
   </p:clrMapOvr>
-  <p:timing>
-    <p:tnLst>
-      <p:par>
-        <p:cTn id="1" dur="indefinite" restart="never" nodeType="tmRoot"/>
-      </p:par>
-    </p:tnLst>
-  </p:timing>
 </p:sld>
 </file>
 
@@ -18084,7 +17738,7 @@
           <a:lstStyle/>
           <a:p>
             <a:r>
-              <a:rPr lang="zh-CN" altLang="en-US" smtClean="0"/>
+              <a:rPr lang="zh-CN" altLang="en-US"/>
               <a:t>系统参数表</a:t>
             </a:r>
           </a:p>
@@ -18106,27 +17760,27 @@
           <a:lstStyle/>
           <a:p>
             <a:r>
-              <a:rPr lang="zh-CN" altLang="en-US" smtClean="0"/>
+              <a:rPr lang="zh-CN" altLang="en-US" dirty="0"/>
               <a:t>系统配置表</a:t>
             </a:r>
             <a:r>
-              <a:rPr lang="en-US" altLang="zh-CN" smtClean="0"/>
+              <a:rPr lang="en-US" altLang="zh-CN" dirty="0"/>
               <a:t> KN_SYS_CONF</a:t>
             </a:r>
           </a:p>
           <a:p>
             <a:r>
-              <a:rPr lang="zh-CN" altLang="en-US" smtClean="0"/>
+              <a:rPr lang="zh-CN" altLang="en-US" dirty="0"/>
               <a:t>系统常量表 </a:t>
             </a:r>
             <a:r>
-              <a:rPr lang="en-US" altLang="zh-CN" smtClean="0"/>
+              <a:rPr lang="en-US" altLang="zh-CN" dirty="0"/>
               <a:t>SYS_DDL  SYS_DDL_DTL</a:t>
             </a:r>
             <a:br>
-              <a:rPr lang="en-US" altLang="zh-CN" smtClean="0"/>
+              <a:rPr lang="en-US" altLang="zh-CN" dirty="0"/>
             </a:br>
-            <a:endParaRPr lang="zh-CN" altLang="en-US" smtClean="0"/>
+            <a:endParaRPr lang="zh-CN" altLang="en-US" dirty="0"/>
           </a:p>
         </p:txBody>
       </p:sp>
@@ -18135,7 +17789,7 @@
           <p:cNvPr id="2" name="表格 1">
             <a:extLst>
               <a:ext uri="{FF2B5EF4-FFF2-40B4-BE49-F238E27FC236}">
-                <a16:creationId xmlns="" xmlns:a16="http://schemas.microsoft.com/office/drawing/2014/main" id="{9FCA71CE-5871-4C57-B832-CB5EA02D03D5}"/>
+                <a16:creationId xmlns:a16="http://schemas.microsoft.com/office/drawing/2014/main" id="{9FCA71CE-5871-4C57-B832-CB5EA02D03D5}"/>
               </a:ext>
             </a:extLst>
           </p:cNvPr>
@@ -18158,21 +17812,21 @@
                 <a:gridCol w="2032000">
                   <a:extLst>
                     <a:ext uri="{9D8B030D-6E8A-4147-A177-3AD203B41FA5}">
-                      <a16:colId xmlns="" xmlns:a16="http://schemas.microsoft.com/office/drawing/2014/main" val="4043571609"/>
+                      <a16:colId xmlns:a16="http://schemas.microsoft.com/office/drawing/2014/main" val="4043571609"/>
                     </a:ext>
                   </a:extLst>
                 </a:gridCol>
                 <a:gridCol w="2032000">
                   <a:extLst>
                     <a:ext uri="{9D8B030D-6E8A-4147-A177-3AD203B41FA5}">
-                      <a16:colId xmlns="" xmlns:a16="http://schemas.microsoft.com/office/drawing/2014/main" val="2533655676"/>
+                      <a16:colId xmlns:a16="http://schemas.microsoft.com/office/drawing/2014/main" val="2533655676"/>
                     </a:ext>
                   </a:extLst>
                 </a:gridCol>
                 <a:gridCol w="2032000">
                   <a:extLst>
                     <a:ext uri="{9D8B030D-6E8A-4147-A177-3AD203B41FA5}">
-                      <a16:colId xmlns="" xmlns:a16="http://schemas.microsoft.com/office/drawing/2014/main" val="1164083626"/>
+                      <a16:colId xmlns:a16="http://schemas.microsoft.com/office/drawing/2014/main" val="1164083626"/>
                     </a:ext>
                   </a:extLst>
                 </a:gridCol>
@@ -18216,7 +17870,7 @@
                 </a:tc>
                 <a:extLst>
                   <a:ext uri="{0D108BD9-81ED-4DB2-BD59-A6C34878D82A}">
-                    <a16:rowId xmlns="" xmlns:a16="http://schemas.microsoft.com/office/drawing/2014/main" val="3108127906"/>
+                    <a16:rowId xmlns:a16="http://schemas.microsoft.com/office/drawing/2014/main" val="3108127906"/>
                   </a:ext>
                 </a:extLst>
               </a:tr>
@@ -18268,7 +17922,7 @@
                 </a:tc>
                 <a:extLst>
                   <a:ext uri="{0D108BD9-81ED-4DB2-BD59-A6C34878D82A}">
-                    <a16:rowId xmlns="" xmlns:a16="http://schemas.microsoft.com/office/drawing/2014/main" val="4132398317"/>
+                    <a16:rowId xmlns:a16="http://schemas.microsoft.com/office/drawing/2014/main" val="4132398317"/>
                   </a:ext>
                 </a:extLst>
               </a:tr>
@@ -18281,13 +17935,6 @@
   <p:clrMapOvr>
     <a:masterClrMapping/>
   </p:clrMapOvr>
-  <p:timing>
-    <p:tnLst>
-      <p:par>
-        <p:cTn id="1" dur="indefinite" restart="never" nodeType="tmRoot"/>
-      </p:par>
-    </p:tnLst>
-  </p:timing>
 </p:sld>
 </file>
 
@@ -18310,84 +17957,497 @@
       </p:grpSpPr>
       <p:sp>
         <p:nvSpPr>
-          <p:cNvPr id="54274" name="标题 1"/>
-          <p:cNvSpPr>
-            <a:spLocks noGrp="1" noChangeArrowheads="1"/>
+          <p:cNvPr id="2" name="标题 1">
+            <a:extLst>
+              <a:ext uri="{FF2B5EF4-FFF2-40B4-BE49-F238E27FC236}">
+                <a16:creationId xmlns:a16="http://schemas.microsoft.com/office/drawing/2014/main" id="{DF23DE96-35C5-40A7-A84F-A631223C0083}"/>
+              </a:ext>
+            </a:extLst>
+          </p:cNvPr>
+          <p:cNvSpPr>
+            <a:spLocks noGrp="1"/>
           </p:cNvSpPr>
           <p:nvPr>
             <p:ph type="title"/>
+          </p:nvPr>
+        </p:nvSpPr>
+        <p:spPr/>
+        <p:txBody>
+          <a:bodyPr/>
+          <a:lstStyle/>
+          <a:p>
+            <a:r>
+              <a:rPr lang="zh-CN" altLang="en-US" dirty="0"/>
+              <a:t>单据汇总</a:t>
+            </a:r>
+          </a:p>
+        </p:txBody>
+      </p:sp>
+      <p:sp>
+        <p:nvSpPr>
+          <p:cNvPr id="3" name="内容占位符 2">
+            <a:extLst>
+              <a:ext uri="{FF2B5EF4-FFF2-40B4-BE49-F238E27FC236}">
+                <a16:creationId xmlns:a16="http://schemas.microsoft.com/office/drawing/2014/main" id="{93B5F2BA-82E9-4CDA-BBE2-8441901D54AE}"/>
+              </a:ext>
+            </a:extLst>
+          </p:cNvPr>
+          <p:cNvSpPr>
+            <a:spLocks noGrp="1"/>
+          </p:cNvSpPr>
+          <p:nvPr>
+            <p:ph idx="1"/>
           </p:nvPr>
         </p:nvSpPr>
         <p:spPr>
           <a:xfrm>
-            <a:off x="252413" y="115888"/>
-            <a:ext cx="6767512" cy="720725"/>
+            <a:off x="252413" y="908720"/>
+            <a:ext cx="8713787" cy="5546055"/>
           </a:xfrm>
         </p:spPr>
         <p:txBody>
           <a:bodyPr/>
           <a:lstStyle/>
           <a:p>
-            <a:endParaRPr lang="zh-CN" altLang="en-US" smtClean="0"/>
-          </a:p>
-        </p:txBody>
-      </p:sp>
-      <p:sp>
-        <p:nvSpPr>
-          <p:cNvPr id="54275" name="内容占位符 2"/>
-          <p:cNvSpPr>
-            <a:spLocks noGrp="1" noChangeArrowheads="1"/>
-          </p:cNvSpPr>
-          <p:nvPr>
-            <p:ph idx="1"/>
-          </p:nvPr>
-        </p:nvSpPr>
-        <p:spPr>
-          <a:xfrm>
-            <a:off x="265113" y="2060575"/>
-            <a:ext cx="8713787" cy="5329238"/>
-          </a:xfrm>
-        </p:spPr>
-        <p:txBody>
-          <a:bodyPr/>
-          <a:lstStyle/>
-          <a:p>
-            <a:pPr marL="0" indent="0" algn="ctr">
-              <a:buFontTx/>
+            <a:r>
+              <a:rPr lang="zh-CN" altLang="en-US" sz="1200" dirty="0"/>
+              <a:t>进货合同</a:t>
+            </a:r>
+            <a:r>
+              <a:rPr lang="en-US" altLang="zh-CN" sz="1200" dirty="0"/>
+              <a:t>|</a:t>
+            </a:r>
+            <a:r>
+              <a:rPr lang="zh-CN" altLang="en-US" sz="1200" dirty="0"/>
+              <a:t>采购  </a:t>
+            </a:r>
+            <a:r>
+              <a:rPr lang="en-US" altLang="zh-CN" sz="1200" dirty="0" err="1"/>
+              <a:t>bms_su_con_doc|dtl</a:t>
+            </a:r>
+            <a:endParaRPr lang="en-US" altLang="zh-CN" sz="1200" dirty="0"/>
+          </a:p>
+          <a:p>
+            <a:r>
+              <a:rPr lang="zh-CN" altLang="en-US" sz="1200" dirty="0"/>
+              <a:t>收货验收</a:t>
+            </a:r>
+            <a:r>
+              <a:rPr lang="en-US" altLang="zh-CN" sz="1200" dirty="0" err="1"/>
+              <a:t>bms_st_rg_doc|dtl</a:t>
+            </a:r>
+            <a:r>
+              <a:rPr lang="en-US" altLang="zh-CN" sz="1200" dirty="0"/>
+              <a:t>--------</a:t>
+            </a:r>
+            <a:r>
+              <a:rPr lang="zh-CN" altLang="en-US" sz="1200" dirty="0"/>
+              <a:t>新版本中分收货 和验收 两步</a:t>
+            </a:r>
+            <a:endParaRPr lang="en-US" altLang="zh-CN" sz="1200" dirty="0"/>
+          </a:p>
+          <a:p>
+            <a:r>
+              <a:rPr lang="zh-CN" altLang="en-US" sz="1200" dirty="0"/>
+              <a:t>进货、进退、补差（自动手工）</a:t>
+            </a:r>
+            <a:r>
+              <a:rPr lang="en-US" altLang="zh-CN" sz="1200" dirty="0"/>
+              <a:t>(</a:t>
+            </a:r>
+            <a:r>
+              <a:rPr lang="en-US" altLang="zh-CN" sz="1200" dirty="0" err="1"/>
+              <a:t>bms_su_doc|dtl</a:t>
+            </a:r>
+            <a:r>
+              <a:rPr lang="en-US" altLang="zh-CN" sz="1200" dirty="0"/>
+              <a:t>++</a:t>
+            </a:r>
+            <a:r>
+              <a:rPr lang="en-US" altLang="zh-CN" sz="1200" dirty="0" err="1"/>
+              <a:t>tmp</a:t>
+            </a:r>
+            <a:r>
+              <a:rPr lang="en-US" altLang="zh-CN" sz="1200" dirty="0"/>
+              <a:t>)</a:t>
+            </a:r>
+          </a:p>
+          <a:p>
+            <a:r>
+              <a:rPr lang="zh-CN" altLang="en-US" sz="1200" dirty="0"/>
+              <a:t>进货结算</a:t>
+            </a:r>
+            <a:r>
+              <a:rPr lang="en-US" altLang="zh-CN" sz="1200" dirty="0" err="1"/>
+              <a:t>bms_su_set_doc|dtl</a:t>
+            </a:r>
+            <a:r>
+              <a:rPr lang="en-US" altLang="zh-CN" sz="1200" dirty="0"/>
+              <a:t>++</a:t>
+            </a:r>
+            <a:r>
+              <a:rPr lang="en-US" altLang="zh-CN" sz="1200" dirty="0" err="1"/>
+              <a:t>tmp</a:t>
+            </a:r>
+            <a:endParaRPr lang="en-US" altLang="zh-CN" sz="1200" dirty="0"/>
+          </a:p>
+          <a:p>
+            <a:r>
+              <a:rPr lang="zh-CN" altLang="en-US" sz="1200" dirty="0"/>
+              <a:t>进货单</a:t>
+            </a:r>
+            <a:r>
+              <a:rPr lang="en-US" altLang="zh-CN" sz="1200" dirty="0"/>
+              <a:t> </a:t>
+            </a:r>
+            <a:r>
+              <a:rPr lang="zh-CN" altLang="en-US" sz="1200" dirty="0"/>
+              <a:t>进货结算关系表</a:t>
+            </a:r>
+            <a:r>
+              <a:rPr lang="en-US" altLang="zh-CN" sz="1200" dirty="0" err="1"/>
+              <a:t>bms_sup_settle</a:t>
+            </a:r>
+            <a:endParaRPr lang="en-US" altLang="zh-CN" sz="1200" dirty="0"/>
+          </a:p>
+          <a:p>
+            <a:r>
+              <a:rPr lang="zh-CN" altLang="en-US" sz="1200" dirty="0"/>
+              <a:t>付款申请</a:t>
+            </a:r>
+            <a:r>
+              <a:rPr lang="en-US" altLang="zh-CN" sz="1200" dirty="0" err="1"/>
+              <a:t>zx_su_payapp_doc|dtl</a:t>
+            </a:r>
+            <a:endParaRPr lang="en-US" altLang="zh-CN" sz="1200" dirty="0"/>
+          </a:p>
+          <a:p>
+            <a:r>
+              <a:rPr lang="zh-CN" altLang="en-US" sz="1200" dirty="0"/>
+              <a:t>进货付款</a:t>
+            </a:r>
+            <a:r>
+              <a:rPr lang="en-US" altLang="zh-CN" sz="1200" dirty="0" err="1"/>
+              <a:t>bms_pay_doc|dtl</a:t>
+            </a:r>
+            <a:endParaRPr lang="en-US" altLang="zh-CN" sz="1200" dirty="0"/>
+          </a:p>
+          <a:p>
+            <a:r>
+              <a:rPr lang="zh-CN" altLang="en-US" sz="1200" dirty="0"/>
+              <a:t>销售、销退</a:t>
+            </a:r>
+            <a:r>
+              <a:rPr lang="en-US" altLang="zh-CN" sz="1200" dirty="0" err="1"/>
+              <a:t>bms_sa_doc|dtl</a:t>
+            </a:r>
+            <a:r>
+              <a:rPr lang="en-US" altLang="zh-CN" sz="1200" dirty="0"/>
+              <a:t>++</a:t>
+            </a:r>
+            <a:r>
+              <a:rPr lang="en-US" altLang="zh-CN" sz="1200" dirty="0" err="1"/>
+              <a:t>tmp</a:t>
+            </a:r>
+            <a:endParaRPr lang="en-US" altLang="zh-CN" sz="1200" dirty="0"/>
+          </a:p>
+          <a:p>
+            <a:r>
+              <a:rPr lang="zh-CN" altLang="en-US" sz="1200" dirty="0"/>
+              <a:t>移库</a:t>
+            </a:r>
+            <a:r>
+              <a:rPr lang="en-US" altLang="zh-CN" sz="1200" dirty="0"/>
+              <a:t>(</a:t>
+            </a:r>
+            <a:r>
+              <a:rPr lang="en-US" altLang="zh-CN" sz="1200" dirty="0" err="1"/>
+              <a:t>BMS_MV_DOC|dtl</a:t>
+            </a:r>
+            <a:r>
+              <a:rPr lang="en-US" altLang="zh-CN" sz="1200" dirty="0"/>
+              <a:t>)</a:t>
+            </a:r>
+          </a:p>
+          <a:p>
+            <a:r>
+              <a:rPr lang="zh-CN" altLang="en-US" sz="1200" dirty="0"/>
+              <a:t>报损</a:t>
+            </a:r>
+            <a:r>
+              <a:rPr lang="en-US" altLang="zh-CN" sz="1200" dirty="0"/>
+              <a:t>(</a:t>
+            </a:r>
+            <a:r>
+              <a:rPr lang="en-US" altLang="zh-CN" sz="1200" dirty="0" err="1"/>
+              <a:t>bms_ls_doc|dtl</a:t>
+            </a:r>
+            <a:r>
+              <a:rPr lang="en-US" altLang="zh-CN" sz="1200" dirty="0"/>
+              <a:t>)</a:t>
+            </a:r>
+          </a:p>
+          <a:p>
+            <a:r>
+              <a:rPr lang="zh-CN" altLang="en-US" sz="1200" dirty="0"/>
+              <a:t>报溢</a:t>
+            </a:r>
+            <a:r>
+              <a:rPr lang="en-US" altLang="zh-CN" sz="1200" dirty="0"/>
+              <a:t>(</a:t>
+            </a:r>
+            <a:r>
+              <a:rPr lang="en-US" altLang="zh-CN" sz="1200" dirty="0" err="1"/>
+              <a:t>bms_of_doc</a:t>
+            </a:r>
+            <a:r>
+              <a:rPr lang="en-US" altLang="zh-CN" sz="1200"/>
+              <a:t>)</a:t>
+            </a:r>
+            <a:endParaRPr lang="en-US" altLang="zh-CN" sz="1200" dirty="0"/>
+          </a:p>
+          <a:p>
+            <a:r>
+              <a:rPr lang="zh-CN" altLang="en-US" sz="1200" dirty="0"/>
+              <a:t>出、入库</a:t>
+            </a:r>
+            <a:r>
+              <a:rPr lang="en-US" altLang="zh-CN" sz="1200" dirty="0"/>
+              <a:t>(</a:t>
+            </a:r>
+            <a:r>
+              <a:rPr lang="en-US" altLang="zh-CN" sz="1200" dirty="0" err="1"/>
+              <a:t>bms_st_io_doc|dtl</a:t>
+            </a:r>
+            <a:r>
+              <a:rPr lang="en-US" altLang="zh-CN" sz="1200" dirty="0"/>
+              <a:t>++</a:t>
+            </a:r>
+            <a:r>
+              <a:rPr lang="en-US" altLang="zh-CN" sz="1200" dirty="0" err="1"/>
+              <a:t>tmp</a:t>
+            </a:r>
+            <a:r>
+              <a:rPr lang="en-US" altLang="zh-CN" sz="1200" dirty="0"/>
+              <a:t>)</a:t>
+            </a:r>
+          </a:p>
+          <a:p>
+            <a:r>
+              <a:rPr lang="zh-CN" altLang="en-US" sz="1200" dirty="0"/>
+              <a:t>销售结算</a:t>
+            </a:r>
+            <a:r>
+              <a:rPr lang="en-US" altLang="zh-CN" sz="1200" dirty="0" err="1"/>
+              <a:t>bms_sa_settle_doc|dtl</a:t>
+            </a:r>
+            <a:r>
+              <a:rPr lang="en-US" altLang="zh-CN" sz="1200" dirty="0"/>
+              <a:t>++</a:t>
+            </a:r>
+            <a:r>
+              <a:rPr lang="en-US" altLang="zh-CN" sz="1200" dirty="0" err="1"/>
+              <a:t>tmp</a:t>
+            </a:r>
+            <a:endParaRPr lang="en-US" altLang="zh-CN" sz="1200" dirty="0"/>
+          </a:p>
+          <a:p>
+            <a:r>
+              <a:rPr lang="zh-CN" altLang="en-US" sz="1200" dirty="0"/>
+              <a:t>销售收款</a:t>
+            </a:r>
+            <a:r>
+              <a:rPr lang="en-US" altLang="zh-CN" sz="1200" dirty="0" err="1"/>
+              <a:t>Bms_sa_rec_doc|dtl</a:t>
+            </a:r>
+            <a:endParaRPr lang="en-US" altLang="zh-CN" sz="1200" dirty="0"/>
+          </a:p>
+          <a:p>
+            <a:r>
+              <a:rPr lang="zh-CN" altLang="en-US" sz="1200" dirty="0"/>
+              <a:t>请货</a:t>
+            </a:r>
+            <a:r>
+              <a:rPr lang="en-US" altLang="zh-CN" sz="1200" dirty="0" err="1"/>
+              <a:t>chn_req</a:t>
+            </a:r>
+            <a:r>
+              <a:rPr lang="en-US" altLang="zh-CN" sz="1200" dirty="0"/>
+              <a:t>  ++</a:t>
+            </a:r>
+            <a:r>
+              <a:rPr lang="en-US" altLang="zh-CN" sz="1200" dirty="0" err="1"/>
+              <a:t>tmp|ing</a:t>
+            </a:r>
+            <a:endParaRPr lang="en-US" altLang="zh-CN" sz="1200" dirty="0"/>
+          </a:p>
+          <a:p>
+            <a:r>
+              <a:rPr lang="zh-CN" altLang="en-US" sz="1200" dirty="0"/>
+              <a:t>调拨</a:t>
+            </a:r>
+            <a:r>
+              <a:rPr lang="en-US" altLang="zh-CN" sz="1200" dirty="0"/>
+              <a:t>(chn_s2s  chn_gift_s2s++</a:t>
+            </a:r>
+            <a:r>
+              <a:rPr lang="en-US" altLang="zh-CN" sz="1200" dirty="0" err="1"/>
+              <a:t>tmp</a:t>
+            </a:r>
+            <a:r>
+              <a:rPr lang="en-US" altLang="zh-CN" sz="1200" dirty="0"/>
+              <a:t>)</a:t>
+            </a:r>
+          </a:p>
+          <a:p>
+            <a:r>
+              <a:rPr lang="zh-CN" altLang="en-US" sz="1200" dirty="0"/>
+              <a:t>配送</a:t>
+            </a:r>
+            <a:r>
+              <a:rPr lang="en-US" altLang="zh-CN" sz="1200" dirty="0"/>
+              <a:t>(</a:t>
+            </a:r>
+            <a:r>
+              <a:rPr lang="en-US" altLang="zh-CN" sz="1200" dirty="0" err="1"/>
+              <a:t>chn_plc_doc|dtl</a:t>
+            </a:r>
+            <a:r>
+              <a:rPr lang="en-US" altLang="zh-CN" sz="1200" dirty="0"/>
+              <a:t>++</a:t>
+            </a:r>
+            <a:r>
+              <a:rPr lang="en-US" altLang="zh-CN" sz="1200" dirty="0" err="1"/>
+              <a:t>tmp</a:t>
+            </a:r>
+            <a:r>
+              <a:rPr lang="en-US" altLang="zh-CN" sz="1200" dirty="0"/>
+              <a:t>)</a:t>
+            </a:r>
+          </a:p>
+          <a:p>
+            <a:r>
+              <a:rPr lang="zh-CN" altLang="en-US" sz="1200" dirty="0"/>
+              <a:t>配送退货</a:t>
+            </a:r>
+            <a:r>
+              <a:rPr lang="en-US" altLang="zh-CN" sz="1200" dirty="0"/>
+              <a:t>(</a:t>
+            </a:r>
+            <a:r>
+              <a:rPr lang="en-US" altLang="zh-CN" sz="1200" dirty="0" err="1"/>
+              <a:t>chn_back_tmp</a:t>
+            </a:r>
+            <a:r>
+              <a:rPr lang="en-US" altLang="zh-CN" sz="1200" dirty="0"/>
+              <a:t>)</a:t>
+            </a:r>
+          </a:p>
+          <a:p>
+            <a:r>
+              <a:rPr lang="zh-CN" altLang="en-US" sz="1200" dirty="0"/>
+              <a:t>收货</a:t>
+            </a:r>
+            <a:r>
+              <a:rPr lang="en-US" altLang="zh-CN" sz="1200" dirty="0"/>
+              <a:t>(</a:t>
+            </a:r>
+            <a:r>
+              <a:rPr lang="en-US" altLang="zh-CN" sz="1200" dirty="0" err="1"/>
+              <a:t>chn_rec</a:t>
+            </a:r>
+            <a:r>
+              <a:rPr lang="en-US" altLang="zh-CN" sz="1200" dirty="0"/>
+              <a:t>)</a:t>
+            </a:r>
+          </a:p>
+          <a:p>
+            <a:r>
+              <a:rPr lang="zh-CN" altLang="en-US" sz="1200" dirty="0"/>
+              <a:t>门店退货中心收货</a:t>
+            </a:r>
+            <a:r>
+              <a:rPr lang="en-US" altLang="zh-CN" sz="1200" dirty="0" err="1"/>
+              <a:t>chn_back_rec</a:t>
+            </a:r>
+            <a:endParaRPr lang="en-US" altLang="zh-CN" sz="1200" dirty="0"/>
+          </a:p>
+          <a:p>
+            <a:r>
+              <a:rPr lang="zh-CN" altLang="en-US" sz="1200" dirty="0"/>
+              <a:t>零售销售</a:t>
+            </a:r>
+            <a:r>
+              <a:rPr lang="en-US" altLang="zh-CN" sz="1200" dirty="0"/>
+              <a:t>(</a:t>
+            </a:r>
+            <a:r>
+              <a:rPr lang="en-US" altLang="zh-CN" sz="1200" dirty="0" err="1"/>
+              <a:t>hec_sa_doc</a:t>
+            </a:r>
+            <a:r>
+              <a:rPr lang="en-US" altLang="zh-CN" sz="1200" dirty="0"/>
+              <a:t>):</a:t>
+            </a:r>
+            <a:r>
+              <a:rPr lang="zh-CN" altLang="en-US" sz="1200" dirty="0"/>
+              <a:t>虚拟账目</a:t>
+            </a:r>
+            <a:endParaRPr lang="en-US" altLang="zh-CN" sz="1200" dirty="0"/>
+          </a:p>
+          <a:p>
+            <a:r>
+              <a:rPr lang="zh-CN" altLang="en-US" sz="1200" strike="sngStrike" dirty="0"/>
+              <a:t>发票总单</a:t>
+            </a:r>
+            <a:r>
+              <a:rPr lang="en-US" altLang="zh-CN" sz="1200" strike="sngStrike" dirty="0"/>
+              <a:t>(</a:t>
+            </a:r>
+            <a:r>
+              <a:rPr lang="en-US" altLang="zh-CN" sz="1200" strike="sngStrike" dirty="0" err="1"/>
+              <a:t>zx_bill_doc</a:t>
+            </a:r>
+            <a:r>
+              <a:rPr lang="en-US" altLang="zh-CN" sz="1200" strike="sngStrike" dirty="0"/>
+              <a:t>)</a:t>
+            </a:r>
+          </a:p>
+          <a:p>
+            <a:r>
+              <a:rPr lang="zh-CN" altLang="en-US" sz="1200" dirty="0"/>
+              <a:t>拣货</a:t>
+            </a:r>
+            <a:r>
+              <a:rPr lang="en-US" altLang="zh-CN" sz="1200" dirty="0" err="1"/>
+              <a:t>bms_tr_pick_doc</a:t>
+            </a:r>
+            <a:endParaRPr lang="en-US" altLang="zh-CN" sz="1200" dirty="0"/>
+          </a:p>
+          <a:p>
+            <a:pPr marL="0" indent="0">
               <a:buNone/>
             </a:pPr>
-            <a:r>
-              <a:rPr lang="en-US" altLang="zh-CN" sz="13800" i="1" smtClean="0">
-                <a:solidFill>
-                  <a:srgbClr val="FF0000"/>
-                </a:solidFill>
-                <a:latin typeface="Cordia New" panose="020B0304020202020204" pitchFamily="34" charset="-34"/>
-                <a:cs typeface="Cordia New" panose="020B0304020202020204" pitchFamily="34" charset="-34"/>
-              </a:rPr>
-              <a:t>Q&amp;A</a:t>
-            </a:r>
-            <a:endParaRPr lang="zh-CN" altLang="en-US" sz="13800" i="1" smtClean="0">
-              <a:solidFill>
-                <a:srgbClr val="FF0000"/>
-              </a:solidFill>
-              <a:latin typeface="Cordia New" panose="020B0304020202020204" pitchFamily="34" charset="-34"/>
-              <a:cs typeface="Cordia New" panose="020B0304020202020204" pitchFamily="34" charset="-34"/>
-            </a:endParaRPr>
+            <a:endParaRPr lang="en-US" altLang="zh-CN" sz="1200" strike="sngStrike" dirty="0"/>
+          </a:p>
+          <a:p>
+            <a:endParaRPr lang="en-US" altLang="zh-CN" sz="1200" dirty="0"/>
+          </a:p>
+          <a:p>
+            <a:endParaRPr lang="zh-CN" altLang="en-US" sz="1200" dirty="0"/>
           </a:p>
         </p:txBody>
       </p:sp>
     </p:spTree>
+    <p:extLst>
+      <p:ext uri="{BB962C8B-B14F-4D97-AF65-F5344CB8AC3E}">
+        <p14:creationId xmlns:p14="http://schemas.microsoft.com/office/powerpoint/2010/main" val="4198498172"/>
+      </p:ext>
+    </p:extLst>
   </p:cSld>
   <p:clrMapOvr>
     <a:masterClrMapping/>
   </p:clrMapOvr>
-  <p:timing>
-    <p:tnLst>
-      <p:par>
-        <p:cTn id="1" dur="indefinite" restart="never" nodeType="tmRoot"/>
-      </p:par>
-    </p:tnLst>
-  </p:timing>
 </p:sld>
 </file>
 
@@ -18410,7 +18470,110 @@
       </p:grpSpPr>
       <p:sp>
         <p:nvSpPr>
-          <p:cNvPr id="55298" name="标题 1"/>
+          <p:cNvPr id="2" name="标题 1">
+            <a:extLst>
+              <a:ext uri="{FF2B5EF4-FFF2-40B4-BE49-F238E27FC236}">
+                <a16:creationId xmlns:a16="http://schemas.microsoft.com/office/drawing/2014/main" id="{17F6A534-1DE6-4474-8374-4D5C78CCA512}"/>
+              </a:ext>
+            </a:extLst>
+          </p:cNvPr>
+          <p:cNvSpPr>
+            <a:spLocks noGrp="1"/>
+          </p:cNvSpPr>
+          <p:nvPr>
+            <p:ph type="title"/>
+          </p:nvPr>
+        </p:nvSpPr>
+        <p:spPr/>
+        <p:txBody>
+          <a:bodyPr/>
+          <a:lstStyle/>
+          <a:p>
+            <a:r>
+              <a:rPr lang="zh-CN" altLang="en-US" dirty="0"/>
+              <a:t>请货单</a:t>
+            </a:r>
+            <a:r>
+              <a:rPr lang="en-US" altLang="zh-CN" dirty="0"/>
+              <a:t>CHN_REQ++_TMP|ING</a:t>
+            </a:r>
+            <a:endParaRPr lang="zh-CN" altLang="en-US" dirty="0"/>
+          </a:p>
+        </p:txBody>
+      </p:sp>
+      <p:sp>
+        <p:nvSpPr>
+          <p:cNvPr id="3" name="内容占位符 2">
+            <a:extLst>
+              <a:ext uri="{FF2B5EF4-FFF2-40B4-BE49-F238E27FC236}">
+                <a16:creationId xmlns:a16="http://schemas.microsoft.com/office/drawing/2014/main" id="{A8088248-0BDC-4407-96CA-C70034C49E3B}"/>
+              </a:ext>
+            </a:extLst>
+          </p:cNvPr>
+          <p:cNvSpPr>
+            <a:spLocks noGrp="1"/>
+          </p:cNvSpPr>
+          <p:nvPr>
+            <p:ph idx="1"/>
+          </p:nvPr>
+        </p:nvSpPr>
+        <p:spPr/>
+        <p:txBody>
+          <a:bodyPr/>
+          <a:lstStyle/>
+          <a:p>
+            <a:r>
+              <a:rPr lang="zh-CN" altLang="en-US" dirty="0"/>
+              <a:t>请货</a:t>
+            </a:r>
+            <a:r>
+              <a:rPr lang="en-US" altLang="zh-CN" dirty="0"/>
+              <a:t>-</a:t>
+            </a:r>
+            <a:r>
+              <a:rPr lang="zh-CN" altLang="en-US" dirty="0"/>
+              <a:t>配送</a:t>
+            </a:r>
+            <a:endParaRPr lang="en-US" altLang="zh-CN"/>
+          </a:p>
+          <a:p>
+            <a:endParaRPr lang="zh-CN" altLang="en-US" dirty="0"/>
+          </a:p>
+        </p:txBody>
+      </p:sp>
+    </p:spTree>
+    <p:extLst>
+      <p:ext uri="{BB962C8B-B14F-4D97-AF65-F5344CB8AC3E}">
+        <p14:creationId xmlns:p14="http://schemas.microsoft.com/office/powerpoint/2010/main" val="1672784823"/>
+      </p:ext>
+    </p:extLst>
+  </p:cSld>
+  <p:clrMapOvr>
+    <a:masterClrMapping/>
+  </p:clrMapOvr>
+</p:sld>
+</file>
+
+<file path=ppt/slides/slide49.xml><?xml version="1.0" encoding="utf-8"?>
+<p:sld xmlns:a="http://schemas.openxmlformats.org/drawingml/2006/main" xmlns:r="http://schemas.openxmlformats.org/officeDocument/2006/relationships" xmlns:p="http://schemas.openxmlformats.org/presentationml/2006/main">
+  <p:cSld>
+    <p:spTree>
+      <p:nvGrpSpPr>
+        <p:cNvPr id="1" name=""/>
+        <p:cNvGrpSpPr/>
+        <p:nvPr/>
+      </p:nvGrpSpPr>
+      <p:grpSpPr>
+        <a:xfrm>
+          <a:off x="0" y="0"/>
+          <a:ext cx="0" cy="0"/>
+          <a:chOff x="0" y="0"/>
+          <a:chExt cx="0" cy="0"/>
+        </a:xfrm>
+      </p:grpSpPr>
+      <p:sp>
+        <p:nvSpPr>
+          <p:cNvPr id="54274" name="标题 1"/>
           <p:cNvSpPr>
             <a:spLocks noGrp="1" noChangeArrowheads="1"/>
           </p:cNvSpPr>
@@ -18428,13 +18591,13 @@
           <a:bodyPr/>
           <a:lstStyle/>
           <a:p>
-            <a:endParaRPr lang="zh-CN" altLang="en-US" smtClean="0"/>
-          </a:p>
-        </p:txBody>
-      </p:sp>
-      <p:sp>
-        <p:nvSpPr>
-          <p:cNvPr id="55299" name="内容占位符 2"/>
+            <a:endParaRPr lang="zh-CN" altLang="en-US"/>
+          </a:p>
+        </p:txBody>
+      </p:sp>
+      <p:sp>
+        <p:nvSpPr>
+          <p:cNvPr id="54275" name="内容占位符 2"/>
           <p:cNvSpPr>
             <a:spLocks noGrp="1" noChangeArrowheads="1"/>
           </p:cNvSpPr>
@@ -18442,23 +18605,37 @@
             <p:ph idx="1"/>
           </p:nvPr>
         </p:nvSpPr>
-        <p:spPr/>
+        <p:spPr>
+          <a:xfrm>
+            <a:off x="265113" y="2060575"/>
+            <a:ext cx="8713787" cy="5329238"/>
+          </a:xfrm>
+        </p:spPr>
         <p:txBody>
           <a:bodyPr/>
           <a:lstStyle/>
           <a:p>
-            <a:r>
-              <a:rPr lang="zh-CN" altLang="en-US" smtClean="0"/>
-              <a:t>门店</a:t>
-            </a:r>
-            <a:r>
-              <a:rPr lang="en-US" altLang="zh-CN" smtClean="0"/>
-              <a:t>gsp</a:t>
-            </a:r>
-            <a:r>
-              <a:rPr lang="zh-CN" altLang="en-US" smtClean="0"/>
-              <a:t>经营范围  从哪取</a:t>
-            </a:r>
+            <a:pPr marL="0" indent="0" algn="ctr">
+              <a:buFontTx/>
+              <a:buNone/>
+            </a:pPr>
+            <a:r>
+              <a:rPr lang="en-US" altLang="zh-CN" sz="13800" i="1">
+                <a:solidFill>
+                  <a:srgbClr val="FF0000"/>
+                </a:solidFill>
+                <a:latin typeface="Cordia New" panose="020B0304020202020204" pitchFamily="34" charset="-34"/>
+                <a:cs typeface="Cordia New" panose="020B0304020202020204" pitchFamily="34" charset="-34"/>
+              </a:rPr>
+              <a:t>Q&amp;A</a:t>
+            </a:r>
+            <a:endParaRPr lang="zh-CN" altLang="en-US" sz="13800" i="1">
+              <a:solidFill>
+                <a:srgbClr val="FF0000"/>
+              </a:solidFill>
+              <a:latin typeface="Cordia New" panose="020B0304020202020204" pitchFamily="34" charset="-34"/>
+              <a:cs typeface="Cordia New" panose="020B0304020202020204" pitchFamily="34" charset="-34"/>
+            </a:endParaRPr>
           </a:p>
         </p:txBody>
       </p:sp>
@@ -18467,17 +18644,251 @@
   <p:clrMapOvr>
     <a:masterClrMapping/>
   </p:clrMapOvr>
-  <p:timing>
-    <p:tnLst>
-      <p:par>
-        <p:cTn id="1" dur="indefinite" restart="never" nodeType="tmRoot"/>
-      </p:par>
-    </p:tnLst>
-  </p:timing>
 </p:sld>
 </file>
 
-<file path=ppt/slides/slide49.xml><?xml version="1.0" encoding="utf-8"?>
+<file path=ppt/slides/slide5.xml><?xml version="1.0" encoding="utf-8"?>
+<p:sld xmlns:a="http://schemas.openxmlformats.org/drawingml/2006/main" xmlns:r="http://schemas.openxmlformats.org/officeDocument/2006/relationships" xmlns:p="http://schemas.openxmlformats.org/presentationml/2006/main">
+  <p:cSld>
+    <p:spTree>
+      <p:nvGrpSpPr>
+        <p:cNvPr id="1" name=""/>
+        <p:cNvGrpSpPr/>
+        <p:nvPr/>
+      </p:nvGrpSpPr>
+      <p:grpSpPr>
+        <a:xfrm>
+          <a:off x="0" y="0"/>
+          <a:ext cx="0" cy="0"/>
+          <a:chOff x="0" y="0"/>
+          <a:chExt cx="0" cy="0"/>
+        </a:xfrm>
+      </p:grpSpPr>
+      <p:sp>
+        <p:nvSpPr>
+          <p:cNvPr id="9218" name="标题 1"/>
+          <p:cNvSpPr>
+            <a:spLocks noGrp="1" noChangeArrowheads="1"/>
+          </p:cNvSpPr>
+          <p:nvPr>
+            <p:ph type="title"/>
+          </p:nvPr>
+        </p:nvSpPr>
+        <p:spPr>
+          <a:xfrm>
+            <a:off x="252413" y="115888"/>
+            <a:ext cx="6767512" cy="720725"/>
+          </a:xfrm>
+        </p:spPr>
+        <p:txBody>
+          <a:bodyPr/>
+          <a:lstStyle/>
+          <a:p>
+            <a:r>
+              <a:rPr lang="en-US" altLang="zh-CN"/>
+              <a:t>INCA </a:t>
+            </a:r>
+            <a:r>
+              <a:rPr lang="zh-CN" altLang="en-US"/>
+              <a:t>二次开发相关规范</a:t>
+            </a:r>
+          </a:p>
+        </p:txBody>
+      </p:sp>
+      <p:sp>
+        <p:nvSpPr>
+          <p:cNvPr id="9219" name="内容占位符 2"/>
+          <p:cNvSpPr>
+            <a:spLocks noGrp="1" noChangeArrowheads="1"/>
+          </p:cNvSpPr>
+          <p:nvPr>
+            <p:ph idx="1"/>
+          </p:nvPr>
+        </p:nvSpPr>
+        <p:spPr/>
+        <p:txBody>
+          <a:bodyPr/>
+          <a:lstStyle/>
+          <a:p>
+            <a:r>
+              <a:rPr lang="zh-CN" altLang="en-US"/>
+              <a:t>前端做什么？</a:t>
+            </a:r>
+            <a:endParaRPr lang="en-US" altLang="zh-CN"/>
+          </a:p>
+          <a:p>
+            <a:pPr lvl="1"/>
+            <a:r>
+              <a:rPr lang="zh-CN" altLang="en-US"/>
+              <a:t>事件处理</a:t>
+            </a:r>
+            <a:endParaRPr lang="en-US" altLang="zh-CN"/>
+          </a:p>
+          <a:p>
+            <a:pPr lvl="2"/>
+            <a:r>
+              <a:rPr lang="zh-CN" altLang="en-US"/>
+              <a:t>校验</a:t>
+            </a:r>
+            <a:endParaRPr lang="en-US" altLang="zh-CN"/>
+          </a:p>
+          <a:p>
+            <a:pPr lvl="1"/>
+            <a:r>
+              <a:rPr lang="zh-CN" altLang="en-US"/>
+              <a:t>前后端交互</a:t>
+            </a:r>
+            <a:endParaRPr lang="en-US" altLang="zh-CN"/>
+          </a:p>
+          <a:p>
+            <a:pPr lvl="2"/>
+            <a:r>
+              <a:rPr lang="zh-CN" altLang="en-US"/>
+              <a:t>告诉后台执行的动作</a:t>
+            </a:r>
+            <a:endParaRPr lang="en-US" altLang="zh-CN"/>
+          </a:p>
+          <a:p>
+            <a:pPr lvl="2"/>
+            <a:r>
+              <a:rPr lang="zh-CN" altLang="en-US"/>
+              <a:t>添加执行动作需要的参数</a:t>
+            </a:r>
+            <a:endParaRPr lang="en-US" altLang="zh-CN"/>
+          </a:p>
+          <a:p>
+            <a:pPr lvl="2"/>
+            <a:r>
+              <a:rPr lang="zh-CN" altLang="en-US"/>
+              <a:t>解析请求</a:t>
+            </a:r>
+            <a:endParaRPr lang="en-US" altLang="zh-CN"/>
+          </a:p>
+          <a:p>
+            <a:pPr lvl="1"/>
+            <a:r>
+              <a:rPr lang="zh-CN" altLang="en-US"/>
+              <a:t>显示相关</a:t>
+            </a:r>
+            <a:endParaRPr lang="en-US" altLang="zh-CN"/>
+          </a:p>
+          <a:p>
+            <a:r>
+              <a:rPr lang="zh-CN" altLang="en-US"/>
+              <a:t>后端做什么？</a:t>
+            </a:r>
+            <a:endParaRPr lang="en-US" altLang="zh-CN"/>
+          </a:p>
+          <a:p>
+            <a:pPr lvl="1"/>
+            <a:r>
+              <a:rPr lang="en-US" altLang="zh-CN"/>
+              <a:t>DB</a:t>
+            </a:r>
+            <a:r>
+              <a:rPr lang="zh-CN" altLang="en-US"/>
+              <a:t>相关的操作</a:t>
+            </a:r>
+            <a:endParaRPr lang="en-US" altLang="zh-CN"/>
+          </a:p>
+          <a:p>
+            <a:pPr lvl="1"/>
+            <a:r>
+              <a:rPr lang="zh-CN" altLang="en-US"/>
+              <a:t>数据的组装</a:t>
+            </a:r>
+            <a:endParaRPr lang="en-US" altLang="zh-CN"/>
+          </a:p>
+        </p:txBody>
+      </p:sp>
+    </p:spTree>
+  </p:cSld>
+  <p:clrMapOvr>
+    <a:masterClrMapping/>
+  </p:clrMapOvr>
+</p:sld>
+</file>
+
+<file path=ppt/slides/slide50.xml><?xml version="1.0" encoding="utf-8"?>
+<p:sld xmlns:a="http://schemas.openxmlformats.org/drawingml/2006/main" xmlns:r="http://schemas.openxmlformats.org/officeDocument/2006/relationships" xmlns:p="http://schemas.openxmlformats.org/presentationml/2006/main">
+  <p:cSld>
+    <p:spTree>
+      <p:nvGrpSpPr>
+        <p:cNvPr id="1" name=""/>
+        <p:cNvGrpSpPr/>
+        <p:nvPr/>
+      </p:nvGrpSpPr>
+      <p:grpSpPr>
+        <a:xfrm>
+          <a:off x="0" y="0"/>
+          <a:ext cx="0" cy="0"/>
+          <a:chOff x="0" y="0"/>
+          <a:chExt cx="0" cy="0"/>
+        </a:xfrm>
+      </p:grpSpPr>
+      <p:sp>
+        <p:nvSpPr>
+          <p:cNvPr id="55298" name="标题 1"/>
+          <p:cNvSpPr>
+            <a:spLocks noGrp="1" noChangeArrowheads="1"/>
+          </p:cNvSpPr>
+          <p:nvPr>
+            <p:ph type="title"/>
+          </p:nvPr>
+        </p:nvSpPr>
+        <p:spPr>
+          <a:xfrm>
+            <a:off x="252413" y="115888"/>
+            <a:ext cx="6767512" cy="720725"/>
+          </a:xfrm>
+        </p:spPr>
+        <p:txBody>
+          <a:bodyPr/>
+          <a:lstStyle/>
+          <a:p>
+            <a:endParaRPr lang="zh-CN" altLang="en-US"/>
+          </a:p>
+        </p:txBody>
+      </p:sp>
+      <p:sp>
+        <p:nvSpPr>
+          <p:cNvPr id="55299" name="内容占位符 2"/>
+          <p:cNvSpPr>
+            <a:spLocks noGrp="1" noChangeArrowheads="1"/>
+          </p:cNvSpPr>
+          <p:nvPr>
+            <p:ph idx="1"/>
+          </p:nvPr>
+        </p:nvSpPr>
+        <p:spPr/>
+        <p:txBody>
+          <a:bodyPr/>
+          <a:lstStyle/>
+          <a:p>
+            <a:r>
+              <a:rPr lang="zh-CN" altLang="en-US"/>
+              <a:t>门店</a:t>
+            </a:r>
+            <a:r>
+              <a:rPr lang="en-US" altLang="zh-CN"/>
+              <a:t>gsp</a:t>
+            </a:r>
+            <a:r>
+              <a:rPr lang="zh-CN" altLang="en-US"/>
+              <a:t>经营范围  从哪取</a:t>
+            </a:r>
+          </a:p>
+        </p:txBody>
+      </p:sp>
+    </p:spTree>
+  </p:cSld>
+  <p:clrMapOvr>
+    <a:masterClrMapping/>
+  </p:clrMapOvr>
+</p:sld>
+</file>
+
+<file path=ppt/slides/slide51.xml><?xml version="1.0" encoding="utf-8"?>
 <p:sld xmlns:a="http://schemas.openxmlformats.org/drawingml/2006/main" xmlns:r="http://schemas.openxmlformats.org/officeDocument/2006/relationships" xmlns:p="http://schemas.openxmlformats.org/presentationml/2006/main">
   <p:cSld>
     <p:spTree>
@@ -18499,182 +18910,6 @@
   <p:clrMapOvr>
     <a:masterClrMapping/>
   </p:clrMapOvr>
-  <p:timing>
-    <p:tnLst>
-      <p:par>
-        <p:cTn id="1" dur="indefinite" restart="never" nodeType="tmRoot"/>
-      </p:par>
-    </p:tnLst>
-  </p:timing>
-</p:sld>
-</file>
-
-<file path=ppt/slides/slide5.xml><?xml version="1.0" encoding="utf-8"?>
-<p:sld xmlns:a="http://schemas.openxmlformats.org/drawingml/2006/main" xmlns:r="http://schemas.openxmlformats.org/officeDocument/2006/relationships" xmlns:p="http://schemas.openxmlformats.org/presentationml/2006/main">
-  <p:cSld>
-    <p:spTree>
-      <p:nvGrpSpPr>
-        <p:cNvPr id="1" name=""/>
-        <p:cNvGrpSpPr/>
-        <p:nvPr/>
-      </p:nvGrpSpPr>
-      <p:grpSpPr>
-        <a:xfrm>
-          <a:off x="0" y="0"/>
-          <a:ext cx="0" cy="0"/>
-          <a:chOff x="0" y="0"/>
-          <a:chExt cx="0" cy="0"/>
-        </a:xfrm>
-      </p:grpSpPr>
-      <p:sp>
-        <p:nvSpPr>
-          <p:cNvPr id="9218" name="标题 1"/>
-          <p:cNvSpPr>
-            <a:spLocks noGrp="1" noChangeArrowheads="1"/>
-          </p:cNvSpPr>
-          <p:nvPr>
-            <p:ph type="title"/>
-          </p:nvPr>
-        </p:nvSpPr>
-        <p:spPr>
-          <a:xfrm>
-            <a:off x="252413" y="115888"/>
-            <a:ext cx="6767512" cy="720725"/>
-          </a:xfrm>
-        </p:spPr>
-        <p:txBody>
-          <a:bodyPr/>
-          <a:lstStyle/>
-          <a:p>
-            <a:r>
-              <a:rPr lang="en-US" altLang="zh-CN" smtClean="0"/>
-              <a:t>INCA </a:t>
-            </a:r>
-            <a:r>
-              <a:rPr lang="zh-CN" altLang="en-US" smtClean="0"/>
-              <a:t>二次开发相关规范</a:t>
-            </a:r>
-          </a:p>
-        </p:txBody>
-      </p:sp>
-      <p:sp>
-        <p:nvSpPr>
-          <p:cNvPr id="9219" name="内容占位符 2"/>
-          <p:cNvSpPr>
-            <a:spLocks noGrp="1" noChangeArrowheads="1"/>
-          </p:cNvSpPr>
-          <p:nvPr>
-            <p:ph idx="1"/>
-          </p:nvPr>
-        </p:nvSpPr>
-        <p:spPr/>
-        <p:txBody>
-          <a:bodyPr/>
-          <a:lstStyle/>
-          <a:p>
-            <a:r>
-              <a:rPr lang="zh-CN" altLang="en-US" smtClean="0"/>
-              <a:t>前端做什么？</a:t>
-            </a:r>
-            <a:endParaRPr lang="en-US" altLang="zh-CN" smtClean="0"/>
-          </a:p>
-          <a:p>
-            <a:pPr lvl="1"/>
-            <a:r>
-              <a:rPr lang="zh-CN" altLang="en-US" smtClean="0"/>
-              <a:t>事件处理</a:t>
-            </a:r>
-            <a:endParaRPr lang="en-US" altLang="zh-CN" smtClean="0"/>
-          </a:p>
-          <a:p>
-            <a:pPr lvl="2"/>
-            <a:r>
-              <a:rPr lang="zh-CN" altLang="en-US" smtClean="0"/>
-              <a:t>校验</a:t>
-            </a:r>
-            <a:endParaRPr lang="en-US" altLang="zh-CN" smtClean="0"/>
-          </a:p>
-          <a:p>
-            <a:pPr lvl="1"/>
-            <a:r>
-              <a:rPr lang="zh-CN" altLang="en-US" smtClean="0"/>
-              <a:t>前后端交互</a:t>
-            </a:r>
-            <a:endParaRPr lang="en-US" altLang="zh-CN" smtClean="0"/>
-          </a:p>
-          <a:p>
-            <a:pPr lvl="2"/>
-            <a:r>
-              <a:rPr lang="zh-CN" altLang="en-US" smtClean="0"/>
-              <a:t>告诉后台执行的动作</a:t>
-            </a:r>
-            <a:endParaRPr lang="en-US" altLang="zh-CN" smtClean="0"/>
-          </a:p>
-          <a:p>
-            <a:pPr lvl="2"/>
-            <a:r>
-              <a:rPr lang="zh-CN" altLang="en-US" smtClean="0"/>
-              <a:t>添加执行动作需要的参数</a:t>
-            </a:r>
-            <a:endParaRPr lang="en-US" altLang="zh-CN" smtClean="0"/>
-          </a:p>
-          <a:p>
-            <a:pPr lvl="2"/>
-            <a:r>
-              <a:rPr lang="zh-CN" altLang="en-US" smtClean="0"/>
-              <a:t>解析请求</a:t>
-            </a:r>
-            <a:endParaRPr lang="en-US" altLang="zh-CN" smtClean="0"/>
-          </a:p>
-          <a:p>
-            <a:pPr lvl="1"/>
-            <a:r>
-              <a:rPr lang="zh-CN" altLang="en-US" smtClean="0"/>
-              <a:t>显示相关</a:t>
-            </a:r>
-            <a:endParaRPr lang="en-US" altLang="zh-CN" smtClean="0"/>
-          </a:p>
-          <a:p>
-            <a:r>
-              <a:rPr lang="zh-CN" altLang="en-US" smtClean="0"/>
-              <a:t>后端做什么？</a:t>
-            </a:r>
-            <a:endParaRPr lang="en-US" altLang="zh-CN" smtClean="0"/>
-          </a:p>
-          <a:p>
-            <a:pPr lvl="1"/>
-            <a:r>
-              <a:rPr lang="en-US" altLang="zh-CN" smtClean="0"/>
-              <a:t>DB</a:t>
-            </a:r>
-            <a:r>
-              <a:rPr lang="zh-CN" altLang="en-US" smtClean="0"/>
-              <a:t>相关的操作</a:t>
-            </a:r>
-            <a:endParaRPr lang="en-US" altLang="zh-CN" smtClean="0"/>
-          </a:p>
-          <a:p>
-            <a:pPr lvl="1"/>
-            <a:r>
-              <a:rPr lang="zh-CN" altLang="en-US" smtClean="0"/>
-              <a:t>数据的组装</a:t>
-            </a:r>
-            <a:endParaRPr lang="en-US" altLang="zh-CN" smtClean="0"/>
-          </a:p>
-        </p:txBody>
-      </p:sp>
-    </p:spTree>
-  </p:cSld>
-  <p:clrMapOvr>
-    <a:masterClrMapping/>
-  </p:clrMapOvr>
-  <p:timing>
-    <p:tnLst>
-      <p:par>
-        <p:cTn id="1" dur="indefinite" restart="never" nodeType="tmRoot"/>
-      </p:par>
-    </p:tnLst>
-  </p:timing>
 </p:sld>
 </file>
 
@@ -18716,19 +18951,19 @@
           <a:lstStyle/>
           <a:p>
             <a:r>
-              <a:rPr lang="en-US" altLang="zh-CN" smtClean="0"/>
+              <a:rPr lang="en-US" altLang="zh-CN"/>
               <a:t>INCA  </a:t>
             </a:r>
             <a:r>
-              <a:rPr lang="zh-CN" altLang="en-US" smtClean="0"/>
+              <a:rPr lang="zh-CN" altLang="en-US"/>
               <a:t>客户端服务器交互逻辑</a:t>
             </a:r>
             <a:r>
-              <a:rPr lang="en-US" altLang="zh-CN" smtClean="0"/>
+              <a:rPr lang="en-US" altLang="zh-CN"/>
               <a:t>-1</a:t>
             </a:r>
             <a:r>
-              <a:rPr lang="zh-CN" altLang="en-US" smtClean="0"/>
+              <a:rPr lang="zh-CN" altLang="en-US"/>
               <a:t>客户端</a:t>
             </a:r>
           </a:p>
@@ -18739,7 +18974,7 @@
           <p:cNvPr id="9219" name="内容占位符 2">
             <a:extLst>
               <a:ext uri="{FF2B5EF4-FFF2-40B4-BE49-F238E27FC236}">
-                <a16:creationId xmlns="" xmlns:a16="http://schemas.microsoft.com/office/drawing/2014/main" id="{D6EFD216-8A91-4892-9C33-D79CF311B348}"/>
+                <a16:creationId xmlns:a16="http://schemas.microsoft.com/office/drawing/2014/main" id="{D6EFD216-8A91-4892-9C33-D79CF311B348}"/>
               </a:ext>
             </a:extLst>
           </p:cNvPr>
@@ -18984,13 +19219,6 @@
   <p:clrMapOvr>
     <a:masterClrMapping/>
   </p:clrMapOvr>
-  <p:timing>
-    <p:tnLst>
-      <p:par>
-        <p:cTn id="1" dur="indefinite" restart="never" nodeType="tmRoot"/>
-      </p:par>
-    </p:tnLst>
-  </p:timing>
 </p:sld>
 </file>
 
@@ -19032,19 +19260,19 @@
           <a:lstStyle/>
           <a:p>
             <a:r>
-              <a:rPr lang="en-US" altLang="zh-CN" smtClean="0"/>
+              <a:rPr lang="en-US" altLang="zh-CN"/>
               <a:t>INCA  </a:t>
             </a:r>
             <a:r>
-              <a:rPr lang="zh-CN" altLang="en-US" smtClean="0"/>
+              <a:rPr lang="zh-CN" altLang="en-US"/>
               <a:t>客户端服务器交互逻辑</a:t>
             </a:r>
             <a:r>
-              <a:rPr lang="en-US" altLang="zh-CN" smtClean="0"/>
+              <a:rPr lang="en-US" altLang="zh-CN"/>
               <a:t>-2</a:t>
             </a:r>
             <a:r>
-              <a:rPr lang="zh-CN" altLang="en-US" smtClean="0"/>
+              <a:rPr lang="zh-CN" altLang="en-US"/>
               <a:t>服务器</a:t>
             </a:r>
           </a:p>
@@ -19066,7 +19294,7 @@
           <a:lstStyle/>
           <a:p>
             <a:r>
-              <a:rPr lang="en-US" altLang="zh-CN" sz="1800" b="1" smtClean="0">
+              <a:rPr lang="en-US" altLang="zh-CN" sz="1800" b="1">
                 <a:latin typeface="Courier New" panose="02070309020205020404" pitchFamily="49" charset="0"/>
                 <a:cs typeface="Courier New" panose="02070309020205020404" pitchFamily="49" charset="0"/>
               </a:rPr>
@@ -19075,59 +19303,52 @@
           </a:p>
           <a:p>
             <a:r>
-              <a:rPr lang="fr-FR" altLang="zh-CN" sz="1800" b="1" smtClean="0">
+              <a:rPr lang="fr-FR" altLang="zh-CN" sz="1800" b="1">
                 <a:latin typeface="Courier New" panose="02070309020205020404" pitchFamily="49" charset="0"/>
                 <a:cs typeface="Courier New" panose="02070309020205020404" pitchFamily="49" charset="0"/>
               </a:rPr>
               <a:t>public int process(Userruninfo userruninfo, ClientRequest req,</a:t>
             </a:r>
             <a:r>
-              <a:rPr lang="en-US" altLang="zh-CN" sz="1800" b="1" smtClean="0">
+              <a:rPr lang="en-US" altLang="zh-CN" sz="1800" b="1">
                 <a:latin typeface="Courier New" panose="02070309020205020404" pitchFamily="49" charset="0"/>
                 <a:cs typeface="Courier New" panose="02070309020205020404" pitchFamily="49" charset="0"/>
               </a:rPr>
               <a:t>ServerResponse resp) throws Exception{</a:t>
             </a:r>
             <a:br>
-              <a:rPr lang="en-US" altLang="zh-CN" sz="1800" b="1" smtClean="0">
+              <a:rPr lang="en-US" altLang="zh-CN" sz="1800" b="1">
                 <a:latin typeface="Courier New" panose="02070309020205020404" pitchFamily="49" charset="0"/>
                 <a:cs typeface="Courier New" panose="02070309020205020404" pitchFamily="49" charset="0"/>
               </a:rPr>
             </a:br>
             <a:r>
-              <a:rPr lang="en-US" altLang="zh-CN" sz="1800" b="1" smtClean="0">
+              <a:rPr lang="en-US" altLang="zh-CN" sz="1800" b="1">
                 <a:latin typeface="Courier New" panose="02070309020205020404" pitchFamily="49" charset="0"/>
                 <a:cs typeface="Courier New" panose="02070309020205020404" pitchFamily="49" charset="0"/>
               </a:rPr>
               <a:t>	</a:t>
             </a:r>
             <a:r>
-              <a:rPr lang="en-US" altLang="zh-CN" smtClean="0">
+              <a:rPr lang="en-US" altLang="zh-CN">
                 <a:cs typeface="Courier New" panose="02070309020205020404" pitchFamily="49" charset="0"/>
               </a:rPr>
               <a:t> </a:t>
             </a:r>
             <a:r>
-              <a:rPr lang="en-US" altLang="zh-CN" sz="2000" smtClean="0">
+              <a:rPr lang="en-US" altLang="zh-CN" sz="2000">
                 <a:cs typeface="Courier New" panose="02070309020205020404" pitchFamily="49" charset="0"/>
               </a:rPr>
               <a:t>CommandBase  ServerResponse. .commandAt(int i);</a:t>
             </a:r>
-            <a:r>
-              <a:rPr lang="en-US" altLang="zh-CN" sz="1800" b="1" smtClean="0">
-                <a:latin typeface="Courier New" panose="02070309020205020404" pitchFamily="49" charset="0"/>
-                <a:cs typeface="Courier New" panose="02070309020205020404" pitchFamily="49" charset="0"/>
-              </a:rPr>
-              <a:t/>
-            </a:r>
             <a:br>
-              <a:rPr lang="en-US" altLang="zh-CN" sz="1800" b="1" smtClean="0">
+              <a:rPr lang="en-US" altLang="zh-CN" sz="1800" b="1">
                 <a:latin typeface="Courier New" panose="02070309020205020404" pitchFamily="49" charset="0"/>
                 <a:cs typeface="Courier New" panose="02070309020205020404" pitchFamily="49" charset="0"/>
               </a:rPr>
             </a:br>
             <a:r>
-              <a:rPr lang="en-US" altLang="zh-CN" sz="1800" b="1" smtClean="0">
+              <a:rPr lang="en-US" altLang="zh-CN" sz="1800" b="1">
                 <a:latin typeface="Courier New" panose="02070309020205020404" pitchFamily="49" charset="0"/>
                 <a:cs typeface="Courier New" panose="02070309020205020404" pitchFamily="49" charset="0"/>
               </a:rPr>
@@ -19136,47 +19357,47 @@
           </a:p>
           <a:p>
             <a:r>
-              <a:rPr lang="zh-CN" altLang="en-US" sz="1800" b="1" smtClean="0">
+              <a:rPr lang="zh-CN" altLang="en-US" sz="1800" b="1">
                 <a:latin typeface="Courier New" panose="02070309020205020404" pitchFamily="49" charset="0"/>
                 <a:cs typeface="Courier New" panose="02070309020205020404" pitchFamily="49" charset="0"/>
               </a:rPr>
               <a:t>此处的</a:t>
             </a:r>
             <a:r>
-              <a:rPr lang="en-US" altLang="zh-CN" sz="1800" b="1" smtClean="0">
+              <a:rPr lang="en-US" altLang="zh-CN" sz="1800" b="1">
                 <a:latin typeface="Courier New" panose="02070309020205020404" pitchFamily="49" charset="0"/>
                 <a:cs typeface="Courier New" panose="02070309020205020404" pitchFamily="49" charset="0"/>
               </a:rPr>
               <a:t>CommandBase</a:t>
             </a:r>
             <a:r>
-              <a:rPr lang="zh-CN" altLang="en-US" sz="1800" b="1" smtClean="0">
+              <a:rPr lang="zh-CN" altLang="en-US" sz="1800" b="1">
                 <a:latin typeface="Courier New" panose="02070309020205020404" pitchFamily="49" charset="0"/>
                 <a:cs typeface="Courier New" panose="02070309020205020404" pitchFamily="49" charset="0"/>
               </a:rPr>
               <a:t>和客户端的</a:t>
             </a:r>
             <a:r>
-              <a:rPr lang="en-US" altLang="zh-CN" sz="1800" b="1" smtClean="0">
+              <a:rPr lang="en-US" altLang="zh-CN" sz="1800" b="1">
                 <a:latin typeface="Courier New" panose="02070309020205020404" pitchFamily="49" charset="0"/>
                 <a:cs typeface="Courier New" panose="02070309020205020404" pitchFamily="49" charset="0"/>
               </a:rPr>
               <a:t>CommandBase</a:t>
             </a:r>
             <a:r>
-              <a:rPr lang="zh-CN" altLang="en-US" sz="1800" b="1" smtClean="0">
+              <a:rPr lang="zh-CN" altLang="en-US" sz="1800" b="1">
                 <a:latin typeface="Courier New" panose="02070309020205020404" pitchFamily="49" charset="0"/>
                 <a:cs typeface="Courier New" panose="02070309020205020404" pitchFamily="49" charset="0"/>
               </a:rPr>
               <a:t>相同</a:t>
             </a:r>
-            <a:endParaRPr lang="en-US" altLang="zh-CN" sz="1800" b="1" smtClean="0">
+            <a:endParaRPr lang="en-US" altLang="zh-CN" sz="1800" b="1">
               <a:latin typeface="Courier New" panose="02070309020205020404" pitchFamily="49" charset="0"/>
               <a:cs typeface="Courier New" panose="02070309020205020404" pitchFamily="49" charset="0"/>
             </a:endParaRPr>
           </a:p>
           <a:p>
-            <a:endParaRPr lang="en-US" altLang="zh-CN" sz="1600" b="1" smtClean="0">
+            <a:endParaRPr lang="en-US" altLang="zh-CN" sz="1600" b="1">
               <a:latin typeface="Courier New" panose="02070309020205020404" pitchFamily="49" charset="0"/>
               <a:cs typeface="Courier New" panose="02070309020205020404" pitchFamily="49" charset="0"/>
             </a:endParaRPr>
@@ -19188,13 +19409,6 @@
   <p:clrMapOvr>
     <a:masterClrMapping/>
   </p:clrMapOvr>
-  <p:timing>
-    <p:tnLst>
-      <p:par>
-        <p:cTn id="1" dur="indefinite" restart="never" nodeType="tmRoot"/>
-      </p:par>
-    </p:tnLst>
-  </p:timing>
 </p:sld>
 </file>
 
@@ -19236,14 +19450,14 @@
           <a:lstStyle/>
           <a:p>
             <a:r>
-              <a:rPr lang="en-US" altLang="zh-CN" noProof="1" smtClean="0"/>
+              <a:rPr lang="en-US" altLang="zh-CN" noProof="1"/>
               <a:t>INCA-</a:t>
             </a:r>
             <a:r>
-              <a:rPr lang="zh-CN" altLang="en-US" noProof="1" smtClean="0"/>
+              <a:rPr lang="zh-CN" altLang="en-US" noProof="1"/>
               <a:t>功能部署需要的内容</a:t>
             </a:r>
-            <a:endParaRPr lang="zh-CN" altLang="en-US" smtClean="0"/>
+            <a:endParaRPr lang="zh-CN" altLang="en-US"/>
           </a:p>
         </p:txBody>
       </p:sp>
@@ -19252,7 +19466,7 @@
           <p:cNvPr id="3" name="内容占位符 2">
             <a:extLst>
               <a:ext uri="{FF2B5EF4-FFF2-40B4-BE49-F238E27FC236}">
-                <a16:creationId xmlns="" xmlns:a16="http://schemas.microsoft.com/office/drawing/2014/main" id="{C43F9064-1521-4F7C-8CDE-DE1A52F27E89}"/>
+                <a16:creationId xmlns:a16="http://schemas.microsoft.com/office/drawing/2014/main" id="{C43F9064-1521-4F7C-8CDE-DE1A52F27E89}"/>
               </a:ext>
             </a:extLst>
           </p:cNvPr>
@@ -19277,10 +19491,6 @@
               <a:rPr lang="zh-CN" altLang="en-US" sz="2000" dirty="0"/>
               <a:t>查询产品名称是否存在，如果不存在插入</a:t>
             </a:r>
-            <a:r>
-              <a:rPr lang="en-US" altLang="zh-CN" sz="2000" dirty="0"/>
-              <a:t/>
-            </a:r>
             <a:br>
               <a:rPr lang="en-US" altLang="zh-CN" sz="2000" dirty="0"/>
             </a:br>
@@ -19322,10 +19532,6 @@
             <a:r>
               <a:rPr lang="zh-CN" altLang="en-US" sz="2000" dirty="0"/>
               <a:t>查询产品模块名称 并验证引擎和模块，如果不存在则插入</a:t>
-            </a:r>
-            <a:r>
-              <a:rPr lang="en-US" altLang="zh-CN" sz="2000" dirty="0"/>
-              <a:t/>
             </a:r>
             <a:br>
               <a:rPr lang="en-US" altLang="zh-CN" sz="2000" dirty="0"/>
@@ -19461,13 +19667,6 @@
   <p:clrMapOvr>
     <a:masterClrMapping/>
   </p:clrMapOvr>
-  <p:timing>
-    <p:tnLst>
-      <p:par>
-        <p:cTn id="1" dur="indefinite" restart="never" nodeType="tmRoot"/>
-      </p:par>
-    </p:tnLst>
-  </p:timing>
 </p:sld>
 </file>
 
@@ -19508,7 +19707,7 @@
           <a:bodyPr/>
           <a:lstStyle/>
           <a:p>
-            <a:endParaRPr lang="zh-CN" altLang="en-US" smtClean="0"/>
+            <a:endParaRPr lang="zh-CN" altLang="en-US"/>
           </a:p>
         </p:txBody>
       </p:sp>
@@ -19527,7 +19726,7 @@
           <a:bodyPr/>
           <a:lstStyle/>
           <a:p>
-            <a:endParaRPr lang="zh-CN" altLang="en-US" smtClean="0"/>
+            <a:endParaRPr lang="zh-CN" altLang="en-US"/>
           </a:p>
         </p:txBody>
       </p:sp>
@@ -19536,13 +19735,6 @@
   <p:clrMapOvr>
     <a:masterClrMapping/>
   </p:clrMapOvr>
-  <p:timing>
-    <p:tnLst>
-      <p:par>
-        <p:cTn id="1" dur="indefinite" restart="never" nodeType="tmRoot"/>
-      </p:par>
-    </p:tnLst>
-  </p:timing>
 </p:sld>
 </file>
 

--- a/INCA二次开发手册.pptx
+++ b/INCA二次开发手册.pptx
@@ -16696,14 +16696,14 @@
           <a:lstStyle/>
           <a:p>
             <a:r>
-              <a:rPr lang="zh-CN" altLang="en-US"/>
+              <a:rPr lang="zh-CN" altLang="en-US" dirty="0"/>
               <a:t>定时任务</a:t>
             </a:r>
             <a:r>
-              <a:rPr lang="en-US" altLang="zh-CN"/>
+              <a:rPr lang="en-US" altLang="zh-CN" dirty="0"/>
               <a:t>	</a:t>
             </a:r>
-            <a:endParaRPr lang="zh-CN" altLang="en-US"/>
+            <a:endParaRPr lang="zh-CN" altLang="en-US" dirty="0"/>
           </a:p>
         </p:txBody>
       </p:sp>
@@ -16723,16 +16723,17 @@
           <a:lstStyle/>
           <a:p>
             <a:r>
-              <a:rPr lang="en-US" altLang="zh-CN"/>
+              <a:rPr lang="en-US" altLang="zh-CN" dirty="0" err="1"/>
               <a:t>kn_timer_conf</a:t>
             </a:r>
-          </a:p>
-          <a:p>
-            <a:r>
-              <a:rPr lang="en-US" altLang="zh-CN"/>
+            <a:endParaRPr lang="en-US" altLang="zh-CN" dirty="0"/>
+          </a:p>
+          <a:p>
+            <a:r>
+              <a:rPr lang="en-US" altLang="zh-CN" dirty="0" err="1"/>
               <a:t>np_timer_log</a:t>
             </a:r>
-            <a:endParaRPr lang="zh-CN" altLang="en-US"/>
+            <a:endParaRPr lang="zh-CN" altLang="en-US" dirty="0"/>
           </a:p>
         </p:txBody>
       </p:sp>
@@ -16950,10 +16951,43 @@
           <a:lstStyle/>
           <a:p>
             <a:r>
+              <a:rPr lang="en-US" altLang="zh-CN" dirty="0" err="1"/>
+              <a:t>bms_st_io_up_down</a:t>
+            </a:r>
+            <a:endParaRPr lang="en-US" altLang="zh-CN" dirty="0"/>
+          </a:p>
+          <a:p>
+            <a:r>
+              <a:rPr lang="zh-CN" altLang="en-US" dirty="0"/>
+              <a:t>库存上下限参数设置</a:t>
+            </a:r>
+            <a:r>
+              <a:rPr lang="en-US" altLang="zh-CN" dirty="0" err="1"/>
+              <a:t>chn_up_down_conf_v</a:t>
+            </a:r>
+            <a:endParaRPr lang="en-US" altLang="zh-CN" dirty="0"/>
+          </a:p>
+          <a:p>
+            <a:r>
+              <a:rPr lang="zh-CN" altLang="en-US" dirty="0"/>
+              <a:t>库存上下限设置</a:t>
+            </a:r>
+            <a:r>
+              <a:rPr lang="en-US" altLang="zh-CN" dirty="0" err="1"/>
+              <a:t>chn_up_down</a:t>
+            </a:r>
+            <a:endParaRPr lang="en-US" altLang="zh-CN" dirty="0"/>
+          </a:p>
+          <a:p>
+            <a:r>
+              <a:rPr lang="zh-CN" altLang="en-US" dirty="0"/>
+              <a:t>库存上下限补到量</a:t>
+            </a:r>
+            <a:r>
               <a:rPr lang="en-US" altLang="zh-CN"/>
-              <a:t>chn_up_down_conf_v</a:t>
-            </a:r>
-            <a:endParaRPr lang="zh-CN" altLang="en-US"/>
+              <a:t>chn_up_down_param</a:t>
+            </a:r>
+            <a:endParaRPr lang="zh-CN" altLang="en-US" dirty="0"/>
           </a:p>
         </p:txBody>
       </p:sp>
@@ -18201,10 +18235,9 @@
               <a:t>bms_of_doc</a:t>
             </a:r>
             <a:r>
-              <a:rPr lang="en-US" altLang="zh-CN" sz="1200"/>
+              <a:rPr lang="en-US" altLang="zh-CN" sz="1200" dirty="0"/>
               <a:t>)</a:t>
             </a:r>
-            <a:endParaRPr lang="en-US" altLang="zh-CN" sz="1200" dirty="0"/>
           </a:p>
           <a:p>
             <a:r>
@@ -18421,6 +18454,17 @@
             <a:r>
               <a:rPr lang="en-US" altLang="zh-CN" sz="1200" dirty="0" err="1"/>
               <a:t>bms_tr_pick_doc</a:t>
+            </a:r>
+            <a:endParaRPr lang="en-US" altLang="zh-CN" sz="1200" dirty="0"/>
+          </a:p>
+          <a:p>
+            <a:r>
+              <a:rPr lang="zh-CN" altLang="en-US" sz="1200" dirty="0"/>
+              <a:t>销退验收单</a:t>
+            </a:r>
+            <a:r>
+              <a:rPr lang="en-US" altLang="zh-CN" sz="1200" dirty="0" err="1"/>
+              <a:t>zx_sa_bak_check</a:t>
             </a:r>
             <a:endParaRPr lang="en-US" altLang="zh-CN" sz="1200" dirty="0"/>
           </a:p>
